--- a/ppt/jsp_ppt/12장. 필터(Filter)-로그 기록.pptx
+++ b/ppt/jsp_ppt/12장. 필터(Filter)-로그 기록.pptx
@@ -5,7 +5,7 @@
     <p:sldMasterId id="2147483648" r:id="rId1"/>
   </p:sldMasterIdLst>
   <p:notesMasterIdLst>
-    <p:notesMasterId r:id="rId25"/>
+    <p:notesMasterId r:id="rId28"/>
   </p:notesMasterIdLst>
   <p:sldIdLst>
     <p:sldId id="256" r:id="rId2"/>
@@ -13,24 +13,27 @@
     <p:sldId id="380" r:id="rId4"/>
     <p:sldId id="363" r:id="rId5"/>
     <p:sldId id="364" r:id="rId6"/>
-    <p:sldId id="365" r:id="rId7"/>
-    <p:sldId id="383" r:id="rId8"/>
-    <p:sldId id="366" r:id="rId9"/>
-    <p:sldId id="381" r:id="rId10"/>
-    <p:sldId id="367" r:id="rId11"/>
-    <p:sldId id="379" r:id="rId12"/>
-    <p:sldId id="369" r:id="rId13"/>
-    <p:sldId id="368" r:id="rId14"/>
-    <p:sldId id="373" r:id="rId15"/>
-    <p:sldId id="382" r:id="rId16"/>
-    <p:sldId id="370" r:id="rId17"/>
-    <p:sldId id="371" r:id="rId18"/>
-    <p:sldId id="372" r:id="rId19"/>
-    <p:sldId id="377" r:id="rId20"/>
-    <p:sldId id="378" r:id="rId21"/>
-    <p:sldId id="375" r:id="rId22"/>
-    <p:sldId id="376" r:id="rId23"/>
-    <p:sldId id="374" r:id="rId24"/>
+    <p:sldId id="386" r:id="rId7"/>
+    <p:sldId id="365" r:id="rId8"/>
+    <p:sldId id="383" r:id="rId9"/>
+    <p:sldId id="366" r:id="rId10"/>
+    <p:sldId id="381" r:id="rId11"/>
+    <p:sldId id="367" r:id="rId12"/>
+    <p:sldId id="379" r:id="rId13"/>
+    <p:sldId id="369" r:id="rId14"/>
+    <p:sldId id="368" r:id="rId15"/>
+    <p:sldId id="385" r:id="rId16"/>
+    <p:sldId id="384" r:id="rId17"/>
+    <p:sldId id="373" r:id="rId18"/>
+    <p:sldId id="382" r:id="rId19"/>
+    <p:sldId id="370" r:id="rId20"/>
+    <p:sldId id="371" r:id="rId21"/>
+    <p:sldId id="372" r:id="rId22"/>
+    <p:sldId id="377" r:id="rId23"/>
+    <p:sldId id="378" r:id="rId24"/>
+    <p:sldId id="375" r:id="rId25"/>
+    <p:sldId id="376" r:id="rId26"/>
+    <p:sldId id="374" r:id="rId27"/>
   </p:sldIdLst>
   <p:sldSz cx="9906000" cy="6858000" type="A4"/>
   <p:notesSz cx="6858000" cy="9144000"/>
@@ -131,7 +134,7 @@
   </p:defaultTextStyle>
   <p:extLst>
     <p:ext uri="{EFAFB233-063F-42B5-8137-9DF3F51BA10A}">
-      <p15:sldGuideLst xmlns:p15="http://schemas.microsoft.com/office/powerpoint/2012/main" xmlns="">
+      <p15:sldGuideLst xmlns:p15="http://schemas.microsoft.com/office/powerpoint/2012/main">
         <p15:guide id="1" orient="horz" pos="2160">
           <p15:clr>
             <a:srgbClr val="A4A3A4"/>
@@ -230,7 +233,7 @@
           <a:p>
             <a:fld id="{7665CDAC-D627-4E87-877A-1B781DD4CADC}" type="datetimeFigureOut">
               <a:rPr lang="ko-KR" altLang="en-US" smtClean="0"/>
-              <a:t>2022-08-07</a:t>
+              <a:t>2023-07-08</a:t>
             </a:fld>
             <a:endParaRPr lang="ko-KR" altLang="en-US"/>
           </a:p>
@@ -768,7 +771,7 @@
           <a:p>
             <a:fld id="{F4AC81B4-D91A-4578-85B3-829E63FCFE17}" type="datetime1">
               <a:rPr lang="ko-KR" altLang="en-US" smtClean="0"/>
-              <a:t>2022-08-07</a:t>
+              <a:t>2023-07-08</a:t>
             </a:fld>
             <a:endParaRPr lang="ko-KR" altLang="en-US"/>
           </a:p>
@@ -1143,7 +1146,7 @@
           <a:p>
             <a:fld id="{F5B77542-37E5-48F2-BAE7-80CC6B0EB6A3}" type="datetime1">
               <a:rPr lang="ko-KR" altLang="en-US" smtClean="0"/>
-              <a:t>2022-08-07</a:t>
+              <a:t>2023-07-08</a:t>
             </a:fld>
             <a:endParaRPr lang="ko-KR" altLang="en-US"/>
           </a:p>
@@ -1323,7 +1326,7 @@
           <a:p>
             <a:fld id="{227CF174-B5AC-4A98-B673-0BE8126D3F27}" type="datetime1">
               <a:rPr lang="ko-KR" altLang="en-US" smtClean="0"/>
-              <a:t>2022-08-07</a:t>
+              <a:t>2023-07-08</a:t>
             </a:fld>
             <a:endParaRPr lang="ko-KR" altLang="en-US"/>
           </a:p>
@@ -1497,7 +1500,7 @@
           <a:p>
             <a:fld id="{E20FDEC8-1339-42E8-9704-2977280C2FD3}" type="datetime1">
               <a:rPr lang="ko-KR" altLang="en-US" smtClean="0"/>
-              <a:t>2022-08-07</a:t>
+              <a:t>2023-07-08</a:t>
             </a:fld>
             <a:endParaRPr lang="ko-KR" altLang="en-US"/>
           </a:p>
@@ -1743,7 +1746,7 @@
           <a:p>
             <a:fld id="{4D18DC76-A282-4817-B790-197F054E1215}" type="datetime1">
               <a:rPr lang="ko-KR" altLang="en-US" smtClean="0"/>
-              <a:t>2022-08-07</a:t>
+              <a:t>2023-07-08</a:t>
             </a:fld>
             <a:endParaRPr lang="ko-KR" altLang="en-US"/>
           </a:p>
@@ -2031,7 +2034,7 @@
           <a:p>
             <a:fld id="{6680AA6C-13D8-43E4-90F0-E6C88A2B9F16}" type="datetime1">
               <a:rPr lang="ko-KR" altLang="en-US" smtClean="0"/>
-              <a:t>2022-08-07</a:t>
+              <a:t>2023-07-08</a:t>
             </a:fld>
             <a:endParaRPr lang="ko-KR" altLang="en-US"/>
           </a:p>
@@ -2453,7 +2456,7 @@
           <a:p>
             <a:fld id="{3EF5B03B-20CC-436E-8601-C933C6C1F4A6}" type="datetime1">
               <a:rPr lang="ko-KR" altLang="en-US" smtClean="0"/>
-              <a:t>2022-08-07</a:t>
+              <a:t>2023-07-08</a:t>
             </a:fld>
             <a:endParaRPr lang="ko-KR" altLang="en-US"/>
           </a:p>
@@ -2571,7 +2574,7 @@
           <a:p>
             <a:fld id="{87B5A15D-8B08-482F-AB47-E416EC355EB6}" type="datetime1">
               <a:rPr lang="ko-KR" altLang="en-US" smtClean="0"/>
-              <a:t>2022-08-07</a:t>
+              <a:t>2023-07-08</a:t>
             </a:fld>
             <a:endParaRPr lang="ko-KR" altLang="en-US"/>
           </a:p>
@@ -2666,7 +2669,7 @@
           <a:p>
             <a:fld id="{A877D7F8-7B64-44F8-A411-CBD22F28CBFF}" type="datetime1">
               <a:rPr lang="ko-KR" altLang="en-US" smtClean="0"/>
-              <a:t>2022-08-07</a:t>
+              <a:t>2023-07-08</a:t>
             </a:fld>
             <a:endParaRPr lang="ko-KR" altLang="en-US"/>
           </a:p>
@@ -2943,7 +2946,7 @@
           <a:p>
             <a:fld id="{E12DBD9B-2BB6-4D1F-BCB4-1E48829C93C3}" type="datetime1">
               <a:rPr lang="ko-KR" altLang="en-US" smtClean="0"/>
-              <a:t>2022-08-07</a:t>
+              <a:t>2023-07-08</a:t>
             </a:fld>
             <a:endParaRPr lang="ko-KR" altLang="en-US"/>
           </a:p>
@@ -3196,7 +3199,7 @@
           <a:p>
             <a:fld id="{17564C48-0CD7-40EB-BE64-BBF4DB8C56AF}" type="datetime1">
               <a:rPr lang="ko-KR" altLang="en-US" smtClean="0"/>
-              <a:t>2022-08-07</a:t>
+              <a:t>2023-07-08</a:t>
             </a:fld>
             <a:endParaRPr lang="ko-KR" altLang="en-US"/>
           </a:p>
@@ -3376,7 +3379,7 @@
           <a:p>
             <a:fld id="{C116BCB4-B68B-4638-8167-F4BDC0A30DA1}" type="datetime1">
               <a:rPr lang="ko-KR" altLang="en-US" smtClean="0"/>
-              <a:t>2022-08-07</a:t>
+              <a:t>2023-07-08</a:t>
             </a:fld>
             <a:endParaRPr lang="ko-KR" altLang="en-US"/>
           </a:p>
@@ -4246,7 +4249,7 @@
         </p:nvSpPr>
         <p:spPr>
           <a:xfrm>
-            <a:off x="902550" y="1062298"/>
+            <a:off x="776536" y="1062298"/>
             <a:ext cx="7218802" cy="494494"/>
           </a:xfrm>
           <a:prstGeom prst="rect">
@@ -4267,7 +4270,222 @@
             </a:pPr>
             <a:r>
               <a:rPr lang="ko-KR" altLang="en-US" sz="2000" b="1" dirty="0" smtClean="0"/>
-              <a:t>필터 만들기 </a:t>
+              <a:t>폼 페이지에서 전송된 요청 처리</a:t>
+            </a:r>
+            <a:endParaRPr lang="en-US" altLang="ko-KR" sz="2000" b="1" dirty="0" smtClean="0"/>
+          </a:p>
+        </p:txBody>
+      </p:sp>
+      <p:sp>
+        <p:nvSpPr>
+          <p:cNvPr id="17" name="TextBox 16"/>
+          <p:cNvSpPr txBox="1"/>
+          <p:nvPr/>
+        </p:nvSpPr>
+        <p:spPr>
+          <a:xfrm>
+            <a:off x="6033120" y="1787732"/>
+            <a:ext cx="2237658" cy="338554"/>
+          </a:xfrm>
+          <a:prstGeom prst="rect">
+            <a:avLst/>
+          </a:prstGeom>
+          <a:noFill/>
+          <a:ln>
+            <a:solidFill>
+              <a:schemeClr val="tx1">
+                <a:lumMod val="50000"/>
+                <a:lumOff val="50000"/>
+              </a:schemeClr>
+            </a:solidFill>
+          </a:ln>
+        </p:spPr>
+        <p:txBody>
+          <a:bodyPr wrap="square" rtlCol="0">
+            <a:spAutoFit/>
+          </a:bodyPr>
+          <a:lstStyle/>
+          <a:p>
+            <a:r>
+              <a:rPr lang="en-US" altLang="ko-KR" sz="1600" dirty="0" smtClean="0"/>
+              <a:t>filter01_process.jsp</a:t>
+            </a:r>
+            <a:endParaRPr lang="ko-KR" altLang="en-US" sz="1600" dirty="0"/>
+          </a:p>
+        </p:txBody>
+      </p:sp>
+      <p:pic>
+        <p:nvPicPr>
+          <p:cNvPr id="2" name="그림 1"/>
+          <p:cNvPicPr>
+            <a:picLocks noChangeAspect="1"/>
+          </p:cNvPicPr>
+          <p:nvPr/>
+        </p:nvPicPr>
+        <p:blipFill>
+          <a:blip r:embed="rId2">
+            <a:extLst>
+              <a:ext uri="{28A0092B-C50C-407E-A947-70E740481C1C}">
+                <a14:useLocalDpi xmlns:a14="http://schemas.microsoft.com/office/drawing/2010/main" val="0"/>
+              </a:ext>
+            </a:extLst>
+          </a:blip>
+          <a:stretch>
+            <a:fillRect/>
+          </a:stretch>
+        </p:blipFill>
+        <p:spPr>
+          <a:xfrm>
+            <a:off x="1064568" y="2496250"/>
+            <a:ext cx="7376799" cy="2453853"/>
+          </a:xfrm>
+          <a:prstGeom prst="rect">
+            <a:avLst/>
+          </a:prstGeom>
+          <a:ln>
+            <a:solidFill>
+              <a:schemeClr val="bg1">
+                <a:lumMod val="85000"/>
+              </a:schemeClr>
+            </a:solidFill>
+          </a:ln>
+        </p:spPr>
+      </p:pic>
+    </p:spTree>
+    <p:extLst>
+      <p:ext uri="{BB962C8B-B14F-4D97-AF65-F5344CB8AC3E}">
+        <p14:creationId xmlns:p14="http://schemas.microsoft.com/office/powerpoint/2010/main" val="2478446785"/>
+      </p:ext>
+    </p:extLst>
+  </p:cSld>
+  <p:clrMapOvr>
+    <a:masterClrMapping/>
+  </p:clrMapOvr>
+  <p:timing>
+    <p:tnLst>
+      <p:par>
+        <p:cTn id="1" dur="indefinite" restart="never" nodeType="tmRoot"/>
+      </p:par>
+    </p:tnLst>
+  </p:timing>
+</p:sld>
+</file>
+
+<file path=ppt/slides/slide11.xml><?xml version="1.0" encoding="utf-8"?>
+<p:sld xmlns:a="http://schemas.openxmlformats.org/drawingml/2006/main" xmlns:r="http://schemas.openxmlformats.org/officeDocument/2006/relationships" xmlns:p="http://schemas.openxmlformats.org/presentationml/2006/main">
+  <p:cSld>
+    <p:spTree>
+      <p:nvGrpSpPr>
+        <p:cNvPr id="1" name=""/>
+        <p:cNvGrpSpPr/>
+        <p:nvPr/>
+      </p:nvGrpSpPr>
+      <p:grpSpPr>
+        <a:xfrm>
+          <a:off x="0" y="0"/>
+          <a:ext cx="0" cy="0"/>
+          <a:chOff x="0" y="0"/>
+          <a:chExt cx="0" cy="0"/>
+        </a:xfrm>
+      </p:grpSpPr>
+      <p:sp>
+        <p:nvSpPr>
+          <p:cNvPr id="15" name="제목 5"/>
+          <p:cNvSpPr txBox="1">
+            <a:spLocks/>
+          </p:cNvSpPr>
+          <p:nvPr/>
+        </p:nvSpPr>
+        <p:spPr>
+          <a:xfrm>
+            <a:off x="0" y="-27384"/>
+            <a:ext cx="7995338" cy="854968"/>
+          </a:xfrm>
+          <a:prstGeom prst="rect">
+            <a:avLst/>
+          </a:prstGeom>
+        </p:spPr>
+        <p:txBody>
+          <a:bodyPr anchor="ctr" anchorCtr="0"/>
+          <a:lstStyle>
+            <a:lvl1pPr algn="l" defTabSz="914400" rtl="0" eaLnBrk="1" latinLnBrk="1" hangingPunct="1">
+              <a:spcBef>
+                <a:spcPct val="0"/>
+              </a:spcBef>
+              <a:buNone/>
+              <a:defRPr sz="3200" kern="1200">
+                <a:solidFill>
+                  <a:schemeClr val="bg1"/>
+                </a:solidFill>
+                <a:latin typeface="HY헤드라인M" panose="02030600000101010101" pitchFamily="18" charset="-127"/>
+                <a:ea typeface="HY헤드라인M" panose="02030600000101010101" pitchFamily="18" charset="-127"/>
+                <a:cs typeface="+mj-cs"/>
+              </a:defRPr>
+            </a:lvl1pPr>
+          </a:lstStyle>
+          <a:p>
+            <a:r>
+              <a:rPr lang="en-US" altLang="ko-KR" dirty="0" smtClean="0"/>
+              <a:t> </a:t>
+            </a:r>
+            <a:r>
+              <a:rPr lang="ko-KR" altLang="en-US" dirty="0"/>
+              <a:t> </a:t>
+            </a:r>
+            <a:r>
+              <a:rPr lang="ko-KR" altLang="en-US" dirty="0" smtClean="0"/>
+              <a:t>필터</a:t>
+            </a:r>
+            <a:r>
+              <a:rPr lang="en-US" altLang="ko-KR" dirty="0" smtClean="0"/>
+              <a:t>(Filter)</a:t>
+            </a:r>
+            <a:endParaRPr lang="ko-KR" altLang="en-US" dirty="0"/>
+          </a:p>
+        </p:txBody>
+      </p:sp>
+      <p:sp>
+        <p:nvSpPr>
+          <p:cNvPr id="5" name="TextBox 4"/>
+          <p:cNvSpPr txBox="1"/>
+          <p:nvPr/>
+        </p:nvSpPr>
+        <p:spPr>
+          <a:xfrm>
+            <a:off x="902550" y="1062298"/>
+            <a:ext cx="7218802" cy="553998"/>
+          </a:xfrm>
+          <a:prstGeom prst="rect">
+            <a:avLst/>
+          </a:prstGeom>
+          <a:noFill/>
+        </p:spPr>
+        <p:txBody>
+          <a:bodyPr wrap="square" rtlCol="0">
+            <a:spAutoFit/>
+          </a:bodyPr>
+          <a:lstStyle/>
+          <a:p>
+            <a:pPr>
+              <a:lnSpc>
+                <a:spcPct val="150000"/>
+              </a:lnSpc>
+            </a:pPr>
+            <a:r>
+              <a:rPr lang="ko-KR" altLang="en-US" sz="2000" b="1" dirty="0" smtClean="0"/>
+              <a:t>한글 </a:t>
+            </a:r>
+            <a:r>
+              <a:rPr lang="ko-KR" altLang="en-US" sz="2000" b="1" dirty="0" err="1" smtClean="0"/>
+              <a:t>인코딩</a:t>
+            </a:r>
+            <a:r>
+              <a:rPr lang="ko-KR" altLang="en-US" sz="2000" b="1" dirty="0" smtClean="0"/>
+              <a:t> 필터 </a:t>
+            </a:r>
+            <a:r>
+              <a:rPr lang="ko-KR" altLang="en-US" sz="2000" b="1" dirty="0" smtClean="0"/>
+              <a:t>만들기 </a:t>
             </a:r>
             <a:r>
               <a:rPr lang="en-US" altLang="ko-KR" sz="2000" b="1" dirty="0" smtClean="0"/>
@@ -4336,7 +4554,7 @@
           <p:cNvPr id="7" name="모서리가 둥근 직사각형 6">
             <a:extLst>
               <a:ext uri="{FF2B5EF4-FFF2-40B4-BE49-F238E27FC236}">
-                <a16:creationId xmlns:a16="http://schemas.microsoft.com/office/drawing/2014/main" xmlns="" id="{792DA8B4-17B2-454B-97AC-17311A4832C5}"/>
+                <a16:creationId xmlns:a16="http://schemas.microsoft.com/office/drawing/2014/main" id="{792DA8B4-17B2-454B-97AC-17311A4832C5}"/>
               </a:ext>
             </a:extLst>
           </p:cNvPr>
@@ -4607,7 +4825,7 @@
           <p:cNvPr id="17" name="모서리가 둥근 직사각형 16">
             <a:extLst>
               <a:ext uri="{FF2B5EF4-FFF2-40B4-BE49-F238E27FC236}">
-                <a16:creationId xmlns:a16="http://schemas.microsoft.com/office/drawing/2014/main" xmlns="" id="{792DA8B4-17B2-454B-97AC-17311A4832C5}"/>
+                <a16:creationId xmlns:a16="http://schemas.microsoft.com/office/drawing/2014/main" id="{792DA8B4-17B2-454B-97AC-17311A4832C5}"/>
               </a:ext>
             </a:extLst>
           </p:cNvPr>
@@ -4774,7 +4992,7 @@
 </p:sld>
 </file>
 
-<file path=ppt/slides/slide11.xml><?xml version="1.0" encoding="utf-8"?>
+<file path=ppt/slides/slide12.xml><?xml version="1.0" encoding="utf-8"?>
 <p:sld xmlns:a="http://schemas.openxmlformats.org/drawingml/2006/main" xmlns:r="http://schemas.openxmlformats.org/officeDocument/2006/relationships" xmlns:p="http://schemas.openxmlformats.org/presentationml/2006/main">
   <p:cSld>
     <p:spTree>
@@ -4932,242 +5150,6 @@
     <p:extLst>
       <p:ext uri="{BB962C8B-B14F-4D97-AF65-F5344CB8AC3E}">
         <p14:creationId xmlns:p14="http://schemas.microsoft.com/office/powerpoint/2010/main" val="16807933"/>
-      </p:ext>
-    </p:extLst>
-  </p:cSld>
-  <p:clrMapOvr>
-    <a:masterClrMapping/>
-  </p:clrMapOvr>
-  <p:timing>
-    <p:tnLst>
-      <p:par>
-        <p:cTn id="1" dur="indefinite" restart="never" nodeType="tmRoot"/>
-      </p:par>
-    </p:tnLst>
-  </p:timing>
-</p:sld>
-</file>
-
-<file path=ppt/slides/slide12.xml><?xml version="1.0" encoding="utf-8"?>
-<p:sld xmlns:a="http://schemas.openxmlformats.org/drawingml/2006/main" xmlns:r="http://schemas.openxmlformats.org/officeDocument/2006/relationships" xmlns:p="http://schemas.openxmlformats.org/presentationml/2006/main">
-  <p:cSld>
-    <p:spTree>
-      <p:nvGrpSpPr>
-        <p:cNvPr id="1" name=""/>
-        <p:cNvGrpSpPr/>
-        <p:nvPr/>
-      </p:nvGrpSpPr>
-      <p:grpSpPr>
-        <a:xfrm>
-          <a:off x="0" y="0"/>
-          <a:ext cx="0" cy="0"/>
-          <a:chOff x="0" y="0"/>
-          <a:chExt cx="0" cy="0"/>
-        </a:xfrm>
-      </p:grpSpPr>
-      <p:pic>
-        <p:nvPicPr>
-          <p:cNvPr id="4" name="그림 3"/>
-          <p:cNvPicPr>
-            <a:picLocks noChangeAspect="1"/>
-          </p:cNvPicPr>
-          <p:nvPr/>
-        </p:nvPicPr>
-        <p:blipFill>
-          <a:blip r:embed="rId2">
-            <a:extLst>
-              <a:ext uri="{28A0092B-C50C-407E-A947-70E740481C1C}">
-                <a14:useLocalDpi xmlns:a14="http://schemas.microsoft.com/office/drawing/2010/main" val="0"/>
-              </a:ext>
-            </a:extLst>
-          </a:blip>
-          <a:stretch>
-            <a:fillRect/>
-          </a:stretch>
-        </p:blipFill>
-        <p:spPr>
-          <a:xfrm>
-            <a:off x="1043541" y="980727"/>
-            <a:ext cx="8155441" cy="5258205"/>
-          </a:xfrm>
-          <a:prstGeom prst="rect">
-            <a:avLst/>
-          </a:prstGeom>
-          <a:ln>
-            <a:solidFill>
-              <a:schemeClr val="bg1">
-                <a:lumMod val="85000"/>
-              </a:schemeClr>
-            </a:solidFill>
-          </a:ln>
-        </p:spPr>
-      </p:pic>
-      <p:sp>
-        <p:nvSpPr>
-          <p:cNvPr id="15" name="제목 5"/>
-          <p:cNvSpPr txBox="1">
-            <a:spLocks/>
-          </p:cNvSpPr>
-          <p:nvPr/>
-        </p:nvSpPr>
-        <p:spPr>
-          <a:xfrm>
-            <a:off x="0" y="-27384"/>
-            <a:ext cx="7995338" cy="854968"/>
-          </a:xfrm>
-          <a:prstGeom prst="rect">
-            <a:avLst/>
-          </a:prstGeom>
-        </p:spPr>
-        <p:txBody>
-          <a:bodyPr anchor="ctr" anchorCtr="0"/>
-          <a:lstStyle>
-            <a:lvl1pPr algn="l" defTabSz="914400" rtl="0" eaLnBrk="1" latinLnBrk="1" hangingPunct="1">
-              <a:spcBef>
-                <a:spcPct val="0"/>
-              </a:spcBef>
-              <a:buNone/>
-              <a:defRPr sz="3200" kern="1200">
-                <a:solidFill>
-                  <a:schemeClr val="bg1"/>
-                </a:solidFill>
-                <a:latin typeface="HY헤드라인M" panose="02030600000101010101" pitchFamily="18" charset="-127"/>
-                <a:ea typeface="HY헤드라인M" panose="02030600000101010101" pitchFamily="18" charset="-127"/>
-                <a:cs typeface="+mj-cs"/>
-              </a:defRPr>
-            </a:lvl1pPr>
-          </a:lstStyle>
-          <a:p>
-            <a:r>
-              <a:rPr lang="en-US" altLang="ko-KR" dirty="0" smtClean="0"/>
-              <a:t> </a:t>
-            </a:r>
-            <a:r>
-              <a:rPr lang="ko-KR" altLang="en-US" dirty="0"/>
-              <a:t> </a:t>
-            </a:r>
-            <a:r>
-              <a:rPr lang="ko-KR" altLang="en-US" dirty="0" smtClean="0"/>
-              <a:t>필터</a:t>
-            </a:r>
-            <a:r>
-              <a:rPr lang="en-US" altLang="ko-KR" dirty="0" smtClean="0"/>
-              <a:t>(Filter)</a:t>
-            </a:r>
-            <a:endParaRPr lang="ko-KR" altLang="en-US" dirty="0"/>
-          </a:p>
-        </p:txBody>
-      </p:sp>
-      <p:sp>
-        <p:nvSpPr>
-          <p:cNvPr id="7" name="TextBox 6"/>
-          <p:cNvSpPr txBox="1"/>
-          <p:nvPr/>
-        </p:nvSpPr>
-        <p:spPr>
-          <a:xfrm>
-            <a:off x="7781530" y="1628800"/>
-            <a:ext cx="1800200" cy="338554"/>
-          </a:xfrm>
-          <a:prstGeom prst="rect">
-            <a:avLst/>
-          </a:prstGeom>
-          <a:noFill/>
-          <a:ln>
-            <a:solidFill>
-              <a:schemeClr val="tx1">
-                <a:lumMod val="50000"/>
-                <a:lumOff val="50000"/>
-              </a:schemeClr>
-            </a:solidFill>
-          </a:ln>
-        </p:spPr>
-        <p:txBody>
-          <a:bodyPr wrap="square" rtlCol="0">
-            <a:spAutoFit/>
-          </a:bodyPr>
-          <a:lstStyle/>
-          <a:p>
-            <a:r>
-              <a:rPr lang="en-US" altLang="ko-KR" sz="1600" dirty="0" smtClean="0"/>
-              <a:t>AuthenFilter.java</a:t>
-            </a:r>
-            <a:endParaRPr lang="ko-KR" altLang="en-US" sz="1600" dirty="0"/>
-          </a:p>
-        </p:txBody>
-      </p:sp>
-      <p:pic>
-        <p:nvPicPr>
-          <p:cNvPr id="8" name="그림 7"/>
-          <p:cNvPicPr>
-            <a:picLocks noChangeAspect="1"/>
-          </p:cNvPicPr>
-          <p:nvPr/>
-        </p:nvPicPr>
-        <p:blipFill>
-          <a:blip r:embed="rId3">
-            <a:extLst>
-              <a:ext uri="{28A0092B-C50C-407E-A947-70E740481C1C}">
-                <a14:useLocalDpi xmlns:a14="http://schemas.microsoft.com/office/drawing/2010/main" val="0"/>
-              </a:ext>
-            </a:extLst>
-          </a:blip>
-          <a:stretch>
-            <a:fillRect/>
-          </a:stretch>
-        </p:blipFill>
-        <p:spPr>
-          <a:xfrm>
-            <a:off x="5455534" y="5126565"/>
-            <a:ext cx="4033970" cy="683840"/>
-          </a:xfrm>
-          <a:prstGeom prst="rect">
-            <a:avLst/>
-          </a:prstGeom>
-          <a:ln>
-            <a:solidFill>
-              <a:schemeClr val="accent5">
-                <a:lumMod val="20000"/>
-                <a:lumOff val="80000"/>
-              </a:schemeClr>
-            </a:solidFill>
-          </a:ln>
-        </p:spPr>
-      </p:pic>
-      <p:sp>
-        <p:nvSpPr>
-          <p:cNvPr id="3" name="TextBox 2"/>
-          <p:cNvSpPr txBox="1"/>
-          <p:nvPr/>
-        </p:nvSpPr>
-        <p:spPr>
-          <a:xfrm>
-            <a:off x="7781530" y="4708474"/>
-            <a:ext cx="1564026" cy="338554"/>
-          </a:xfrm>
-          <a:prstGeom prst="rect">
-            <a:avLst/>
-          </a:prstGeom>
-          <a:noFill/>
-        </p:spPr>
-        <p:txBody>
-          <a:bodyPr wrap="square" rtlCol="0">
-            <a:spAutoFit/>
-          </a:bodyPr>
-          <a:lstStyle/>
-          <a:p>
-            <a:r>
-              <a:rPr lang="ko-KR" altLang="en-US" sz="1600" b="1" smtClean="0"/>
-              <a:t>로그가 기록됨</a:t>
-            </a:r>
-            <a:endParaRPr lang="ko-KR" altLang="en-US" sz="1600" b="1"/>
-          </a:p>
-        </p:txBody>
-      </p:sp>
-    </p:spTree>
-    <p:extLst>
-      <p:ext uri="{BB962C8B-B14F-4D97-AF65-F5344CB8AC3E}">
-        <p14:creationId xmlns:p14="http://schemas.microsoft.com/office/powerpoint/2010/main" val="1588946929"/>
       </p:ext>
     </p:extLst>
   </p:cSld>
@@ -5201,6 +5183,43 @@
           <a:chExt cx="0" cy="0"/>
         </a:xfrm>
       </p:grpSpPr>
+      <p:pic>
+        <p:nvPicPr>
+          <p:cNvPr id="2" name="그림 1"/>
+          <p:cNvPicPr>
+            <a:picLocks noChangeAspect="1"/>
+          </p:cNvPicPr>
+          <p:nvPr/>
+        </p:nvPicPr>
+        <p:blipFill>
+          <a:blip r:embed="rId2">
+            <a:extLst>
+              <a:ext uri="{28A0092B-C50C-407E-A947-70E740481C1C}">
+                <a14:useLocalDpi xmlns:a14="http://schemas.microsoft.com/office/drawing/2010/main" val="0"/>
+              </a:ext>
+            </a:extLst>
+          </a:blip>
+          <a:stretch>
+            <a:fillRect/>
+          </a:stretch>
+        </p:blipFill>
+        <p:spPr>
+          <a:xfrm>
+            <a:off x="455708" y="1359227"/>
+            <a:ext cx="9033796" cy="3235694"/>
+          </a:xfrm>
+          <a:prstGeom prst="rect">
+            <a:avLst/>
+          </a:prstGeom>
+          <a:ln>
+            <a:solidFill>
+              <a:schemeClr val="bg1">
+                <a:lumMod val="85000"/>
+              </a:schemeClr>
+            </a:solidFill>
+          </a:ln>
+        </p:spPr>
+      </p:pic>
       <p:sp>
         <p:nvSpPr>
           <p:cNvPr id="15" name="제목 5"/>
@@ -5259,6 +5278,205 @@
       </p:sp>
       <p:sp>
         <p:nvSpPr>
+          <p:cNvPr id="7" name="TextBox 6"/>
+          <p:cNvSpPr txBox="1"/>
+          <p:nvPr/>
+        </p:nvSpPr>
+        <p:spPr>
+          <a:xfrm>
+            <a:off x="7472519" y="2276872"/>
+            <a:ext cx="1800200" cy="338554"/>
+          </a:xfrm>
+          <a:prstGeom prst="rect">
+            <a:avLst/>
+          </a:prstGeom>
+          <a:noFill/>
+          <a:ln>
+            <a:solidFill>
+              <a:schemeClr val="tx1">
+                <a:lumMod val="50000"/>
+                <a:lumOff val="50000"/>
+              </a:schemeClr>
+            </a:solidFill>
+          </a:ln>
+        </p:spPr>
+        <p:txBody>
+          <a:bodyPr wrap="square" rtlCol="0">
+            <a:spAutoFit/>
+          </a:bodyPr>
+          <a:lstStyle/>
+          <a:p>
+            <a:r>
+              <a:rPr lang="en-US" altLang="ko-KR" sz="1600" dirty="0" smtClean="0"/>
+              <a:t>AuthenFilter.java</a:t>
+            </a:r>
+            <a:endParaRPr lang="ko-KR" altLang="en-US" sz="1600" dirty="0"/>
+          </a:p>
+        </p:txBody>
+      </p:sp>
+      <p:pic>
+        <p:nvPicPr>
+          <p:cNvPr id="8" name="그림 7"/>
+          <p:cNvPicPr>
+            <a:picLocks noChangeAspect="1"/>
+          </p:cNvPicPr>
+          <p:nvPr/>
+        </p:nvPicPr>
+        <p:blipFill>
+          <a:blip r:embed="rId3">
+            <a:extLst>
+              <a:ext uri="{28A0092B-C50C-407E-A947-70E740481C1C}">
+                <a14:useLocalDpi xmlns:a14="http://schemas.microsoft.com/office/drawing/2010/main" val="0"/>
+              </a:ext>
+            </a:extLst>
+          </a:blip>
+          <a:stretch>
+            <a:fillRect/>
+          </a:stretch>
+        </p:blipFill>
+        <p:spPr>
+          <a:xfrm>
+            <a:off x="5455534" y="5126565"/>
+            <a:ext cx="4033970" cy="683840"/>
+          </a:xfrm>
+          <a:prstGeom prst="rect">
+            <a:avLst/>
+          </a:prstGeom>
+          <a:ln>
+            <a:solidFill>
+              <a:schemeClr val="accent5">
+                <a:lumMod val="20000"/>
+                <a:lumOff val="80000"/>
+              </a:schemeClr>
+            </a:solidFill>
+          </a:ln>
+        </p:spPr>
+      </p:pic>
+      <p:sp>
+        <p:nvSpPr>
+          <p:cNvPr id="3" name="TextBox 2"/>
+          <p:cNvSpPr txBox="1"/>
+          <p:nvPr/>
+        </p:nvSpPr>
+        <p:spPr>
+          <a:xfrm>
+            <a:off x="7781530" y="4708474"/>
+            <a:ext cx="1564026" cy="338554"/>
+          </a:xfrm>
+          <a:prstGeom prst="rect">
+            <a:avLst/>
+          </a:prstGeom>
+          <a:noFill/>
+        </p:spPr>
+        <p:txBody>
+          <a:bodyPr wrap="square" rtlCol="0">
+            <a:spAutoFit/>
+          </a:bodyPr>
+          <a:lstStyle/>
+          <a:p>
+            <a:r>
+              <a:rPr lang="ko-KR" altLang="en-US" sz="1600" b="1" smtClean="0"/>
+              <a:t>로그가 기록됨</a:t>
+            </a:r>
+            <a:endParaRPr lang="ko-KR" altLang="en-US" sz="1600" b="1"/>
+          </a:p>
+        </p:txBody>
+      </p:sp>
+    </p:spTree>
+    <p:extLst>
+      <p:ext uri="{BB962C8B-B14F-4D97-AF65-F5344CB8AC3E}">
+        <p14:creationId xmlns:p14="http://schemas.microsoft.com/office/powerpoint/2010/main" val="1588946929"/>
+      </p:ext>
+    </p:extLst>
+  </p:cSld>
+  <p:clrMapOvr>
+    <a:masterClrMapping/>
+  </p:clrMapOvr>
+  <p:timing>
+    <p:tnLst>
+      <p:par>
+        <p:cTn id="1" dur="indefinite" restart="never" nodeType="tmRoot"/>
+      </p:par>
+    </p:tnLst>
+  </p:timing>
+</p:sld>
+</file>
+
+<file path=ppt/slides/slide14.xml><?xml version="1.0" encoding="utf-8"?>
+<p:sld xmlns:a="http://schemas.openxmlformats.org/drawingml/2006/main" xmlns:r="http://schemas.openxmlformats.org/officeDocument/2006/relationships" xmlns:p="http://schemas.openxmlformats.org/presentationml/2006/main">
+  <p:cSld>
+    <p:spTree>
+      <p:nvGrpSpPr>
+        <p:cNvPr id="1" name=""/>
+        <p:cNvGrpSpPr/>
+        <p:nvPr/>
+      </p:nvGrpSpPr>
+      <p:grpSpPr>
+        <a:xfrm>
+          <a:off x="0" y="0"/>
+          <a:ext cx="0" cy="0"/>
+          <a:chOff x="0" y="0"/>
+          <a:chExt cx="0" cy="0"/>
+        </a:xfrm>
+      </p:grpSpPr>
+      <p:sp>
+        <p:nvSpPr>
+          <p:cNvPr id="15" name="제목 5"/>
+          <p:cNvSpPr txBox="1">
+            <a:spLocks/>
+          </p:cNvSpPr>
+          <p:nvPr/>
+        </p:nvSpPr>
+        <p:spPr>
+          <a:xfrm>
+            <a:off x="0" y="-27384"/>
+            <a:ext cx="7995338" cy="854968"/>
+          </a:xfrm>
+          <a:prstGeom prst="rect">
+            <a:avLst/>
+          </a:prstGeom>
+        </p:spPr>
+        <p:txBody>
+          <a:bodyPr anchor="ctr" anchorCtr="0"/>
+          <a:lstStyle>
+            <a:lvl1pPr algn="l" defTabSz="914400" rtl="0" eaLnBrk="1" latinLnBrk="1" hangingPunct="1">
+              <a:spcBef>
+                <a:spcPct val="0"/>
+              </a:spcBef>
+              <a:buNone/>
+              <a:defRPr sz="3200" kern="1200">
+                <a:solidFill>
+                  <a:schemeClr val="bg1"/>
+                </a:solidFill>
+                <a:latin typeface="HY헤드라인M" panose="02030600000101010101" pitchFamily="18" charset="-127"/>
+                <a:ea typeface="HY헤드라인M" panose="02030600000101010101" pitchFamily="18" charset="-127"/>
+                <a:cs typeface="+mj-cs"/>
+              </a:defRPr>
+            </a:lvl1pPr>
+          </a:lstStyle>
+          <a:p>
+            <a:r>
+              <a:rPr lang="en-US" altLang="ko-KR" dirty="0" smtClean="0"/>
+              <a:t> </a:t>
+            </a:r>
+            <a:r>
+              <a:rPr lang="ko-KR" altLang="en-US" dirty="0"/>
+              <a:t> </a:t>
+            </a:r>
+            <a:r>
+              <a:rPr lang="ko-KR" altLang="en-US" dirty="0" smtClean="0"/>
+              <a:t>필터</a:t>
+            </a:r>
+            <a:r>
+              <a:rPr lang="en-US" altLang="ko-KR" dirty="0" smtClean="0"/>
+              <a:t>(Filter)</a:t>
+            </a:r>
+            <a:endParaRPr lang="ko-KR" altLang="en-US" dirty="0"/>
+          </a:p>
+        </p:txBody>
+      </p:sp>
+      <p:sp>
+        <p:nvSpPr>
           <p:cNvPr id="5" name="TextBox 4"/>
           <p:cNvSpPr txBox="1"/>
           <p:nvPr/>
@@ -5290,7 +5508,407 @@
             </a:r>
             <a:r>
               <a:rPr lang="ko-KR" altLang="en-US" sz="2000" b="1" dirty="0" smtClean="0"/>
-              <a:t>에 등록 후 결과</a:t>
+              <a:t>에 </a:t>
+            </a:r>
+            <a:r>
+              <a:rPr lang="en-US" altLang="ko-KR" sz="2000" b="1" dirty="0" err="1" smtClean="0"/>
+              <a:t>AuthenFilter</a:t>
+            </a:r>
+            <a:r>
+              <a:rPr lang="en-US" altLang="ko-KR" sz="2000" b="1" dirty="0" smtClean="0"/>
+              <a:t> </a:t>
+            </a:r>
+            <a:r>
+              <a:rPr lang="ko-KR" altLang="en-US" sz="2000" b="1" dirty="0" smtClean="0"/>
+              <a:t>등록</a:t>
+            </a:r>
+            <a:endParaRPr lang="en-US" altLang="ko-KR" sz="2000" b="1" dirty="0" smtClean="0"/>
+          </a:p>
+        </p:txBody>
+      </p:sp>
+      <p:pic>
+        <p:nvPicPr>
+          <p:cNvPr id="7" name="그림 6"/>
+          <p:cNvPicPr>
+            <a:picLocks noChangeAspect="1"/>
+          </p:cNvPicPr>
+          <p:nvPr/>
+        </p:nvPicPr>
+        <p:blipFill>
+          <a:blip r:embed="rId2">
+            <a:extLst>
+              <a:ext uri="{28A0092B-C50C-407E-A947-70E740481C1C}">
+                <a14:useLocalDpi xmlns:a14="http://schemas.microsoft.com/office/drawing/2010/main" val="0"/>
+              </a:ext>
+            </a:extLst>
+          </a:blip>
+          <a:stretch>
+            <a:fillRect/>
+          </a:stretch>
+        </p:blipFill>
+        <p:spPr>
+          <a:xfrm>
+            <a:off x="1136576" y="1988840"/>
+            <a:ext cx="7329286" cy="2088232"/>
+          </a:xfrm>
+          <a:prstGeom prst="rect">
+            <a:avLst/>
+          </a:prstGeom>
+          <a:ln>
+            <a:solidFill>
+              <a:schemeClr val="bg1">
+                <a:lumMod val="85000"/>
+              </a:schemeClr>
+            </a:solidFill>
+          </a:ln>
+        </p:spPr>
+      </p:pic>
+    </p:spTree>
+    <p:extLst>
+      <p:ext uri="{BB962C8B-B14F-4D97-AF65-F5344CB8AC3E}">
+        <p14:creationId xmlns:p14="http://schemas.microsoft.com/office/powerpoint/2010/main" val="1292814359"/>
+      </p:ext>
+    </p:extLst>
+  </p:cSld>
+  <p:clrMapOvr>
+    <a:masterClrMapping/>
+  </p:clrMapOvr>
+  <p:timing>
+    <p:tnLst>
+      <p:par>
+        <p:cTn id="1" dur="indefinite" restart="never" nodeType="tmRoot"/>
+      </p:par>
+    </p:tnLst>
+  </p:timing>
+</p:sld>
+</file>
+
+<file path=ppt/slides/slide15.xml><?xml version="1.0" encoding="utf-8"?>
+<p:sld xmlns:a="http://schemas.openxmlformats.org/drawingml/2006/main" xmlns:r="http://schemas.openxmlformats.org/officeDocument/2006/relationships" xmlns:p="http://schemas.openxmlformats.org/presentationml/2006/main">
+  <p:cSld>
+    <p:spTree>
+      <p:nvGrpSpPr>
+        <p:cNvPr id="1" name=""/>
+        <p:cNvGrpSpPr/>
+        <p:nvPr/>
+      </p:nvGrpSpPr>
+      <p:grpSpPr>
+        <a:xfrm>
+          <a:off x="0" y="0"/>
+          <a:ext cx="0" cy="0"/>
+          <a:chOff x="0" y="0"/>
+          <a:chExt cx="0" cy="0"/>
+        </a:xfrm>
+      </p:grpSpPr>
+      <p:sp>
+        <p:nvSpPr>
+          <p:cNvPr id="15" name="제목 5"/>
+          <p:cNvSpPr txBox="1">
+            <a:spLocks/>
+          </p:cNvSpPr>
+          <p:nvPr/>
+        </p:nvSpPr>
+        <p:spPr>
+          <a:xfrm>
+            <a:off x="0" y="-27384"/>
+            <a:ext cx="7995338" cy="854968"/>
+          </a:xfrm>
+          <a:prstGeom prst="rect">
+            <a:avLst/>
+          </a:prstGeom>
+        </p:spPr>
+        <p:txBody>
+          <a:bodyPr anchor="ctr" anchorCtr="0"/>
+          <a:lstStyle>
+            <a:lvl1pPr algn="l" defTabSz="914400" rtl="0" eaLnBrk="1" latinLnBrk="1" hangingPunct="1">
+              <a:spcBef>
+                <a:spcPct val="0"/>
+              </a:spcBef>
+              <a:buNone/>
+              <a:defRPr sz="3200" kern="1200">
+                <a:solidFill>
+                  <a:schemeClr val="bg1"/>
+                </a:solidFill>
+                <a:latin typeface="HY헤드라인M" panose="02030600000101010101" pitchFamily="18" charset="-127"/>
+                <a:ea typeface="HY헤드라인M" panose="02030600000101010101" pitchFamily="18" charset="-127"/>
+                <a:cs typeface="+mj-cs"/>
+              </a:defRPr>
+            </a:lvl1pPr>
+          </a:lstStyle>
+          <a:p>
+            <a:r>
+              <a:rPr lang="en-US" altLang="ko-KR" dirty="0" smtClean="0"/>
+              <a:t> </a:t>
+            </a:r>
+            <a:r>
+              <a:rPr lang="ko-KR" altLang="en-US" dirty="0"/>
+              <a:t> </a:t>
+            </a:r>
+            <a:r>
+              <a:rPr lang="ko-KR" altLang="en-US" dirty="0" smtClean="0"/>
+              <a:t>필터</a:t>
+            </a:r>
+            <a:r>
+              <a:rPr lang="en-US" altLang="ko-KR" dirty="0" smtClean="0"/>
+              <a:t>(Filter)</a:t>
+            </a:r>
+            <a:endParaRPr lang="ko-KR" altLang="en-US" dirty="0"/>
+          </a:p>
+        </p:txBody>
+      </p:sp>
+      <p:pic>
+        <p:nvPicPr>
+          <p:cNvPr id="2" name="그림 1"/>
+          <p:cNvPicPr>
+            <a:picLocks noChangeAspect="1"/>
+          </p:cNvPicPr>
+          <p:nvPr/>
+        </p:nvPicPr>
+        <p:blipFill>
+          <a:blip r:embed="rId2">
+            <a:extLst>
+              <a:ext uri="{28A0092B-C50C-407E-A947-70E740481C1C}">
+                <a14:useLocalDpi xmlns:a14="http://schemas.microsoft.com/office/drawing/2010/main" val="0"/>
+              </a:ext>
+            </a:extLst>
+          </a:blip>
+          <a:stretch>
+            <a:fillRect/>
+          </a:stretch>
+        </p:blipFill>
+        <p:spPr>
+          <a:xfrm>
+            <a:off x="632520" y="1706885"/>
+            <a:ext cx="8769424" cy="4314403"/>
+          </a:xfrm>
+          <a:prstGeom prst="rect">
+            <a:avLst/>
+          </a:prstGeom>
+          <a:ln>
+            <a:solidFill>
+              <a:schemeClr val="bg1">
+                <a:lumMod val="85000"/>
+              </a:schemeClr>
+            </a:solidFill>
+          </a:ln>
+        </p:spPr>
+      </p:pic>
+      <p:sp>
+        <p:nvSpPr>
+          <p:cNvPr id="7" name="TextBox 6"/>
+          <p:cNvSpPr txBox="1"/>
+          <p:nvPr/>
+        </p:nvSpPr>
+        <p:spPr>
+          <a:xfrm>
+            <a:off x="7401272" y="2492896"/>
+            <a:ext cx="1800200" cy="338554"/>
+          </a:xfrm>
+          <a:prstGeom prst="rect">
+            <a:avLst/>
+          </a:prstGeom>
+          <a:noFill/>
+          <a:ln>
+            <a:solidFill>
+              <a:schemeClr val="tx1">
+                <a:lumMod val="50000"/>
+                <a:lumOff val="50000"/>
+              </a:schemeClr>
+            </a:solidFill>
+          </a:ln>
+        </p:spPr>
+        <p:txBody>
+          <a:bodyPr wrap="square" rtlCol="0">
+            <a:spAutoFit/>
+          </a:bodyPr>
+          <a:lstStyle/>
+          <a:p>
+            <a:r>
+              <a:rPr lang="en-US" altLang="ko-KR" sz="1600" dirty="0" smtClean="0"/>
+              <a:t>AuthenFilter.java</a:t>
+            </a:r>
+            <a:endParaRPr lang="ko-KR" altLang="en-US" sz="1600" dirty="0"/>
+          </a:p>
+        </p:txBody>
+      </p:sp>
+      <p:sp>
+        <p:nvSpPr>
+          <p:cNvPr id="9" name="TextBox 8"/>
+          <p:cNvSpPr txBox="1"/>
+          <p:nvPr/>
+        </p:nvSpPr>
+        <p:spPr>
+          <a:xfrm>
+            <a:off x="776536" y="1062298"/>
+            <a:ext cx="7218802" cy="494494"/>
+          </a:xfrm>
+          <a:prstGeom prst="rect">
+            <a:avLst/>
+          </a:prstGeom>
+          <a:noFill/>
+        </p:spPr>
+        <p:txBody>
+          <a:bodyPr wrap="square" rtlCol="0">
+            <a:spAutoFit/>
+          </a:bodyPr>
+          <a:lstStyle/>
+          <a:p>
+            <a:pPr>
+              <a:lnSpc>
+                <a:spcPct val="150000"/>
+              </a:lnSpc>
+            </a:pPr>
+            <a:r>
+              <a:rPr lang="ko-KR" altLang="en-US" sz="2000" b="1" dirty="0" err="1" smtClean="0"/>
+              <a:t>입력값</a:t>
+            </a:r>
+            <a:r>
+              <a:rPr lang="ko-KR" altLang="en-US" sz="2000" b="1" dirty="0" smtClean="0"/>
+              <a:t> 오류를 처리하는 필터</a:t>
+            </a:r>
+            <a:endParaRPr lang="en-US" altLang="ko-KR" sz="2000" b="1" dirty="0" smtClean="0"/>
+          </a:p>
+        </p:txBody>
+      </p:sp>
+    </p:spTree>
+    <p:extLst>
+      <p:ext uri="{BB962C8B-B14F-4D97-AF65-F5344CB8AC3E}">
+        <p14:creationId xmlns:p14="http://schemas.microsoft.com/office/powerpoint/2010/main" val="4127621670"/>
+      </p:ext>
+    </p:extLst>
+  </p:cSld>
+  <p:clrMapOvr>
+    <a:masterClrMapping/>
+  </p:clrMapOvr>
+  <p:timing>
+    <p:tnLst>
+      <p:par>
+        <p:cTn id="1" dur="indefinite" restart="never" nodeType="tmRoot"/>
+      </p:par>
+    </p:tnLst>
+  </p:timing>
+</p:sld>
+</file>
+
+<file path=ppt/slides/slide16.xml><?xml version="1.0" encoding="utf-8"?>
+<p:sld xmlns:a="http://schemas.openxmlformats.org/drawingml/2006/main" xmlns:r="http://schemas.openxmlformats.org/officeDocument/2006/relationships" xmlns:p="http://schemas.openxmlformats.org/presentationml/2006/main">
+  <p:cSld>
+    <p:spTree>
+      <p:nvGrpSpPr>
+        <p:cNvPr id="1" name=""/>
+        <p:cNvGrpSpPr/>
+        <p:nvPr/>
+      </p:nvGrpSpPr>
+      <p:grpSpPr>
+        <a:xfrm>
+          <a:off x="0" y="0"/>
+          <a:ext cx="0" cy="0"/>
+          <a:chOff x="0" y="0"/>
+          <a:chExt cx="0" cy="0"/>
+        </a:xfrm>
+      </p:grpSpPr>
+      <p:sp>
+        <p:nvSpPr>
+          <p:cNvPr id="15" name="제목 5"/>
+          <p:cNvSpPr txBox="1">
+            <a:spLocks/>
+          </p:cNvSpPr>
+          <p:nvPr/>
+        </p:nvSpPr>
+        <p:spPr>
+          <a:xfrm>
+            <a:off x="0" y="-27384"/>
+            <a:ext cx="7995338" cy="854968"/>
+          </a:xfrm>
+          <a:prstGeom prst="rect">
+            <a:avLst/>
+          </a:prstGeom>
+        </p:spPr>
+        <p:txBody>
+          <a:bodyPr anchor="ctr" anchorCtr="0"/>
+          <a:lstStyle>
+            <a:lvl1pPr algn="l" defTabSz="914400" rtl="0" eaLnBrk="1" latinLnBrk="1" hangingPunct="1">
+              <a:spcBef>
+                <a:spcPct val="0"/>
+              </a:spcBef>
+              <a:buNone/>
+              <a:defRPr sz="3200" kern="1200">
+                <a:solidFill>
+                  <a:schemeClr val="bg1"/>
+                </a:solidFill>
+                <a:latin typeface="HY헤드라인M" panose="02030600000101010101" pitchFamily="18" charset="-127"/>
+                <a:ea typeface="HY헤드라인M" panose="02030600000101010101" pitchFamily="18" charset="-127"/>
+                <a:cs typeface="+mj-cs"/>
+              </a:defRPr>
+            </a:lvl1pPr>
+          </a:lstStyle>
+          <a:p>
+            <a:r>
+              <a:rPr lang="en-US" altLang="ko-KR" dirty="0" smtClean="0"/>
+              <a:t> </a:t>
+            </a:r>
+            <a:r>
+              <a:rPr lang="ko-KR" altLang="en-US" dirty="0"/>
+              <a:t> </a:t>
+            </a:r>
+            <a:r>
+              <a:rPr lang="ko-KR" altLang="en-US" dirty="0" smtClean="0"/>
+              <a:t>필터</a:t>
+            </a:r>
+            <a:r>
+              <a:rPr lang="en-US" altLang="ko-KR" dirty="0" smtClean="0"/>
+              <a:t>(Filter)</a:t>
+            </a:r>
+            <a:endParaRPr lang="ko-KR" altLang="en-US" dirty="0"/>
+          </a:p>
+        </p:txBody>
+      </p:sp>
+      <p:sp>
+        <p:nvSpPr>
+          <p:cNvPr id="5" name="TextBox 4"/>
+          <p:cNvSpPr txBox="1"/>
+          <p:nvPr/>
+        </p:nvSpPr>
+        <p:spPr>
+          <a:xfrm>
+            <a:off x="776536" y="1062298"/>
+            <a:ext cx="7218802" cy="553998"/>
+          </a:xfrm>
+          <a:prstGeom prst="rect">
+            <a:avLst/>
+          </a:prstGeom>
+          <a:noFill/>
+        </p:spPr>
+        <p:txBody>
+          <a:bodyPr wrap="square" rtlCol="0">
+            <a:spAutoFit/>
+          </a:bodyPr>
+          <a:lstStyle/>
+          <a:p>
+            <a:pPr>
+              <a:lnSpc>
+                <a:spcPct val="150000"/>
+              </a:lnSpc>
+            </a:pPr>
+            <a:r>
+              <a:rPr lang="ko-KR" altLang="en-US" sz="2000" b="1" dirty="0" smtClean="0"/>
+              <a:t>한글 </a:t>
+            </a:r>
+            <a:r>
+              <a:rPr lang="ko-KR" altLang="en-US" sz="2000" b="1" dirty="0" err="1" smtClean="0"/>
+              <a:t>인코딩</a:t>
+            </a:r>
+            <a:r>
+              <a:rPr lang="ko-KR" altLang="en-US" sz="2000" b="1" dirty="0" smtClean="0"/>
+              <a:t> 및 </a:t>
+            </a:r>
+            <a:r>
+              <a:rPr lang="ko-KR" altLang="en-US" sz="2000" b="1" dirty="0" err="1" smtClean="0"/>
+              <a:t>입력값</a:t>
+            </a:r>
+            <a:r>
+              <a:rPr lang="ko-KR" altLang="en-US" sz="2000" b="1" dirty="0" smtClean="0"/>
+              <a:t> 없을 경우 처리 결과</a:t>
             </a:r>
             <a:endParaRPr lang="en-US" altLang="ko-KR" sz="2000" b="1" dirty="0" smtClean="0"/>
           </a:p>
@@ -5318,7 +5936,7 @@
         </p:blipFill>
         <p:spPr>
           <a:xfrm>
-            <a:off x="1065623" y="4077072"/>
+            <a:off x="920552" y="3230771"/>
             <a:ext cx="3527337" cy="774293"/>
           </a:xfrm>
           <a:prstGeom prst="rect">
@@ -5356,7 +5974,7 @@
         </p:blipFill>
         <p:spPr>
           <a:xfrm>
-            <a:off x="5241032" y="4077072"/>
+            <a:off x="5095961" y="3230771"/>
             <a:ext cx="4176122" cy="662997"/>
           </a:xfrm>
           <a:prstGeom prst="rect">
@@ -5382,7 +6000,7 @@
         </p:nvCxnSpPr>
         <p:spPr>
           <a:xfrm flipV="1">
-            <a:off x="4592960" y="4464218"/>
+            <a:off x="4447889" y="3617917"/>
             <a:ext cx="648072" cy="1"/>
           </a:xfrm>
           <a:prstGeom prst="straightConnector1">
@@ -5412,7 +6030,7 @@
       </p:cxnSp>
       <p:pic>
         <p:nvPicPr>
-          <p:cNvPr id="3" name="그림 2"/>
+          <p:cNvPr id="13" name="그림 12"/>
           <p:cNvPicPr>
             <a:picLocks noChangeAspect="1"/>
           </p:cNvPicPr>
@@ -5432,8 +6050,8 @@
         </p:blipFill>
         <p:spPr>
           <a:xfrm>
-            <a:off x="1568624" y="1772816"/>
-            <a:ext cx="6512656" cy="2016224"/>
+            <a:off x="920552" y="1941009"/>
+            <a:ext cx="3509424" cy="767911"/>
           </a:xfrm>
           <a:prstGeom prst="rect">
             <a:avLst/>
@@ -5447,9 +6065,45 @@
           </a:ln>
         </p:spPr>
       </p:pic>
+      <p:cxnSp>
+        <p:nvCxnSpPr>
+          <p:cNvPr id="14" name="직선 화살표 연결선 13"/>
+          <p:cNvCxnSpPr/>
+          <p:nvPr/>
+        </p:nvCxnSpPr>
+        <p:spPr>
+          <a:xfrm>
+            <a:off x="4626242" y="2314421"/>
+            <a:ext cx="499032" cy="0"/>
+          </a:xfrm>
+          <a:prstGeom prst="straightConnector1">
+            <a:avLst/>
+          </a:prstGeom>
+          <a:ln w="28575">
+            <a:solidFill>
+              <a:srgbClr val="C00000"/>
+            </a:solidFill>
+            <a:tailEnd type="arrow"/>
+          </a:ln>
+        </p:spPr>
+        <p:style>
+          <a:lnRef idx="1">
+            <a:schemeClr val="accent1"/>
+          </a:lnRef>
+          <a:fillRef idx="0">
+            <a:schemeClr val="accent1"/>
+          </a:fillRef>
+          <a:effectRef idx="0">
+            <a:schemeClr val="accent1"/>
+          </a:effectRef>
+          <a:fontRef idx="minor">
+            <a:schemeClr val="tx1"/>
+          </a:fontRef>
+        </p:style>
+      </p:cxnSp>
       <p:pic>
         <p:nvPicPr>
-          <p:cNvPr id="9" name="그림 8"/>
+          <p:cNvPr id="16" name="그림 15"/>
           <p:cNvPicPr>
             <a:picLocks noChangeAspect="1"/>
           </p:cNvPicPr>
@@ -5469,8 +6123,8 @@
         </p:blipFill>
         <p:spPr>
           <a:xfrm>
-            <a:off x="1065623" y="5133869"/>
-            <a:ext cx="3509424" cy="767911"/>
+            <a:off x="5172167" y="1941009"/>
+            <a:ext cx="4099916" cy="662997"/>
           </a:xfrm>
           <a:prstGeom prst="rect">
             <a:avLst/>
@@ -5484,83 +6138,10 @@
           </a:ln>
         </p:spPr>
       </p:pic>
-      <p:cxnSp>
-        <p:nvCxnSpPr>
-          <p:cNvPr id="11" name="직선 화살표 연결선 10"/>
-          <p:cNvCxnSpPr/>
-          <p:nvPr/>
-        </p:nvCxnSpPr>
-        <p:spPr>
-          <a:xfrm>
-            <a:off x="4771313" y="5507281"/>
-            <a:ext cx="499032" cy="0"/>
-          </a:xfrm>
-          <a:prstGeom prst="straightConnector1">
-            <a:avLst/>
-          </a:prstGeom>
-          <a:ln w="28575">
-            <a:solidFill>
-              <a:srgbClr val="C00000"/>
-            </a:solidFill>
-            <a:tailEnd type="arrow"/>
-          </a:ln>
-        </p:spPr>
-        <p:style>
-          <a:lnRef idx="1">
-            <a:schemeClr val="accent1"/>
-          </a:lnRef>
-          <a:fillRef idx="0">
-            <a:schemeClr val="accent1"/>
-          </a:fillRef>
-          <a:effectRef idx="0">
-            <a:schemeClr val="accent1"/>
-          </a:effectRef>
-          <a:fontRef idx="minor">
-            <a:schemeClr val="tx1"/>
-          </a:fontRef>
-        </p:style>
-      </p:cxnSp>
-      <p:pic>
-        <p:nvPicPr>
-          <p:cNvPr id="4" name="그림 3"/>
-          <p:cNvPicPr>
-            <a:picLocks noChangeAspect="1"/>
-          </p:cNvPicPr>
-          <p:nvPr/>
-        </p:nvPicPr>
-        <p:blipFill>
-          <a:blip r:embed="rId6">
-            <a:extLst>
-              <a:ext uri="{28A0092B-C50C-407E-A947-70E740481C1C}">
-                <a14:useLocalDpi xmlns:a14="http://schemas.microsoft.com/office/drawing/2010/main" val="0"/>
-              </a:ext>
-            </a:extLst>
-          </a:blip>
-          <a:stretch>
-            <a:fillRect/>
-          </a:stretch>
-        </p:blipFill>
-        <p:spPr>
-          <a:xfrm>
-            <a:off x="5317238" y="5133869"/>
-            <a:ext cx="4099916" cy="662997"/>
-          </a:xfrm>
-          <a:prstGeom prst="rect">
-            <a:avLst/>
-          </a:prstGeom>
-          <a:ln>
-            <a:solidFill>
-              <a:schemeClr val="bg1">
-                <a:lumMod val="85000"/>
-              </a:schemeClr>
-            </a:solidFill>
-          </a:ln>
-        </p:spPr>
-      </p:pic>
     </p:spTree>
     <p:extLst>
       <p:ext uri="{BB962C8B-B14F-4D97-AF65-F5344CB8AC3E}">
-        <p14:creationId xmlns:p14="http://schemas.microsoft.com/office/powerpoint/2010/main" val="1292814359"/>
+        <p14:creationId xmlns:p14="http://schemas.microsoft.com/office/powerpoint/2010/main" val="2083559651"/>
       </p:ext>
     </p:extLst>
   </p:cSld>
@@ -5577,7 +6158,7 @@
 </p:sld>
 </file>
 
-<file path=ppt/slides/slide14.xml><?xml version="1.0" encoding="utf-8"?>
+<file path=ppt/slides/slide17.xml><?xml version="1.0" encoding="utf-8"?>
 <p:sld xmlns:a="http://schemas.openxmlformats.org/drawingml/2006/main" xmlns:r="http://schemas.openxmlformats.org/officeDocument/2006/relationships" xmlns:p="http://schemas.openxmlformats.org/presentationml/2006/main">
   <p:cSld>
     <p:spTree>
@@ -5888,7 +6469,7 @@
 </p:sld>
 </file>
 
-<file path=ppt/slides/slide15.xml><?xml version="1.0" encoding="utf-8"?>
+<file path=ppt/slides/slide18.xml><?xml version="1.0" encoding="utf-8"?>
 <p:sld xmlns:a="http://schemas.openxmlformats.org/drawingml/2006/main" xmlns:r="http://schemas.openxmlformats.org/officeDocument/2006/relationships" xmlns:p="http://schemas.openxmlformats.org/presentationml/2006/main">
   <p:cSld>
     <p:spTree>
@@ -6150,543 +6731,6 @@
     <p:extLst>
       <p:ext uri="{BB962C8B-B14F-4D97-AF65-F5344CB8AC3E}">
         <p14:creationId xmlns:p14="http://schemas.microsoft.com/office/powerpoint/2010/main" val="4133801680"/>
-      </p:ext>
-    </p:extLst>
-  </p:cSld>
-  <p:clrMapOvr>
-    <a:masterClrMapping/>
-  </p:clrMapOvr>
-  <p:timing>
-    <p:tnLst>
-      <p:par>
-        <p:cTn id="1" dur="indefinite" restart="never" nodeType="tmRoot"/>
-      </p:par>
-    </p:tnLst>
-  </p:timing>
-</p:sld>
-</file>
-
-<file path=ppt/slides/slide16.xml><?xml version="1.0" encoding="utf-8"?>
-<p:sld xmlns:a="http://schemas.openxmlformats.org/drawingml/2006/main" xmlns:r="http://schemas.openxmlformats.org/officeDocument/2006/relationships" xmlns:p="http://schemas.openxmlformats.org/presentationml/2006/main">
-  <p:cSld>
-    <p:spTree>
-      <p:nvGrpSpPr>
-        <p:cNvPr id="1" name=""/>
-        <p:cNvGrpSpPr/>
-        <p:nvPr/>
-      </p:nvGrpSpPr>
-      <p:grpSpPr>
-        <a:xfrm>
-          <a:off x="0" y="0"/>
-          <a:ext cx="0" cy="0"/>
-          <a:chOff x="0" y="0"/>
-          <a:chExt cx="0" cy="0"/>
-        </a:xfrm>
-      </p:grpSpPr>
-      <p:sp>
-        <p:nvSpPr>
-          <p:cNvPr id="15" name="제목 5"/>
-          <p:cNvSpPr txBox="1">
-            <a:spLocks/>
-          </p:cNvSpPr>
-          <p:nvPr/>
-        </p:nvSpPr>
-        <p:spPr>
-          <a:xfrm>
-            <a:off x="0" y="-27384"/>
-            <a:ext cx="7995338" cy="854968"/>
-          </a:xfrm>
-          <a:prstGeom prst="rect">
-            <a:avLst/>
-          </a:prstGeom>
-        </p:spPr>
-        <p:txBody>
-          <a:bodyPr anchor="ctr" anchorCtr="0"/>
-          <a:lstStyle>
-            <a:lvl1pPr algn="l" defTabSz="914400" rtl="0" eaLnBrk="1" latinLnBrk="1" hangingPunct="1">
-              <a:spcBef>
-                <a:spcPct val="0"/>
-              </a:spcBef>
-              <a:buNone/>
-              <a:defRPr sz="3200" kern="1200">
-                <a:solidFill>
-                  <a:schemeClr val="bg1"/>
-                </a:solidFill>
-                <a:latin typeface="HY헤드라인M" panose="02030600000101010101" pitchFamily="18" charset="-127"/>
-                <a:ea typeface="HY헤드라인M" panose="02030600000101010101" pitchFamily="18" charset="-127"/>
-                <a:cs typeface="+mj-cs"/>
-              </a:defRPr>
-            </a:lvl1pPr>
-          </a:lstStyle>
-          <a:p>
-            <a:r>
-              <a:rPr lang="en-US" altLang="ko-KR" dirty="0" smtClean="0"/>
-              <a:t> </a:t>
-            </a:r>
-            <a:r>
-              <a:rPr lang="ko-KR" altLang="en-US" dirty="0"/>
-              <a:t> </a:t>
-            </a:r>
-            <a:r>
-              <a:rPr lang="ko-KR" altLang="en-US" dirty="0" smtClean="0"/>
-              <a:t>필터</a:t>
-            </a:r>
-            <a:r>
-              <a:rPr lang="en-US" altLang="ko-KR" dirty="0" smtClean="0"/>
-              <a:t>(Filter)</a:t>
-            </a:r>
-            <a:endParaRPr lang="ko-KR" altLang="en-US" dirty="0"/>
-          </a:p>
-        </p:txBody>
-      </p:sp>
-      <p:sp>
-        <p:nvSpPr>
-          <p:cNvPr id="5" name="TextBox 4"/>
-          <p:cNvSpPr txBox="1"/>
-          <p:nvPr/>
-        </p:nvSpPr>
-        <p:spPr>
-          <a:xfrm>
-            <a:off x="776536" y="1062298"/>
-            <a:ext cx="7218802" cy="494494"/>
-          </a:xfrm>
-          <a:prstGeom prst="rect">
-            <a:avLst/>
-          </a:prstGeom>
-          <a:noFill/>
-        </p:spPr>
-        <p:txBody>
-          <a:bodyPr wrap="square" rtlCol="0">
-            <a:spAutoFit/>
-          </a:bodyPr>
-          <a:lstStyle/>
-          <a:p>
-            <a:pPr>
-              <a:lnSpc>
-                <a:spcPct val="150000"/>
-              </a:lnSpc>
-            </a:pPr>
-            <a:r>
-              <a:rPr lang="ko-KR" altLang="en-US" sz="2000" b="1" dirty="0" smtClean="0"/>
-              <a:t>필터 처리로 매개변수와 값을 전달받아 로그인 인증 처리하기</a:t>
-            </a:r>
-            <a:endParaRPr lang="en-US" altLang="ko-KR" sz="2000" b="1" dirty="0" smtClean="0"/>
-          </a:p>
-        </p:txBody>
-      </p:sp>
-      <p:pic>
-        <p:nvPicPr>
-          <p:cNvPr id="3" name="그림 2"/>
-          <p:cNvPicPr>
-            <a:picLocks noChangeAspect="1"/>
-          </p:cNvPicPr>
-          <p:nvPr/>
-        </p:nvPicPr>
-        <p:blipFill>
-          <a:blip r:embed="rId2">
-            <a:extLst>
-              <a:ext uri="{28A0092B-C50C-407E-A947-70E740481C1C}">
-                <a14:useLocalDpi xmlns:a14="http://schemas.microsoft.com/office/drawing/2010/main" val="0"/>
-              </a:ext>
-            </a:extLst>
-          </a:blip>
-          <a:stretch>
-            <a:fillRect/>
-          </a:stretch>
-        </p:blipFill>
-        <p:spPr>
-          <a:xfrm>
-            <a:off x="920552" y="1738518"/>
-            <a:ext cx="8208912" cy="3794278"/>
-          </a:xfrm>
-          <a:prstGeom prst="rect">
-            <a:avLst/>
-          </a:prstGeom>
-          <a:ln>
-            <a:solidFill>
-              <a:schemeClr val="bg1">
-                <a:lumMod val="85000"/>
-              </a:schemeClr>
-            </a:solidFill>
-          </a:ln>
-        </p:spPr>
-      </p:pic>
-      <p:sp>
-        <p:nvSpPr>
-          <p:cNvPr id="6" name="TextBox 5"/>
-          <p:cNvSpPr txBox="1"/>
-          <p:nvPr/>
-        </p:nvSpPr>
-        <p:spPr>
-          <a:xfrm>
-            <a:off x="7657926" y="2276872"/>
-            <a:ext cx="1934963" cy="338554"/>
-          </a:xfrm>
-          <a:prstGeom prst="rect">
-            <a:avLst/>
-          </a:prstGeom>
-          <a:noFill/>
-          <a:ln>
-            <a:solidFill>
-              <a:schemeClr val="tx1">
-                <a:lumMod val="50000"/>
-                <a:lumOff val="50000"/>
-              </a:schemeClr>
-            </a:solidFill>
-          </a:ln>
-        </p:spPr>
-        <p:txBody>
-          <a:bodyPr wrap="square" rtlCol="0">
-            <a:spAutoFit/>
-          </a:bodyPr>
-          <a:lstStyle/>
-          <a:p>
-            <a:r>
-              <a:rPr lang="en-US" altLang="ko-KR" sz="1600" dirty="0" smtClean="0"/>
-              <a:t>InitParamFilter.java</a:t>
-            </a:r>
-            <a:endParaRPr lang="ko-KR" altLang="en-US" sz="1600" dirty="0"/>
-          </a:p>
-        </p:txBody>
-      </p:sp>
-    </p:spTree>
-    <p:extLst>
-      <p:ext uri="{BB962C8B-B14F-4D97-AF65-F5344CB8AC3E}">
-        <p14:creationId xmlns:p14="http://schemas.microsoft.com/office/powerpoint/2010/main" val="2120388211"/>
-      </p:ext>
-    </p:extLst>
-  </p:cSld>
-  <p:clrMapOvr>
-    <a:masterClrMapping/>
-  </p:clrMapOvr>
-  <p:timing>
-    <p:tnLst>
-      <p:par>
-        <p:cTn id="1" dur="indefinite" restart="never" nodeType="tmRoot"/>
-      </p:par>
-    </p:tnLst>
-  </p:timing>
-</p:sld>
-</file>
-
-<file path=ppt/slides/slide17.xml><?xml version="1.0" encoding="utf-8"?>
-<p:sld xmlns:a="http://schemas.openxmlformats.org/drawingml/2006/main" xmlns:r="http://schemas.openxmlformats.org/officeDocument/2006/relationships" xmlns:p="http://schemas.openxmlformats.org/presentationml/2006/main">
-  <p:cSld>
-    <p:spTree>
-      <p:nvGrpSpPr>
-        <p:cNvPr id="1" name=""/>
-        <p:cNvGrpSpPr/>
-        <p:nvPr/>
-      </p:nvGrpSpPr>
-      <p:grpSpPr>
-        <a:xfrm>
-          <a:off x="0" y="0"/>
-          <a:ext cx="0" cy="0"/>
-          <a:chOff x="0" y="0"/>
-          <a:chExt cx="0" cy="0"/>
-        </a:xfrm>
-      </p:grpSpPr>
-      <p:sp>
-        <p:nvSpPr>
-          <p:cNvPr id="15" name="제목 5"/>
-          <p:cNvSpPr txBox="1">
-            <a:spLocks/>
-          </p:cNvSpPr>
-          <p:nvPr/>
-        </p:nvSpPr>
-        <p:spPr>
-          <a:xfrm>
-            <a:off x="0" y="-27384"/>
-            <a:ext cx="7995338" cy="854968"/>
-          </a:xfrm>
-          <a:prstGeom prst="rect">
-            <a:avLst/>
-          </a:prstGeom>
-        </p:spPr>
-        <p:txBody>
-          <a:bodyPr anchor="ctr" anchorCtr="0"/>
-          <a:lstStyle>
-            <a:lvl1pPr algn="l" defTabSz="914400" rtl="0" eaLnBrk="1" latinLnBrk="1" hangingPunct="1">
-              <a:spcBef>
-                <a:spcPct val="0"/>
-              </a:spcBef>
-              <a:buNone/>
-              <a:defRPr sz="3200" kern="1200">
-                <a:solidFill>
-                  <a:schemeClr val="bg1"/>
-                </a:solidFill>
-                <a:latin typeface="HY헤드라인M" panose="02030600000101010101" pitchFamily="18" charset="-127"/>
-                <a:ea typeface="HY헤드라인M" panose="02030600000101010101" pitchFamily="18" charset="-127"/>
-                <a:cs typeface="+mj-cs"/>
-              </a:defRPr>
-            </a:lvl1pPr>
-          </a:lstStyle>
-          <a:p>
-            <a:r>
-              <a:rPr lang="en-US" altLang="ko-KR" dirty="0" smtClean="0"/>
-              <a:t> </a:t>
-            </a:r>
-            <a:r>
-              <a:rPr lang="ko-KR" altLang="en-US" dirty="0"/>
-              <a:t> </a:t>
-            </a:r>
-            <a:r>
-              <a:rPr lang="ko-KR" altLang="en-US" dirty="0" smtClean="0"/>
-              <a:t>필터</a:t>
-            </a:r>
-            <a:r>
-              <a:rPr lang="en-US" altLang="ko-KR" dirty="0" smtClean="0"/>
-              <a:t>(Filter)</a:t>
-            </a:r>
-            <a:endParaRPr lang="ko-KR" altLang="en-US" dirty="0"/>
-          </a:p>
-        </p:txBody>
-      </p:sp>
-      <p:pic>
-        <p:nvPicPr>
-          <p:cNvPr id="2" name="그림 1"/>
-          <p:cNvPicPr>
-            <a:picLocks noChangeAspect="1"/>
-          </p:cNvPicPr>
-          <p:nvPr/>
-        </p:nvPicPr>
-        <p:blipFill>
-          <a:blip r:embed="rId2">
-            <a:extLst>
-              <a:ext uri="{28A0092B-C50C-407E-A947-70E740481C1C}">
-                <a14:useLocalDpi xmlns:a14="http://schemas.microsoft.com/office/drawing/2010/main" val="0"/>
-              </a:ext>
-            </a:extLst>
-          </a:blip>
-          <a:stretch>
-            <a:fillRect/>
-          </a:stretch>
-        </p:blipFill>
-        <p:spPr>
-          <a:xfrm>
-            <a:off x="1352600" y="1340768"/>
-            <a:ext cx="6456674" cy="4800601"/>
-          </a:xfrm>
-          <a:prstGeom prst="rect">
-            <a:avLst/>
-          </a:prstGeom>
-          <a:ln>
-            <a:solidFill>
-              <a:schemeClr val="bg1">
-                <a:lumMod val="85000"/>
-              </a:schemeClr>
-            </a:solidFill>
-          </a:ln>
-        </p:spPr>
-      </p:pic>
-      <p:sp>
-        <p:nvSpPr>
-          <p:cNvPr id="6" name="TextBox 5"/>
-          <p:cNvSpPr txBox="1"/>
-          <p:nvPr/>
-        </p:nvSpPr>
-        <p:spPr>
-          <a:xfrm>
-            <a:off x="6690445" y="1484784"/>
-            <a:ext cx="1934963" cy="338554"/>
-          </a:xfrm>
-          <a:prstGeom prst="rect">
-            <a:avLst/>
-          </a:prstGeom>
-          <a:noFill/>
-          <a:ln>
-            <a:solidFill>
-              <a:schemeClr val="tx1">
-                <a:lumMod val="50000"/>
-                <a:lumOff val="50000"/>
-              </a:schemeClr>
-            </a:solidFill>
-          </a:ln>
-        </p:spPr>
-        <p:txBody>
-          <a:bodyPr wrap="square" rtlCol="0">
-            <a:spAutoFit/>
-          </a:bodyPr>
-          <a:lstStyle/>
-          <a:p>
-            <a:r>
-              <a:rPr lang="en-US" altLang="ko-KR" sz="1600" dirty="0" smtClean="0"/>
-              <a:t>InitParamFilter.java</a:t>
-            </a:r>
-            <a:endParaRPr lang="ko-KR" altLang="en-US" sz="1600" dirty="0"/>
-          </a:p>
-        </p:txBody>
-      </p:sp>
-    </p:spTree>
-    <p:extLst>
-      <p:ext uri="{BB962C8B-B14F-4D97-AF65-F5344CB8AC3E}">
-        <p14:creationId xmlns:p14="http://schemas.microsoft.com/office/powerpoint/2010/main" val="81675411"/>
-      </p:ext>
-    </p:extLst>
-  </p:cSld>
-  <p:clrMapOvr>
-    <a:masterClrMapping/>
-  </p:clrMapOvr>
-  <p:timing>
-    <p:tnLst>
-      <p:par>
-        <p:cTn id="1" dur="indefinite" restart="never" nodeType="tmRoot"/>
-      </p:par>
-    </p:tnLst>
-  </p:timing>
-</p:sld>
-</file>
-
-<file path=ppt/slides/slide18.xml><?xml version="1.0" encoding="utf-8"?>
-<p:sld xmlns:a="http://schemas.openxmlformats.org/drawingml/2006/main" xmlns:r="http://schemas.openxmlformats.org/officeDocument/2006/relationships" xmlns:p="http://schemas.openxmlformats.org/presentationml/2006/main">
-  <p:cSld>
-    <p:spTree>
-      <p:nvGrpSpPr>
-        <p:cNvPr id="1" name=""/>
-        <p:cNvGrpSpPr/>
-        <p:nvPr/>
-      </p:nvGrpSpPr>
-      <p:grpSpPr>
-        <a:xfrm>
-          <a:off x="0" y="0"/>
-          <a:ext cx="0" cy="0"/>
-          <a:chOff x="0" y="0"/>
-          <a:chExt cx="0" cy="0"/>
-        </a:xfrm>
-      </p:grpSpPr>
-      <p:sp>
-        <p:nvSpPr>
-          <p:cNvPr id="15" name="제목 5"/>
-          <p:cNvSpPr txBox="1">
-            <a:spLocks/>
-          </p:cNvSpPr>
-          <p:nvPr/>
-        </p:nvSpPr>
-        <p:spPr>
-          <a:xfrm>
-            <a:off x="0" y="-27384"/>
-            <a:ext cx="7995338" cy="854968"/>
-          </a:xfrm>
-          <a:prstGeom prst="rect">
-            <a:avLst/>
-          </a:prstGeom>
-        </p:spPr>
-        <p:txBody>
-          <a:bodyPr anchor="ctr" anchorCtr="0"/>
-          <a:lstStyle>
-            <a:lvl1pPr algn="l" defTabSz="914400" rtl="0" eaLnBrk="1" latinLnBrk="1" hangingPunct="1">
-              <a:spcBef>
-                <a:spcPct val="0"/>
-              </a:spcBef>
-              <a:buNone/>
-              <a:defRPr sz="3200" kern="1200">
-                <a:solidFill>
-                  <a:schemeClr val="bg1"/>
-                </a:solidFill>
-                <a:latin typeface="HY헤드라인M" panose="02030600000101010101" pitchFamily="18" charset="-127"/>
-                <a:ea typeface="HY헤드라인M" panose="02030600000101010101" pitchFamily="18" charset="-127"/>
-                <a:cs typeface="+mj-cs"/>
-              </a:defRPr>
-            </a:lvl1pPr>
-          </a:lstStyle>
-          <a:p>
-            <a:r>
-              <a:rPr lang="en-US" altLang="ko-KR" dirty="0" smtClean="0"/>
-              <a:t> </a:t>
-            </a:r>
-            <a:r>
-              <a:rPr lang="ko-KR" altLang="en-US" dirty="0"/>
-              <a:t> </a:t>
-            </a:r>
-            <a:r>
-              <a:rPr lang="ko-KR" altLang="en-US" dirty="0" smtClean="0"/>
-              <a:t>필터</a:t>
-            </a:r>
-            <a:r>
-              <a:rPr lang="en-US" altLang="ko-KR" dirty="0" smtClean="0"/>
-              <a:t>(Filter)</a:t>
-            </a:r>
-            <a:endParaRPr lang="ko-KR" altLang="en-US" dirty="0"/>
-          </a:p>
-        </p:txBody>
-      </p:sp>
-      <p:sp>
-        <p:nvSpPr>
-          <p:cNvPr id="5" name="TextBox 4"/>
-          <p:cNvSpPr txBox="1"/>
-          <p:nvPr/>
-        </p:nvSpPr>
-        <p:spPr>
-          <a:xfrm>
-            <a:off x="776536" y="1062298"/>
-            <a:ext cx="7218802" cy="494494"/>
-          </a:xfrm>
-          <a:prstGeom prst="rect">
-            <a:avLst/>
-          </a:prstGeom>
-          <a:noFill/>
-        </p:spPr>
-        <p:txBody>
-          <a:bodyPr wrap="square" rtlCol="0">
-            <a:spAutoFit/>
-          </a:bodyPr>
-          <a:lstStyle/>
-          <a:p>
-            <a:pPr>
-              <a:lnSpc>
-                <a:spcPct val="150000"/>
-              </a:lnSpc>
-            </a:pPr>
-            <a:r>
-              <a:rPr lang="ko-KR" altLang="en-US" sz="2000" b="1" dirty="0" smtClean="0"/>
-              <a:t>필터 처리로 매개변수와 값을 전달받아 로그인 인증 처리하기</a:t>
-            </a:r>
-            <a:endParaRPr lang="en-US" altLang="ko-KR" sz="2000" b="1" dirty="0" smtClean="0"/>
-          </a:p>
-        </p:txBody>
-      </p:sp>
-      <p:pic>
-        <p:nvPicPr>
-          <p:cNvPr id="8" name="그림 7"/>
-          <p:cNvPicPr>
-            <a:picLocks noChangeAspect="1"/>
-          </p:cNvPicPr>
-          <p:nvPr/>
-        </p:nvPicPr>
-        <p:blipFill>
-          <a:blip r:embed="rId2">
-            <a:extLst>
-              <a:ext uri="{28A0092B-C50C-407E-A947-70E740481C1C}">
-                <a14:useLocalDpi xmlns:a14="http://schemas.microsoft.com/office/drawing/2010/main" val="0"/>
-              </a:ext>
-            </a:extLst>
-          </a:blip>
-          <a:stretch>
-            <a:fillRect/>
-          </a:stretch>
-        </p:blipFill>
-        <p:spPr>
-          <a:xfrm>
-            <a:off x="1280592" y="1772816"/>
-            <a:ext cx="6653911" cy="3888432"/>
-          </a:xfrm>
-          <a:prstGeom prst="rect">
-            <a:avLst/>
-          </a:prstGeom>
-          <a:ln>
-            <a:solidFill>
-              <a:schemeClr val="accent4">
-                <a:lumMod val="20000"/>
-                <a:lumOff val="80000"/>
-              </a:schemeClr>
-            </a:solidFill>
-          </a:ln>
-        </p:spPr>
-      </p:pic>
-    </p:spTree>
-    <p:extLst>
-      <p:ext uri="{BB962C8B-B14F-4D97-AF65-F5344CB8AC3E}">
-        <p14:creationId xmlns:p14="http://schemas.microsoft.com/office/powerpoint/2010/main" val="172654337"/>
       </p:ext>
     </p:extLst>
   </p:cSld>
@@ -6785,7 +6829,7 @@
         <p:spPr>
           <a:xfrm>
             <a:off x="776536" y="1062298"/>
-            <a:ext cx="7218802" cy="553998"/>
+            <a:ext cx="7218802" cy="494494"/>
           </a:xfrm>
           <a:prstGeom prst="rect">
             <a:avLst/>
@@ -6805,51 +6849,9 @@
             </a:pPr>
             <a:r>
               <a:rPr lang="ko-KR" altLang="en-US" sz="2000" b="1" dirty="0" smtClean="0"/>
-              <a:t>로그인 인증 필터를 이용하여 파일에 로그 기록하기</a:t>
+              <a:t>필터 처리로 매개변수와 값을 전달받아 로그인 인증 처리하기</a:t>
             </a:r>
             <a:endParaRPr lang="en-US" altLang="ko-KR" sz="2000" b="1" dirty="0" smtClean="0"/>
-          </a:p>
-        </p:txBody>
-      </p:sp>
-      <p:sp>
-        <p:nvSpPr>
-          <p:cNvPr id="4" name="TextBox 3"/>
-          <p:cNvSpPr txBox="1"/>
-          <p:nvPr/>
-        </p:nvSpPr>
-        <p:spPr>
-          <a:xfrm>
-            <a:off x="6825208" y="3635732"/>
-            <a:ext cx="1440160" cy="369332"/>
-          </a:xfrm>
-          <a:prstGeom prst="rect">
-            <a:avLst/>
-          </a:prstGeom>
-          <a:noFill/>
-          <a:ln>
-            <a:solidFill>
-              <a:schemeClr val="tx1">
-                <a:lumMod val="50000"/>
-                <a:lumOff val="50000"/>
-              </a:schemeClr>
-            </a:solidFill>
-          </a:ln>
-        </p:spPr>
-        <p:txBody>
-          <a:bodyPr wrap="square" rtlCol="0">
-            <a:spAutoFit/>
-          </a:bodyPr>
-          <a:lstStyle/>
-          <a:p>
-            <a:r>
-              <a:rPr lang="en-US" altLang="ko-KR" dirty="0"/>
-              <a:t>m</a:t>
-            </a:r>
-            <a:r>
-              <a:rPr lang="en-US" altLang="ko-KR" dirty="0" smtClean="0"/>
-              <a:t>onitor.log</a:t>
-            </a:r>
-            <a:endParaRPr lang="ko-KR" altLang="en-US" dirty="0"/>
           </a:p>
         </p:txBody>
       </p:sp>
@@ -6875,8 +6877,8 @@
         </p:blipFill>
         <p:spPr>
           <a:xfrm>
-            <a:off x="4740014" y="4204335"/>
-            <a:ext cx="3650297" cy="1958510"/>
+            <a:off x="920552" y="1738518"/>
+            <a:ext cx="8208912" cy="3794278"/>
           </a:xfrm>
           <a:prstGeom prst="rect">
             <a:avLst/>
@@ -6890,121 +6892,48 @@
           </a:ln>
         </p:spPr>
       </p:pic>
-      <p:pic>
-        <p:nvPicPr>
-          <p:cNvPr id="9" name="그림 8"/>
-          <p:cNvPicPr>
-            <a:picLocks noChangeAspect="1"/>
-          </p:cNvPicPr>
+      <p:sp>
+        <p:nvSpPr>
+          <p:cNvPr id="6" name="TextBox 5"/>
+          <p:cNvSpPr txBox="1"/>
           <p:nvPr/>
-        </p:nvPicPr>
-        <p:blipFill>
-          <a:blip r:embed="rId3">
-            <a:extLst>
-              <a:ext uri="{28A0092B-C50C-407E-A947-70E740481C1C}">
-                <a14:useLocalDpi xmlns:a14="http://schemas.microsoft.com/office/drawing/2010/main" val="0"/>
-              </a:ext>
-            </a:extLst>
-          </a:blip>
-          <a:stretch>
-            <a:fillRect/>
-          </a:stretch>
-        </p:blipFill>
-        <p:spPr>
-          <a:xfrm>
-            <a:off x="1120200" y="1886614"/>
-            <a:ext cx="3619814" cy="1661304"/>
+        </p:nvSpPr>
+        <p:spPr>
+          <a:xfrm>
+            <a:off x="7657926" y="2276872"/>
+            <a:ext cx="1934963" cy="338554"/>
           </a:xfrm>
           <a:prstGeom prst="rect">
             <a:avLst/>
           </a:prstGeom>
+          <a:noFill/>
           <a:ln>
             <a:solidFill>
-              <a:schemeClr val="bg1">
-                <a:lumMod val="85000"/>
+              <a:schemeClr val="tx1">
+                <a:lumMod val="50000"/>
+                <a:lumOff val="50000"/>
               </a:schemeClr>
             </a:solidFill>
           </a:ln>
         </p:spPr>
-      </p:pic>
-      <p:pic>
-        <p:nvPicPr>
-          <p:cNvPr id="10" name="그림 9"/>
-          <p:cNvPicPr>
-            <a:picLocks noChangeAspect="1"/>
-          </p:cNvPicPr>
-          <p:nvPr/>
-        </p:nvPicPr>
-        <p:blipFill>
-          <a:blip r:embed="rId4">
-            <a:extLst>
-              <a:ext uri="{28A0092B-C50C-407E-A947-70E740481C1C}">
-                <a14:useLocalDpi xmlns:a14="http://schemas.microsoft.com/office/drawing/2010/main" val="0"/>
-              </a:ext>
-            </a:extLst>
-          </a:blip>
-          <a:stretch>
-            <a:fillRect/>
-          </a:stretch>
-        </p:blipFill>
-        <p:spPr>
-          <a:xfrm>
-            <a:off x="5241032" y="1886614"/>
-            <a:ext cx="4122778" cy="1493650"/>
-          </a:xfrm>
-          <a:prstGeom prst="rect">
-            <a:avLst/>
-          </a:prstGeom>
-          <a:ln>
-            <a:solidFill>
-              <a:schemeClr val="bg1">
-                <a:lumMod val="85000"/>
-              </a:schemeClr>
-            </a:solidFill>
-          </a:ln>
-        </p:spPr>
-      </p:pic>
-      <p:pic>
-        <p:nvPicPr>
-          <p:cNvPr id="8" name="그림 7"/>
-          <p:cNvPicPr>
-            <a:picLocks noChangeAspect="1"/>
-          </p:cNvPicPr>
-          <p:nvPr/>
-        </p:nvPicPr>
-        <p:blipFill>
-          <a:blip r:embed="rId5">
-            <a:extLst>
-              <a:ext uri="{28A0092B-C50C-407E-A947-70E740481C1C}">
-                <a14:useLocalDpi xmlns:a14="http://schemas.microsoft.com/office/drawing/2010/main" val="0"/>
-              </a:ext>
-            </a:extLst>
-          </a:blip>
-          <a:stretch>
-            <a:fillRect/>
-          </a:stretch>
-        </p:blipFill>
-        <p:spPr>
-          <a:xfrm>
-            <a:off x="2072680" y="4221577"/>
-            <a:ext cx="2095682" cy="1607959"/>
-          </a:xfrm>
-          <a:prstGeom prst="rect">
-            <a:avLst/>
-          </a:prstGeom>
-          <a:ln>
-            <a:solidFill>
-              <a:schemeClr val="bg1">
-                <a:lumMod val="85000"/>
-              </a:schemeClr>
-            </a:solidFill>
-          </a:ln>
-        </p:spPr>
-      </p:pic>
+        <p:txBody>
+          <a:bodyPr wrap="square" rtlCol="0">
+            <a:spAutoFit/>
+          </a:bodyPr>
+          <a:lstStyle/>
+          <a:p>
+            <a:r>
+              <a:rPr lang="en-US" altLang="ko-KR" sz="1600" dirty="0" smtClean="0"/>
+              <a:t>InitParamFilter.java</a:t>
+            </a:r>
+            <a:endParaRPr lang="ko-KR" altLang="en-US" sz="1600" dirty="0"/>
+          </a:p>
+        </p:txBody>
+      </p:sp>
     </p:spTree>
     <p:extLst>
       <p:ext uri="{BB962C8B-B14F-4D97-AF65-F5344CB8AC3E}">
-        <p14:creationId xmlns:p14="http://schemas.microsoft.com/office/powerpoint/2010/main" val="924957186"/>
+        <p14:creationId xmlns:p14="http://schemas.microsoft.com/office/powerpoint/2010/main" val="2120388211"/>
       </p:ext>
     </p:extLst>
   </p:cSld>
@@ -7196,8 +7125,20 @@
                 <a:tableStyleId>{5940675A-B579-460E-94D1-54222C63F5DA}</a:tableStyleId>
               </a:tblPr>
               <a:tblGrid>
-                <a:gridCol w="2448272"/>
-                <a:gridCol w="4320480"/>
+                <a:gridCol w="2448272">
+                  <a:extLst>
+                    <a:ext uri="{9D8B030D-6E8A-4147-A177-3AD203B41FA5}">
+                      <a16:colId xmlns:a16="http://schemas.microsoft.com/office/drawing/2014/main" val="20000"/>
+                    </a:ext>
+                  </a:extLst>
+                </a:gridCol>
+                <a:gridCol w="4320480">
+                  <a:extLst>
+                    <a:ext uri="{9D8B030D-6E8A-4147-A177-3AD203B41FA5}">
+                      <a16:colId xmlns:a16="http://schemas.microsoft.com/office/drawing/2014/main" val="20001"/>
+                    </a:ext>
+                  </a:extLst>
+                </a:gridCol>
               </a:tblGrid>
               <a:tr h="219347">
                 <a:tc>
@@ -7248,6 +7189,11 @@
                     </a:solidFill>
                   </a:tcPr>
                 </a:tc>
+                <a:extLst>
+                  <a:ext uri="{0D108BD9-81ED-4DB2-BD59-A6C34878D82A}">
+                    <a16:rowId xmlns:a16="http://schemas.microsoft.com/office/drawing/2014/main" val="10000"/>
+                  </a:ext>
+                </a:extLst>
               </a:tr>
               <a:tr h="538398">
                 <a:tc>
@@ -7390,6 +7336,11 @@
                     </a:lnR>
                   </a:tcPr>
                 </a:tc>
+                <a:extLst>
+                  <a:ext uri="{0D108BD9-81ED-4DB2-BD59-A6C34878D82A}">
+                    <a16:rowId xmlns:a16="http://schemas.microsoft.com/office/drawing/2014/main" val="10001"/>
+                  </a:ext>
+                </a:extLst>
               </a:tr>
               <a:tr h="538398">
                 <a:tc>
@@ -7533,6 +7484,11 @@
                     </a:lnR>
                   </a:tcPr>
                 </a:tc>
+                <a:extLst>
+                  <a:ext uri="{0D108BD9-81ED-4DB2-BD59-A6C34878D82A}">
+                    <a16:rowId xmlns:a16="http://schemas.microsoft.com/office/drawing/2014/main" val="10002"/>
+                  </a:ext>
+                </a:extLst>
               </a:tr>
             </a:tbl>
           </a:graphicData>
@@ -7686,64 +7642,63 @@
         </p:blipFill>
         <p:spPr>
           <a:xfrm>
-            <a:off x="1129879" y="1268760"/>
-            <a:ext cx="4248472" cy="2557400"/>
+            <a:off x="1352600" y="1340768"/>
+            <a:ext cx="6456674" cy="4800601"/>
           </a:xfrm>
           <a:prstGeom prst="rect">
             <a:avLst/>
           </a:prstGeom>
           <a:ln>
             <a:solidFill>
-              <a:schemeClr val="accent4">
-                <a:lumMod val="20000"/>
-                <a:lumOff val="80000"/>
+              <a:schemeClr val="bg1">
+                <a:lumMod val="85000"/>
               </a:schemeClr>
             </a:solidFill>
           </a:ln>
         </p:spPr>
       </p:pic>
-      <p:pic>
-        <p:nvPicPr>
-          <p:cNvPr id="4" name="그림 3"/>
-          <p:cNvPicPr>
-            <a:picLocks noChangeAspect="1"/>
-          </p:cNvPicPr>
+      <p:sp>
+        <p:nvSpPr>
+          <p:cNvPr id="6" name="TextBox 5"/>
+          <p:cNvSpPr txBox="1"/>
           <p:nvPr/>
-        </p:nvPicPr>
-        <p:blipFill>
-          <a:blip r:embed="rId3">
-            <a:extLst>
-              <a:ext uri="{28A0092B-C50C-407E-A947-70E740481C1C}">
-                <a14:useLocalDpi xmlns:a14="http://schemas.microsoft.com/office/drawing/2010/main" val="0"/>
-              </a:ext>
-            </a:extLst>
-          </a:blip>
-          <a:stretch>
-            <a:fillRect/>
-          </a:stretch>
-        </p:blipFill>
-        <p:spPr>
-          <a:xfrm>
-            <a:off x="1114734" y="4048127"/>
-            <a:ext cx="7294650" cy="2147215"/>
+        </p:nvSpPr>
+        <p:spPr>
+          <a:xfrm>
+            <a:off x="6690445" y="1484784"/>
+            <a:ext cx="1934963" cy="338554"/>
           </a:xfrm>
           <a:prstGeom prst="rect">
             <a:avLst/>
           </a:prstGeom>
+          <a:noFill/>
           <a:ln>
             <a:solidFill>
-              <a:schemeClr val="accent4">
-                <a:lumMod val="20000"/>
-                <a:lumOff val="80000"/>
+              <a:schemeClr val="tx1">
+                <a:lumMod val="50000"/>
+                <a:lumOff val="50000"/>
               </a:schemeClr>
             </a:solidFill>
           </a:ln>
         </p:spPr>
-      </p:pic>
+        <p:txBody>
+          <a:bodyPr wrap="square" rtlCol="0">
+            <a:spAutoFit/>
+          </a:bodyPr>
+          <a:lstStyle/>
+          <a:p>
+            <a:r>
+              <a:rPr lang="en-US" altLang="ko-KR" sz="1600" dirty="0" smtClean="0"/>
+              <a:t>InitParamFilter.java</a:t>
+            </a:r>
+            <a:endParaRPr lang="ko-KR" altLang="en-US" sz="1600" dirty="0"/>
+          </a:p>
+        </p:txBody>
+      </p:sp>
     </p:spTree>
     <p:extLst>
       <p:ext uri="{BB962C8B-B14F-4D97-AF65-F5344CB8AC3E}">
-        <p14:creationId xmlns:p14="http://schemas.microsoft.com/office/powerpoint/2010/main" val="3796640847"/>
+        <p14:creationId xmlns:p14="http://schemas.microsoft.com/office/powerpoint/2010/main" val="81675411"/>
       </p:ext>
     </p:extLst>
   </p:cSld>
@@ -7842,7 +7797,7 @@
         <p:spPr>
           <a:xfrm>
             <a:off x="776536" y="1062298"/>
-            <a:ext cx="7218802" cy="553998"/>
+            <a:ext cx="7218802" cy="494494"/>
           </a:xfrm>
           <a:prstGeom prst="rect">
             <a:avLst/>
@@ -7862,9 +7817,225 @@
             </a:pPr>
             <a:r>
               <a:rPr lang="ko-KR" altLang="en-US" sz="2000" b="1" dirty="0" smtClean="0"/>
-              <a:t>로그인 인증을 이용하여 필터로 로그 기록하기</a:t>
+              <a:t>필터 처리로 매개변수와 값을 전달받아 로그인 인증 처리하기</a:t>
             </a:r>
             <a:endParaRPr lang="en-US" altLang="ko-KR" sz="2000" b="1" dirty="0" smtClean="0"/>
+          </a:p>
+        </p:txBody>
+      </p:sp>
+      <p:pic>
+        <p:nvPicPr>
+          <p:cNvPr id="8" name="그림 7"/>
+          <p:cNvPicPr>
+            <a:picLocks noChangeAspect="1"/>
+          </p:cNvPicPr>
+          <p:nvPr/>
+        </p:nvPicPr>
+        <p:blipFill>
+          <a:blip r:embed="rId2">
+            <a:extLst>
+              <a:ext uri="{28A0092B-C50C-407E-A947-70E740481C1C}">
+                <a14:useLocalDpi xmlns:a14="http://schemas.microsoft.com/office/drawing/2010/main" val="0"/>
+              </a:ext>
+            </a:extLst>
+          </a:blip>
+          <a:stretch>
+            <a:fillRect/>
+          </a:stretch>
+        </p:blipFill>
+        <p:spPr>
+          <a:xfrm>
+            <a:off x="1280592" y="1772816"/>
+            <a:ext cx="6653911" cy="3888432"/>
+          </a:xfrm>
+          <a:prstGeom prst="rect">
+            <a:avLst/>
+          </a:prstGeom>
+          <a:ln>
+            <a:solidFill>
+              <a:schemeClr val="accent4">
+                <a:lumMod val="20000"/>
+                <a:lumOff val="80000"/>
+              </a:schemeClr>
+            </a:solidFill>
+          </a:ln>
+        </p:spPr>
+      </p:pic>
+    </p:spTree>
+    <p:extLst>
+      <p:ext uri="{BB962C8B-B14F-4D97-AF65-F5344CB8AC3E}">
+        <p14:creationId xmlns:p14="http://schemas.microsoft.com/office/powerpoint/2010/main" val="172654337"/>
+      </p:ext>
+    </p:extLst>
+  </p:cSld>
+  <p:clrMapOvr>
+    <a:masterClrMapping/>
+  </p:clrMapOvr>
+  <p:timing>
+    <p:tnLst>
+      <p:par>
+        <p:cTn id="1" dur="indefinite" restart="never" nodeType="tmRoot"/>
+      </p:par>
+    </p:tnLst>
+  </p:timing>
+</p:sld>
+</file>
+
+<file path=ppt/slides/slide22.xml><?xml version="1.0" encoding="utf-8"?>
+<p:sld xmlns:a="http://schemas.openxmlformats.org/drawingml/2006/main" xmlns:r="http://schemas.openxmlformats.org/officeDocument/2006/relationships" xmlns:p="http://schemas.openxmlformats.org/presentationml/2006/main">
+  <p:cSld>
+    <p:spTree>
+      <p:nvGrpSpPr>
+        <p:cNvPr id="1" name=""/>
+        <p:cNvGrpSpPr/>
+        <p:nvPr/>
+      </p:nvGrpSpPr>
+      <p:grpSpPr>
+        <a:xfrm>
+          <a:off x="0" y="0"/>
+          <a:ext cx="0" cy="0"/>
+          <a:chOff x="0" y="0"/>
+          <a:chExt cx="0" cy="0"/>
+        </a:xfrm>
+      </p:grpSpPr>
+      <p:sp>
+        <p:nvSpPr>
+          <p:cNvPr id="15" name="제목 5"/>
+          <p:cNvSpPr txBox="1">
+            <a:spLocks/>
+          </p:cNvSpPr>
+          <p:nvPr/>
+        </p:nvSpPr>
+        <p:spPr>
+          <a:xfrm>
+            <a:off x="0" y="-27384"/>
+            <a:ext cx="7995338" cy="854968"/>
+          </a:xfrm>
+          <a:prstGeom prst="rect">
+            <a:avLst/>
+          </a:prstGeom>
+        </p:spPr>
+        <p:txBody>
+          <a:bodyPr anchor="ctr" anchorCtr="0"/>
+          <a:lstStyle>
+            <a:lvl1pPr algn="l" defTabSz="914400" rtl="0" eaLnBrk="1" latinLnBrk="1" hangingPunct="1">
+              <a:spcBef>
+                <a:spcPct val="0"/>
+              </a:spcBef>
+              <a:buNone/>
+              <a:defRPr sz="3200" kern="1200">
+                <a:solidFill>
+                  <a:schemeClr val="bg1"/>
+                </a:solidFill>
+                <a:latin typeface="HY헤드라인M" panose="02030600000101010101" pitchFamily="18" charset="-127"/>
+                <a:ea typeface="HY헤드라인M" panose="02030600000101010101" pitchFamily="18" charset="-127"/>
+                <a:cs typeface="+mj-cs"/>
+              </a:defRPr>
+            </a:lvl1pPr>
+          </a:lstStyle>
+          <a:p>
+            <a:r>
+              <a:rPr lang="en-US" altLang="ko-KR" dirty="0" smtClean="0"/>
+              <a:t> </a:t>
+            </a:r>
+            <a:r>
+              <a:rPr lang="ko-KR" altLang="en-US" dirty="0"/>
+              <a:t> </a:t>
+            </a:r>
+            <a:r>
+              <a:rPr lang="ko-KR" altLang="en-US" dirty="0" smtClean="0"/>
+              <a:t>로그</a:t>
+            </a:r>
+            <a:r>
+              <a:rPr lang="en-US" altLang="ko-KR" dirty="0" smtClean="0"/>
+              <a:t>(</a:t>
+            </a:r>
+            <a:r>
+              <a:rPr lang="en-US" altLang="ko-KR" dirty="0" smtClean="0"/>
+              <a:t>log</a:t>
+            </a:r>
+            <a:r>
+              <a:rPr lang="en-US" altLang="ko-KR" dirty="0" smtClean="0"/>
+              <a:t>)</a:t>
+            </a:r>
+            <a:endParaRPr lang="ko-KR" altLang="en-US" dirty="0"/>
+          </a:p>
+        </p:txBody>
+      </p:sp>
+      <p:sp>
+        <p:nvSpPr>
+          <p:cNvPr id="5" name="TextBox 4"/>
+          <p:cNvSpPr txBox="1"/>
+          <p:nvPr/>
+        </p:nvSpPr>
+        <p:spPr>
+          <a:xfrm>
+            <a:off x="776536" y="1062298"/>
+            <a:ext cx="7218802" cy="553998"/>
+          </a:xfrm>
+          <a:prstGeom prst="rect">
+            <a:avLst/>
+          </a:prstGeom>
+          <a:noFill/>
+        </p:spPr>
+        <p:txBody>
+          <a:bodyPr wrap="square" rtlCol="0">
+            <a:spAutoFit/>
+          </a:bodyPr>
+          <a:lstStyle/>
+          <a:p>
+            <a:pPr>
+              <a:lnSpc>
+                <a:spcPct val="150000"/>
+              </a:lnSpc>
+            </a:pPr>
+            <a:r>
+              <a:rPr lang="ko-KR" altLang="en-US" sz="2000" b="1" dirty="0" smtClean="0"/>
+              <a:t>로그인 인증 필터를 이용하여 파일에 로그 기록하기</a:t>
+            </a:r>
+            <a:endParaRPr lang="en-US" altLang="ko-KR" sz="2000" b="1" dirty="0" smtClean="0"/>
+          </a:p>
+        </p:txBody>
+      </p:sp>
+      <p:sp>
+        <p:nvSpPr>
+          <p:cNvPr id="4" name="TextBox 3"/>
+          <p:cNvSpPr txBox="1"/>
+          <p:nvPr/>
+        </p:nvSpPr>
+        <p:spPr>
+          <a:xfrm>
+            <a:off x="6825208" y="3635732"/>
+            <a:ext cx="1440160" cy="369332"/>
+          </a:xfrm>
+          <a:prstGeom prst="rect">
+            <a:avLst/>
+          </a:prstGeom>
+          <a:noFill/>
+          <a:ln>
+            <a:solidFill>
+              <a:schemeClr val="tx1">
+                <a:lumMod val="50000"/>
+                <a:lumOff val="50000"/>
+              </a:schemeClr>
+            </a:solidFill>
+          </a:ln>
+        </p:spPr>
+        <p:txBody>
+          <a:bodyPr wrap="square" rtlCol="0">
+            <a:spAutoFit/>
+          </a:bodyPr>
+          <a:lstStyle/>
+          <a:p>
+            <a:r>
+              <a:rPr lang="en-US" altLang="ko-KR" dirty="0"/>
+              <a:t>m</a:t>
+            </a:r>
+            <a:r>
+              <a:rPr lang="en-US" altLang="ko-KR" dirty="0" smtClean="0"/>
+              <a:t>onitor.log</a:t>
+            </a:r>
+            <a:endParaRPr lang="ko-KR" altLang="en-US" dirty="0"/>
           </a:p>
         </p:txBody>
       </p:sp>
@@ -7890,6 +8061,451 @@
         </p:blipFill>
         <p:spPr>
           <a:xfrm>
+            <a:off x="4740014" y="4204335"/>
+            <a:ext cx="3650297" cy="1958510"/>
+          </a:xfrm>
+          <a:prstGeom prst="rect">
+            <a:avLst/>
+          </a:prstGeom>
+          <a:ln>
+            <a:solidFill>
+              <a:schemeClr val="bg1">
+                <a:lumMod val="85000"/>
+              </a:schemeClr>
+            </a:solidFill>
+          </a:ln>
+        </p:spPr>
+      </p:pic>
+      <p:pic>
+        <p:nvPicPr>
+          <p:cNvPr id="9" name="그림 8"/>
+          <p:cNvPicPr>
+            <a:picLocks noChangeAspect="1"/>
+          </p:cNvPicPr>
+          <p:nvPr/>
+        </p:nvPicPr>
+        <p:blipFill>
+          <a:blip r:embed="rId3">
+            <a:extLst>
+              <a:ext uri="{28A0092B-C50C-407E-A947-70E740481C1C}">
+                <a14:useLocalDpi xmlns:a14="http://schemas.microsoft.com/office/drawing/2010/main" val="0"/>
+              </a:ext>
+            </a:extLst>
+          </a:blip>
+          <a:stretch>
+            <a:fillRect/>
+          </a:stretch>
+        </p:blipFill>
+        <p:spPr>
+          <a:xfrm>
+            <a:off x="1120200" y="1886614"/>
+            <a:ext cx="3619814" cy="1661304"/>
+          </a:xfrm>
+          <a:prstGeom prst="rect">
+            <a:avLst/>
+          </a:prstGeom>
+          <a:ln>
+            <a:solidFill>
+              <a:schemeClr val="bg1">
+                <a:lumMod val="85000"/>
+              </a:schemeClr>
+            </a:solidFill>
+          </a:ln>
+        </p:spPr>
+      </p:pic>
+      <p:pic>
+        <p:nvPicPr>
+          <p:cNvPr id="10" name="그림 9"/>
+          <p:cNvPicPr>
+            <a:picLocks noChangeAspect="1"/>
+          </p:cNvPicPr>
+          <p:nvPr/>
+        </p:nvPicPr>
+        <p:blipFill>
+          <a:blip r:embed="rId4">
+            <a:extLst>
+              <a:ext uri="{28A0092B-C50C-407E-A947-70E740481C1C}">
+                <a14:useLocalDpi xmlns:a14="http://schemas.microsoft.com/office/drawing/2010/main" val="0"/>
+              </a:ext>
+            </a:extLst>
+          </a:blip>
+          <a:stretch>
+            <a:fillRect/>
+          </a:stretch>
+        </p:blipFill>
+        <p:spPr>
+          <a:xfrm>
+            <a:off x="5241032" y="1886614"/>
+            <a:ext cx="4122778" cy="1493650"/>
+          </a:xfrm>
+          <a:prstGeom prst="rect">
+            <a:avLst/>
+          </a:prstGeom>
+          <a:ln>
+            <a:solidFill>
+              <a:schemeClr val="bg1">
+                <a:lumMod val="85000"/>
+              </a:schemeClr>
+            </a:solidFill>
+          </a:ln>
+        </p:spPr>
+      </p:pic>
+      <p:pic>
+        <p:nvPicPr>
+          <p:cNvPr id="8" name="그림 7"/>
+          <p:cNvPicPr>
+            <a:picLocks noChangeAspect="1"/>
+          </p:cNvPicPr>
+          <p:nvPr/>
+        </p:nvPicPr>
+        <p:blipFill>
+          <a:blip r:embed="rId5">
+            <a:extLst>
+              <a:ext uri="{28A0092B-C50C-407E-A947-70E740481C1C}">
+                <a14:useLocalDpi xmlns:a14="http://schemas.microsoft.com/office/drawing/2010/main" val="0"/>
+              </a:ext>
+            </a:extLst>
+          </a:blip>
+          <a:stretch>
+            <a:fillRect/>
+          </a:stretch>
+        </p:blipFill>
+        <p:spPr>
+          <a:xfrm>
+            <a:off x="2072680" y="4221577"/>
+            <a:ext cx="2095682" cy="1607959"/>
+          </a:xfrm>
+          <a:prstGeom prst="rect">
+            <a:avLst/>
+          </a:prstGeom>
+          <a:ln>
+            <a:solidFill>
+              <a:schemeClr val="bg1">
+                <a:lumMod val="85000"/>
+              </a:schemeClr>
+            </a:solidFill>
+          </a:ln>
+        </p:spPr>
+      </p:pic>
+    </p:spTree>
+    <p:extLst>
+      <p:ext uri="{BB962C8B-B14F-4D97-AF65-F5344CB8AC3E}">
+        <p14:creationId xmlns:p14="http://schemas.microsoft.com/office/powerpoint/2010/main" val="924957186"/>
+      </p:ext>
+    </p:extLst>
+  </p:cSld>
+  <p:clrMapOvr>
+    <a:masterClrMapping/>
+  </p:clrMapOvr>
+  <p:timing>
+    <p:tnLst>
+      <p:par>
+        <p:cTn id="1" dur="indefinite" restart="never" nodeType="tmRoot"/>
+      </p:par>
+    </p:tnLst>
+  </p:timing>
+</p:sld>
+</file>
+
+<file path=ppt/slides/slide23.xml><?xml version="1.0" encoding="utf-8"?>
+<p:sld xmlns:a="http://schemas.openxmlformats.org/drawingml/2006/main" xmlns:r="http://schemas.openxmlformats.org/officeDocument/2006/relationships" xmlns:p="http://schemas.openxmlformats.org/presentationml/2006/main">
+  <p:cSld>
+    <p:spTree>
+      <p:nvGrpSpPr>
+        <p:cNvPr id="1" name=""/>
+        <p:cNvGrpSpPr/>
+        <p:nvPr/>
+      </p:nvGrpSpPr>
+      <p:grpSpPr>
+        <a:xfrm>
+          <a:off x="0" y="0"/>
+          <a:ext cx="0" cy="0"/>
+          <a:chOff x="0" y="0"/>
+          <a:chExt cx="0" cy="0"/>
+        </a:xfrm>
+      </p:grpSpPr>
+      <p:sp>
+        <p:nvSpPr>
+          <p:cNvPr id="15" name="제목 5"/>
+          <p:cNvSpPr txBox="1">
+            <a:spLocks/>
+          </p:cNvSpPr>
+          <p:nvPr/>
+        </p:nvSpPr>
+        <p:spPr>
+          <a:xfrm>
+            <a:off x="0" y="-27384"/>
+            <a:ext cx="7995338" cy="854968"/>
+          </a:xfrm>
+          <a:prstGeom prst="rect">
+            <a:avLst/>
+          </a:prstGeom>
+        </p:spPr>
+        <p:txBody>
+          <a:bodyPr anchor="ctr" anchorCtr="0"/>
+          <a:lstStyle>
+            <a:lvl1pPr algn="l" defTabSz="914400" rtl="0" eaLnBrk="1" latinLnBrk="1" hangingPunct="1">
+              <a:spcBef>
+                <a:spcPct val="0"/>
+              </a:spcBef>
+              <a:buNone/>
+              <a:defRPr sz="3200" kern="1200">
+                <a:solidFill>
+                  <a:schemeClr val="bg1"/>
+                </a:solidFill>
+                <a:latin typeface="HY헤드라인M" panose="02030600000101010101" pitchFamily="18" charset="-127"/>
+                <a:ea typeface="HY헤드라인M" panose="02030600000101010101" pitchFamily="18" charset="-127"/>
+                <a:cs typeface="+mj-cs"/>
+              </a:defRPr>
+            </a:lvl1pPr>
+          </a:lstStyle>
+          <a:p>
+            <a:r>
+              <a:rPr lang="en-US" altLang="ko-KR" dirty="0" smtClean="0"/>
+              <a:t> </a:t>
+            </a:r>
+            <a:r>
+              <a:rPr lang="ko-KR" altLang="en-US" dirty="0"/>
+              <a:t> </a:t>
+            </a:r>
+            <a:r>
+              <a:rPr lang="ko-KR" altLang="en-US" dirty="0"/>
+              <a:t>로그</a:t>
+            </a:r>
+            <a:r>
+              <a:rPr lang="en-US" altLang="ko-KR" dirty="0"/>
+              <a:t>(log)</a:t>
+            </a:r>
+            <a:endParaRPr lang="ko-KR" altLang="en-US" dirty="0"/>
+          </a:p>
+        </p:txBody>
+      </p:sp>
+      <p:pic>
+        <p:nvPicPr>
+          <p:cNvPr id="2" name="그림 1"/>
+          <p:cNvPicPr>
+            <a:picLocks noChangeAspect="1"/>
+          </p:cNvPicPr>
+          <p:nvPr/>
+        </p:nvPicPr>
+        <p:blipFill>
+          <a:blip r:embed="rId2">
+            <a:extLst>
+              <a:ext uri="{28A0092B-C50C-407E-A947-70E740481C1C}">
+                <a14:useLocalDpi xmlns:a14="http://schemas.microsoft.com/office/drawing/2010/main" val="0"/>
+              </a:ext>
+            </a:extLst>
+          </a:blip>
+          <a:stretch>
+            <a:fillRect/>
+          </a:stretch>
+        </p:blipFill>
+        <p:spPr>
+          <a:xfrm>
+            <a:off x="1129879" y="1268760"/>
+            <a:ext cx="4248472" cy="2557400"/>
+          </a:xfrm>
+          <a:prstGeom prst="rect">
+            <a:avLst/>
+          </a:prstGeom>
+          <a:ln>
+            <a:solidFill>
+              <a:schemeClr val="accent4">
+                <a:lumMod val="20000"/>
+                <a:lumOff val="80000"/>
+              </a:schemeClr>
+            </a:solidFill>
+          </a:ln>
+        </p:spPr>
+      </p:pic>
+      <p:pic>
+        <p:nvPicPr>
+          <p:cNvPr id="4" name="그림 3"/>
+          <p:cNvPicPr>
+            <a:picLocks noChangeAspect="1"/>
+          </p:cNvPicPr>
+          <p:nvPr/>
+        </p:nvPicPr>
+        <p:blipFill>
+          <a:blip r:embed="rId3">
+            <a:extLst>
+              <a:ext uri="{28A0092B-C50C-407E-A947-70E740481C1C}">
+                <a14:useLocalDpi xmlns:a14="http://schemas.microsoft.com/office/drawing/2010/main" val="0"/>
+              </a:ext>
+            </a:extLst>
+          </a:blip>
+          <a:stretch>
+            <a:fillRect/>
+          </a:stretch>
+        </p:blipFill>
+        <p:spPr>
+          <a:xfrm>
+            <a:off x="1114734" y="4048127"/>
+            <a:ext cx="7294650" cy="2147215"/>
+          </a:xfrm>
+          <a:prstGeom prst="rect">
+            <a:avLst/>
+          </a:prstGeom>
+          <a:ln>
+            <a:solidFill>
+              <a:schemeClr val="accent4">
+                <a:lumMod val="20000"/>
+                <a:lumOff val="80000"/>
+              </a:schemeClr>
+            </a:solidFill>
+          </a:ln>
+        </p:spPr>
+      </p:pic>
+    </p:spTree>
+    <p:extLst>
+      <p:ext uri="{BB962C8B-B14F-4D97-AF65-F5344CB8AC3E}">
+        <p14:creationId xmlns:p14="http://schemas.microsoft.com/office/powerpoint/2010/main" val="3796640847"/>
+      </p:ext>
+    </p:extLst>
+  </p:cSld>
+  <p:clrMapOvr>
+    <a:masterClrMapping/>
+  </p:clrMapOvr>
+  <p:timing>
+    <p:tnLst>
+      <p:par>
+        <p:cTn id="1" dur="indefinite" restart="never" nodeType="tmRoot"/>
+      </p:par>
+    </p:tnLst>
+  </p:timing>
+</p:sld>
+</file>
+
+<file path=ppt/slides/slide24.xml><?xml version="1.0" encoding="utf-8"?>
+<p:sld xmlns:a="http://schemas.openxmlformats.org/drawingml/2006/main" xmlns:r="http://schemas.openxmlformats.org/officeDocument/2006/relationships" xmlns:p="http://schemas.openxmlformats.org/presentationml/2006/main">
+  <p:cSld>
+    <p:spTree>
+      <p:nvGrpSpPr>
+        <p:cNvPr id="1" name=""/>
+        <p:cNvGrpSpPr/>
+        <p:nvPr/>
+      </p:nvGrpSpPr>
+      <p:grpSpPr>
+        <a:xfrm>
+          <a:off x="0" y="0"/>
+          <a:ext cx="0" cy="0"/>
+          <a:chOff x="0" y="0"/>
+          <a:chExt cx="0" cy="0"/>
+        </a:xfrm>
+      </p:grpSpPr>
+      <p:sp>
+        <p:nvSpPr>
+          <p:cNvPr id="15" name="제목 5"/>
+          <p:cNvSpPr txBox="1">
+            <a:spLocks/>
+          </p:cNvSpPr>
+          <p:nvPr/>
+        </p:nvSpPr>
+        <p:spPr>
+          <a:xfrm>
+            <a:off x="0" y="-27384"/>
+            <a:ext cx="7995338" cy="854968"/>
+          </a:xfrm>
+          <a:prstGeom prst="rect">
+            <a:avLst/>
+          </a:prstGeom>
+        </p:spPr>
+        <p:txBody>
+          <a:bodyPr anchor="ctr" anchorCtr="0"/>
+          <a:lstStyle>
+            <a:lvl1pPr algn="l" defTabSz="914400" rtl="0" eaLnBrk="1" latinLnBrk="1" hangingPunct="1">
+              <a:spcBef>
+                <a:spcPct val="0"/>
+              </a:spcBef>
+              <a:buNone/>
+              <a:defRPr sz="3200" kern="1200">
+                <a:solidFill>
+                  <a:schemeClr val="bg1"/>
+                </a:solidFill>
+                <a:latin typeface="HY헤드라인M" panose="02030600000101010101" pitchFamily="18" charset="-127"/>
+                <a:ea typeface="HY헤드라인M" panose="02030600000101010101" pitchFamily="18" charset="-127"/>
+                <a:cs typeface="+mj-cs"/>
+              </a:defRPr>
+            </a:lvl1pPr>
+          </a:lstStyle>
+          <a:p>
+            <a:r>
+              <a:rPr lang="en-US" altLang="ko-KR" dirty="0" smtClean="0"/>
+              <a:t> </a:t>
+            </a:r>
+            <a:r>
+              <a:rPr lang="ko-KR" altLang="en-US" dirty="0"/>
+              <a:t> </a:t>
+            </a:r>
+            <a:r>
+              <a:rPr lang="ko-KR" altLang="en-US" dirty="0"/>
+              <a:t>로그</a:t>
+            </a:r>
+            <a:r>
+              <a:rPr lang="en-US" altLang="ko-KR" dirty="0"/>
+              <a:t>(log)</a:t>
+            </a:r>
+            <a:endParaRPr lang="ko-KR" altLang="en-US" dirty="0"/>
+          </a:p>
+        </p:txBody>
+      </p:sp>
+      <p:sp>
+        <p:nvSpPr>
+          <p:cNvPr id="5" name="TextBox 4"/>
+          <p:cNvSpPr txBox="1"/>
+          <p:nvPr/>
+        </p:nvSpPr>
+        <p:spPr>
+          <a:xfrm>
+            <a:off x="776536" y="1062298"/>
+            <a:ext cx="7218802" cy="553998"/>
+          </a:xfrm>
+          <a:prstGeom prst="rect">
+            <a:avLst/>
+          </a:prstGeom>
+          <a:noFill/>
+        </p:spPr>
+        <p:txBody>
+          <a:bodyPr wrap="square" rtlCol="0">
+            <a:spAutoFit/>
+          </a:bodyPr>
+          <a:lstStyle/>
+          <a:p>
+            <a:pPr>
+              <a:lnSpc>
+                <a:spcPct val="150000"/>
+              </a:lnSpc>
+            </a:pPr>
+            <a:r>
+              <a:rPr lang="ko-KR" altLang="en-US" sz="2000" b="1" dirty="0" smtClean="0"/>
+              <a:t>로그인 인증을 이용하여 필터로 로그 기록하기</a:t>
+            </a:r>
+            <a:endParaRPr lang="en-US" altLang="ko-KR" sz="2000" b="1" dirty="0" smtClean="0"/>
+          </a:p>
+        </p:txBody>
+      </p:sp>
+      <p:pic>
+        <p:nvPicPr>
+          <p:cNvPr id="3" name="그림 2"/>
+          <p:cNvPicPr>
+            <a:picLocks noChangeAspect="1"/>
+          </p:cNvPicPr>
+          <p:nvPr/>
+        </p:nvPicPr>
+        <p:blipFill>
+          <a:blip r:embed="rId2">
+            <a:extLst>
+              <a:ext uri="{28A0092B-C50C-407E-A947-70E740481C1C}">
+                <a14:useLocalDpi xmlns:a14="http://schemas.microsoft.com/office/drawing/2010/main" val="0"/>
+              </a:ext>
+            </a:extLst>
+          </a:blip>
+          <a:stretch>
+            <a:fillRect/>
+          </a:stretch>
+        </p:blipFill>
+        <p:spPr>
+          <a:xfrm>
             <a:off x="1146480" y="2420888"/>
             <a:ext cx="7613040" cy="3154954"/>
           </a:xfrm>
@@ -7949,7 +8565,7 @@
           <p:cNvPr id="7" name="모서리가 둥근 직사각형 6">
             <a:extLst>
               <a:ext uri="{FF2B5EF4-FFF2-40B4-BE49-F238E27FC236}">
-                <a16:creationId xmlns:a16="http://schemas.microsoft.com/office/drawing/2014/main" xmlns="" id="{792DA8B4-17B2-454B-97AC-17311A4832C5}"/>
+                <a16:creationId xmlns:a16="http://schemas.microsoft.com/office/drawing/2014/main" id="{792DA8B4-17B2-454B-97AC-17311A4832C5}"/>
               </a:ext>
             </a:extLst>
           </p:cNvPr>
@@ -8004,7 +8620,7 @@
           <p:cNvPr id="8" name="모서리가 둥근 직사각형 7">
             <a:extLst>
               <a:ext uri="{FF2B5EF4-FFF2-40B4-BE49-F238E27FC236}">
-                <a16:creationId xmlns:a16="http://schemas.microsoft.com/office/drawing/2014/main" xmlns="" id="{792DA8B4-17B2-454B-97AC-17311A4832C5}"/>
+                <a16:creationId xmlns:a16="http://schemas.microsoft.com/office/drawing/2014/main" id="{792DA8B4-17B2-454B-97AC-17311A4832C5}"/>
               </a:ext>
             </a:extLst>
           </p:cNvPr>
@@ -8278,7 +8894,7 @@
 </p:sld>
 </file>
 
-<file path=ppt/slides/slide22.xml><?xml version="1.0" encoding="utf-8"?>
+<file path=ppt/slides/slide25.xml><?xml version="1.0" encoding="utf-8"?>
 <p:sld xmlns:a="http://schemas.openxmlformats.org/drawingml/2006/main" xmlns:r="http://schemas.openxmlformats.org/officeDocument/2006/relationships" xmlns:p="http://schemas.openxmlformats.org/presentationml/2006/main">
   <p:cSld>
     <p:spTree>
@@ -8340,12 +8956,12 @@
               <a:t> </a:t>
             </a:r>
             <a:r>
-              <a:rPr lang="ko-KR" altLang="en-US" dirty="0" smtClean="0"/>
-              <a:t>필터</a:t>
-            </a:r>
-            <a:r>
-              <a:rPr lang="en-US" altLang="ko-KR" dirty="0" smtClean="0"/>
-              <a:t>(Filter)</a:t>
+              <a:rPr lang="ko-KR" altLang="en-US" dirty="0"/>
+              <a:t>로그</a:t>
+            </a:r>
+            <a:r>
+              <a:rPr lang="en-US" altLang="ko-KR" dirty="0"/>
+              <a:t>(log)</a:t>
             </a:r>
             <a:endParaRPr lang="ko-KR" altLang="en-US" dirty="0"/>
           </a:p>
@@ -8408,7 +9024,7 @@
 </p:sld>
 </file>
 
-<file path=ppt/slides/slide23.xml><?xml version="1.0" encoding="utf-8"?>
+<file path=ppt/slides/slide26.xml><?xml version="1.0" encoding="utf-8"?>
 <p:sld xmlns:a="http://schemas.openxmlformats.org/drawingml/2006/main" xmlns:r="http://schemas.openxmlformats.org/officeDocument/2006/relationships" xmlns:p="http://schemas.openxmlformats.org/presentationml/2006/main">
   <p:cSld>
     <p:spTree>
@@ -8470,12 +9086,12 @@
               <a:t> </a:t>
             </a:r>
             <a:r>
-              <a:rPr lang="ko-KR" altLang="en-US" dirty="0" smtClean="0"/>
-              <a:t>필터</a:t>
-            </a:r>
-            <a:r>
-              <a:rPr lang="en-US" altLang="ko-KR" dirty="0" smtClean="0"/>
-              <a:t>(Filter)</a:t>
+              <a:rPr lang="ko-KR" altLang="en-US" dirty="0"/>
+              <a:t>로그</a:t>
+            </a:r>
+            <a:r>
+              <a:rPr lang="en-US" altLang="ko-KR" dirty="0"/>
+              <a:t>(log)</a:t>
             </a:r>
             <a:endParaRPr lang="ko-KR" altLang="en-US" dirty="0"/>
           </a:p>
@@ -8559,7 +9175,7 @@
           <p:cNvPr id="8" name="모서리가 둥근 직사각형 7">
             <a:extLst>
               <a:ext uri="{FF2B5EF4-FFF2-40B4-BE49-F238E27FC236}">
-                <a16:creationId xmlns:a16="http://schemas.microsoft.com/office/drawing/2014/main" xmlns="" id="{792DA8B4-17B2-454B-97AC-17311A4832C5}"/>
+                <a16:creationId xmlns:a16="http://schemas.microsoft.com/office/drawing/2014/main" id="{792DA8B4-17B2-454B-97AC-17311A4832C5}"/>
               </a:ext>
             </a:extLst>
           </p:cNvPr>
@@ -9162,8 +9778,20 @@
                 <a:tableStyleId>{5940675A-B579-460E-94D1-54222C63F5DA}</a:tableStyleId>
               </a:tblPr>
               <a:tblGrid>
-                <a:gridCol w="2448272"/>
-                <a:gridCol w="4320480"/>
+                <a:gridCol w="2448272">
+                  <a:extLst>
+                    <a:ext uri="{9D8B030D-6E8A-4147-A177-3AD203B41FA5}">
+                      <a16:colId xmlns:a16="http://schemas.microsoft.com/office/drawing/2014/main" val="20000"/>
+                    </a:ext>
+                  </a:extLst>
+                </a:gridCol>
+                <a:gridCol w="4320480">
+                  <a:extLst>
+                    <a:ext uri="{9D8B030D-6E8A-4147-A177-3AD203B41FA5}">
+                      <a16:colId xmlns:a16="http://schemas.microsoft.com/office/drawing/2014/main" val="20001"/>
+                    </a:ext>
+                  </a:extLst>
+                </a:gridCol>
               </a:tblGrid>
               <a:tr h="486054">
                 <a:tc>
@@ -9214,6 +9842,11 @@
                     </a:solidFill>
                   </a:tcPr>
                 </a:tc>
+                <a:extLst>
+                  <a:ext uri="{0D108BD9-81ED-4DB2-BD59-A6C34878D82A}">
+                    <a16:rowId xmlns:a16="http://schemas.microsoft.com/office/drawing/2014/main" val="10000"/>
+                  </a:ext>
+                </a:extLst>
               </a:tr>
               <a:tr h="486054">
                 <a:tc>
@@ -9293,6 +9926,11 @@
                     </a:lnR>
                   </a:tcPr>
                 </a:tc>
+                <a:extLst>
+                  <a:ext uri="{0D108BD9-81ED-4DB2-BD59-A6C34878D82A}">
+                    <a16:rowId xmlns:a16="http://schemas.microsoft.com/office/drawing/2014/main" val="10001"/>
+                  </a:ext>
+                </a:extLst>
               </a:tr>
               <a:tr h="486054">
                 <a:tc>
@@ -9380,6 +10018,11 @@
                     </a:lnR>
                   </a:tcPr>
                 </a:tc>
+                <a:extLst>
+                  <a:ext uri="{0D108BD9-81ED-4DB2-BD59-A6C34878D82A}">
+                    <a16:rowId xmlns:a16="http://schemas.microsoft.com/office/drawing/2014/main" val="10002"/>
+                  </a:ext>
+                </a:extLst>
               </a:tr>
               <a:tr h="486054">
                 <a:tc>
@@ -9475,6 +10118,11 @@
                     </a:lnR>
                   </a:tcPr>
                 </a:tc>
+                <a:extLst>
+                  <a:ext uri="{0D108BD9-81ED-4DB2-BD59-A6C34878D82A}">
+                    <a16:rowId xmlns:a16="http://schemas.microsoft.com/office/drawing/2014/main" val="10003"/>
+                  </a:ext>
+                </a:extLst>
               </a:tr>
             </a:tbl>
           </a:graphicData>
@@ -9760,19 +10408,19 @@
               <a:t>- </a:t>
             </a:r>
             <a:r>
-              <a:rPr lang="en-US" altLang="ko-KR" dirty="0" err="1" smtClean="0"/>
+              <a:rPr lang="en-US" altLang="ko-KR" b="1" dirty="0" err="1" smtClean="0"/>
               <a:t>init</a:t>
             </a:r>
             <a:r>
-              <a:rPr lang="en-US" altLang="ko-KR" dirty="0" smtClean="0"/>
+              <a:rPr lang="en-US" altLang="ko-KR" b="1" dirty="0" smtClean="0"/>
               <a:t>() </a:t>
             </a:r>
             <a:r>
-              <a:rPr lang="ko-KR" altLang="en-US" dirty="0" err="1" smtClean="0"/>
+              <a:rPr lang="ko-KR" altLang="en-US" b="1" dirty="0" err="1" smtClean="0"/>
               <a:t>메서드</a:t>
             </a:r>
             <a:r>
-              <a:rPr lang="ko-KR" altLang="en-US" dirty="0" smtClean="0"/>
+              <a:rPr lang="ko-KR" altLang="en-US" b="1" dirty="0" smtClean="0"/>
               <a:t> </a:t>
             </a:r>
             <a:r>
@@ -9812,13 +10460,13 @@
           <p:nvPr>
             <p:extLst>
               <p:ext uri="{D42A27DB-BD31-4B8C-83A1-F6EECF244321}">
-                <p14:modId xmlns:p14="http://schemas.microsoft.com/office/powerpoint/2010/main" val="2887287544"/>
+                <p14:modId xmlns:p14="http://schemas.microsoft.com/office/powerpoint/2010/main" val="4255095523"/>
               </p:ext>
             </p:extLst>
           </p:nvPr>
         </p:nvGraphicFramePr>
         <p:xfrm>
-          <a:off x="1136576" y="2636912"/>
+          <a:off x="1136576" y="2899400"/>
           <a:ext cx="7470830" cy="1249680"/>
         </p:xfrm>
         <a:graphic>
@@ -9828,8 +10476,20 @@
                 <a:tableStyleId>{5940675A-B579-460E-94D1-54222C63F5DA}</a:tableStyleId>
               </a:tblPr>
               <a:tblGrid>
-                <a:gridCol w="2448272"/>
-                <a:gridCol w="5022558"/>
+                <a:gridCol w="2448272">
+                  <a:extLst>
+                    <a:ext uri="{9D8B030D-6E8A-4147-A177-3AD203B41FA5}">
+                      <a16:colId xmlns:a16="http://schemas.microsoft.com/office/drawing/2014/main" val="20000"/>
+                    </a:ext>
+                  </a:extLst>
+                </a:gridCol>
+                <a:gridCol w="5022558">
+                  <a:extLst>
+                    <a:ext uri="{9D8B030D-6E8A-4147-A177-3AD203B41FA5}">
+                      <a16:colId xmlns:a16="http://schemas.microsoft.com/office/drawing/2014/main" val="20001"/>
+                    </a:ext>
+                  </a:extLst>
+                </a:gridCol>
               </a:tblGrid>
               <a:tr h="306034">
                 <a:tc>
@@ -9880,6 +10540,11 @@
                     </a:solidFill>
                   </a:tcPr>
                 </a:tc>
+                <a:extLst>
+                  <a:ext uri="{0D108BD9-81ED-4DB2-BD59-A6C34878D82A}">
+                    <a16:rowId xmlns:a16="http://schemas.microsoft.com/office/drawing/2014/main" val="10000"/>
+                  </a:ext>
+                </a:extLst>
               </a:tr>
               <a:tr h="306034">
                 <a:tc>
@@ -9951,6 +10616,11 @@
                     </a:lnR>
                   </a:tcPr>
                 </a:tc>
+                <a:extLst>
+                  <a:ext uri="{0D108BD9-81ED-4DB2-BD59-A6C34878D82A}">
+                    <a16:rowId xmlns:a16="http://schemas.microsoft.com/office/drawing/2014/main" val="10001"/>
+                  </a:ext>
+                </a:extLst>
               </a:tr>
               <a:tr h="306034">
                 <a:tc>
@@ -10061,6 +10731,11 @@
                     </a:lnR>
                   </a:tcPr>
                 </a:tc>
+                <a:extLst>
+                  <a:ext uri="{0D108BD9-81ED-4DB2-BD59-A6C34878D82A}">
+                    <a16:rowId xmlns:a16="http://schemas.microsoft.com/office/drawing/2014/main" val="10002"/>
+                  </a:ext>
+                </a:extLst>
               </a:tr>
             </a:tbl>
           </a:graphicData>
@@ -10074,7 +10749,7 @@
         </p:nvSpPr>
         <p:spPr>
           <a:xfrm>
-            <a:off x="1136576" y="2012265"/>
+            <a:off x="1136576" y="2156281"/>
             <a:ext cx="7488832" cy="408623"/>
           </a:xfrm>
           <a:prstGeom prst="roundRect">
@@ -10183,366 +10858,6 @@
                 <a:schemeClr val="tx1"/>
               </a:solidFill>
             </a:endParaRPr>
-          </a:p>
-        </p:txBody>
-      </p:sp>
-      <p:sp>
-        <p:nvSpPr>
-          <p:cNvPr id="8" name="TextBox 7"/>
-          <p:cNvSpPr txBox="1"/>
-          <p:nvPr/>
-        </p:nvSpPr>
-        <p:spPr>
-          <a:xfrm>
-            <a:off x="776536" y="4005064"/>
-            <a:ext cx="8352928" cy="507831"/>
-          </a:xfrm>
-          <a:prstGeom prst="rect">
-            <a:avLst/>
-          </a:prstGeom>
-          <a:noFill/>
-        </p:spPr>
-        <p:txBody>
-          <a:bodyPr wrap="square" rtlCol="0">
-            <a:spAutoFit/>
-          </a:bodyPr>
-          <a:lstStyle/>
-          <a:p>
-            <a:pPr>
-              <a:lnSpc>
-                <a:spcPct val="150000"/>
-              </a:lnSpc>
-            </a:pPr>
-            <a:r>
-              <a:rPr lang="en-US" altLang="ko-KR" sz="1600" dirty="0" smtClean="0"/>
-              <a:t>- </a:t>
-            </a:r>
-            <a:r>
-              <a:rPr lang="en-US" altLang="ko-KR" sz="1600" dirty="0" err="1" smtClean="0"/>
-              <a:t>doFilter</a:t>
-            </a:r>
-            <a:r>
-              <a:rPr lang="en-US" altLang="ko-KR" dirty="0" smtClean="0"/>
-              <a:t>() </a:t>
-            </a:r>
-            <a:r>
-              <a:rPr lang="ko-KR" altLang="en-US" dirty="0" err="1" smtClean="0"/>
-              <a:t>메서드</a:t>
-            </a:r>
-            <a:r>
-              <a:rPr lang="ko-KR" altLang="en-US" dirty="0" smtClean="0"/>
-              <a:t> </a:t>
-            </a:r>
-            <a:r>
-              <a:rPr lang="en-US" altLang="ko-KR" dirty="0" smtClean="0"/>
-              <a:t>: </a:t>
-            </a:r>
-            <a:r>
-              <a:rPr lang="en-US" altLang="ko-KR" dirty="0" err="1" smtClean="0"/>
-              <a:t>ServletRequest</a:t>
-            </a:r>
-            <a:r>
-              <a:rPr lang="en-US" altLang="ko-KR" dirty="0" smtClean="0"/>
-              <a:t>, </a:t>
-            </a:r>
-            <a:r>
-              <a:rPr lang="en-US" altLang="ko-KR" dirty="0" err="1" smtClean="0"/>
-              <a:t>ServletResponse</a:t>
-            </a:r>
-            <a:r>
-              <a:rPr lang="en-US" altLang="ko-KR" dirty="0" smtClean="0"/>
-              <a:t>, </a:t>
-            </a:r>
-            <a:r>
-              <a:rPr lang="en-US" altLang="ko-KR" dirty="0" err="1" smtClean="0"/>
-              <a:t>FilterChain</a:t>
-            </a:r>
-            <a:r>
-              <a:rPr lang="en-US" altLang="ko-KR" dirty="0" smtClean="0"/>
-              <a:t> </a:t>
-            </a:r>
-            <a:r>
-              <a:rPr lang="ko-KR" altLang="en-US" dirty="0" smtClean="0"/>
-              <a:t>클래스 사용 </a:t>
-            </a:r>
-            <a:endParaRPr lang="en-US" altLang="ko-KR" sz="1600" dirty="0" smtClean="0"/>
-          </a:p>
-        </p:txBody>
-      </p:sp>
-      <p:sp>
-        <p:nvSpPr>
-          <p:cNvPr id="10" name="TextBox 9"/>
-          <p:cNvSpPr txBox="1"/>
-          <p:nvPr/>
-        </p:nvSpPr>
-        <p:spPr>
-          <a:xfrm>
-            <a:off x="1136576" y="4603372"/>
-            <a:ext cx="8136904" cy="715089"/>
-          </a:xfrm>
-          <a:prstGeom prst="roundRect">
-            <a:avLst/>
-          </a:prstGeom>
-          <a:ln w="19050">
-            <a:solidFill>
-              <a:srgbClr val="0070C0"/>
-            </a:solidFill>
-          </a:ln>
-        </p:spPr>
-        <p:style>
-          <a:lnRef idx="2">
-            <a:schemeClr val="dk1"/>
-          </a:lnRef>
-          <a:fillRef idx="1">
-            <a:schemeClr val="lt1"/>
-          </a:fillRef>
-          <a:effectRef idx="0">
-            <a:schemeClr val="dk1"/>
-          </a:effectRef>
-          <a:fontRef idx="minor">
-            <a:schemeClr val="dk1"/>
-          </a:fontRef>
-        </p:style>
-        <p:txBody>
-          <a:bodyPr wrap="square" rtlCol="0">
-            <a:spAutoFit/>
-          </a:bodyPr>
-          <a:lstStyle/>
-          <a:p>
-            <a:r>
-              <a:rPr lang="en-US" altLang="ko-KR" dirty="0" smtClean="0">
-                <a:solidFill>
-                  <a:schemeClr val="tx1"/>
-                </a:solidFill>
-              </a:rPr>
-              <a:t>public void </a:t>
-            </a:r>
-            <a:r>
-              <a:rPr lang="en-US" altLang="ko-KR" dirty="0" err="1" smtClean="0">
-                <a:solidFill>
-                  <a:schemeClr val="tx1"/>
-                </a:solidFill>
-              </a:rPr>
-              <a:t>doFilter</a:t>
-            </a:r>
-            <a:r>
-              <a:rPr lang="en-US" altLang="ko-KR" dirty="0" smtClean="0">
-                <a:solidFill>
-                  <a:schemeClr val="tx1"/>
-                </a:solidFill>
-              </a:rPr>
-              <a:t>(</a:t>
-            </a:r>
-            <a:r>
-              <a:rPr lang="en-US" altLang="ko-KR" dirty="0" err="1" smtClean="0">
-                <a:solidFill>
-                  <a:srgbClr val="C00000"/>
-                </a:solidFill>
-              </a:rPr>
-              <a:t>ServletRequest</a:t>
-            </a:r>
-            <a:r>
-              <a:rPr lang="en-US" altLang="ko-KR" dirty="0" smtClean="0">
-                <a:solidFill>
-                  <a:srgbClr val="C00000"/>
-                </a:solidFill>
-              </a:rPr>
-              <a:t> </a:t>
-            </a:r>
-            <a:r>
-              <a:rPr lang="en-US" altLang="ko-KR" dirty="0" smtClean="0">
-                <a:solidFill>
-                  <a:srgbClr val="0070C0"/>
-                </a:solidFill>
-              </a:rPr>
-              <a:t>request</a:t>
-            </a:r>
-            <a:r>
-              <a:rPr lang="en-US" altLang="ko-KR" dirty="0" smtClean="0">
-                <a:solidFill>
-                  <a:schemeClr val="tx1"/>
-                </a:solidFill>
-              </a:rPr>
-              <a:t>,  </a:t>
-            </a:r>
-            <a:r>
-              <a:rPr lang="en-US" altLang="ko-KR" dirty="0" err="1" smtClean="0">
-                <a:solidFill>
-                  <a:srgbClr val="C00000"/>
-                </a:solidFill>
-              </a:rPr>
-              <a:t>ServletResponse</a:t>
-            </a:r>
-            <a:r>
-              <a:rPr lang="en-US" altLang="ko-KR" dirty="0" smtClean="0">
-                <a:solidFill>
-                  <a:schemeClr val="tx1"/>
-                </a:solidFill>
-              </a:rPr>
-              <a:t> </a:t>
-            </a:r>
-            <a:r>
-              <a:rPr lang="en-US" altLang="ko-KR" dirty="0" smtClean="0">
-                <a:solidFill>
-                  <a:srgbClr val="0070C0"/>
-                </a:solidFill>
-              </a:rPr>
-              <a:t>response</a:t>
-            </a:r>
-            <a:r>
-              <a:rPr lang="en-US" altLang="ko-KR" dirty="0" smtClean="0">
-                <a:solidFill>
-                  <a:schemeClr val="tx1"/>
-                </a:solidFill>
-              </a:rPr>
-              <a:t>,</a:t>
-            </a:r>
-          </a:p>
-          <a:p>
-            <a:r>
-              <a:rPr lang="en-US" altLang="ko-KR" dirty="0" smtClean="0">
-                <a:solidFill>
-                  <a:schemeClr val="tx1"/>
-                </a:solidFill>
-              </a:rPr>
-              <a:t>	</a:t>
-            </a:r>
-            <a:r>
-              <a:rPr lang="en-US" altLang="ko-KR" dirty="0" err="1" smtClean="0">
-                <a:solidFill>
-                  <a:srgbClr val="C00000"/>
-                </a:solidFill>
-              </a:rPr>
-              <a:t>FilterChain</a:t>
-            </a:r>
-            <a:r>
-              <a:rPr lang="en-US" altLang="ko-KR" dirty="0" smtClean="0">
-                <a:solidFill>
-                  <a:schemeClr val="tx1"/>
-                </a:solidFill>
-              </a:rPr>
-              <a:t> </a:t>
-            </a:r>
-            <a:r>
-              <a:rPr lang="en-US" altLang="ko-KR" dirty="0" smtClean="0">
-                <a:solidFill>
-                  <a:srgbClr val="0070C0"/>
-                </a:solidFill>
-              </a:rPr>
-              <a:t>chain</a:t>
-            </a:r>
-            <a:r>
-              <a:rPr lang="en-US" altLang="ko-KR" dirty="0" smtClean="0">
-                <a:solidFill>
-                  <a:schemeClr val="tx1"/>
-                </a:solidFill>
-              </a:rPr>
-              <a:t>) throws </a:t>
-            </a:r>
-            <a:r>
-              <a:rPr lang="en-US" altLang="ko-KR" dirty="0" err="1" smtClean="0">
-                <a:solidFill>
-                  <a:schemeClr val="tx1"/>
-                </a:solidFill>
-              </a:rPr>
-              <a:t>java.io.IOException</a:t>
-            </a:r>
-            <a:r>
-              <a:rPr lang="en-US" altLang="ko-KR" dirty="0" smtClean="0">
-                <a:solidFill>
-                  <a:schemeClr val="tx1"/>
-                </a:solidFill>
-              </a:rPr>
-              <a:t>. </a:t>
-            </a:r>
-            <a:r>
-              <a:rPr lang="en-US" altLang="ko-KR" dirty="0" err="1" smtClean="0">
-                <a:solidFill>
-                  <a:schemeClr val="tx1"/>
-                </a:solidFill>
-              </a:rPr>
-              <a:t>ServletException</a:t>
-            </a:r>
-            <a:endParaRPr lang="en-US" altLang="ko-KR" dirty="0">
-              <a:solidFill>
-                <a:schemeClr val="tx1"/>
-              </a:solidFill>
-            </a:endParaRPr>
-          </a:p>
-        </p:txBody>
-      </p:sp>
-      <p:sp>
-        <p:nvSpPr>
-          <p:cNvPr id="11" name="TextBox 10"/>
-          <p:cNvSpPr txBox="1"/>
-          <p:nvPr/>
-        </p:nvSpPr>
-        <p:spPr>
-          <a:xfrm>
-            <a:off x="776536" y="5445224"/>
-            <a:ext cx="7992888" cy="507831"/>
-          </a:xfrm>
-          <a:prstGeom prst="rect">
-            <a:avLst/>
-          </a:prstGeom>
-          <a:noFill/>
-        </p:spPr>
-        <p:txBody>
-          <a:bodyPr wrap="square" rtlCol="0">
-            <a:spAutoFit/>
-          </a:bodyPr>
-          <a:lstStyle/>
-          <a:p>
-            <a:pPr>
-              <a:lnSpc>
-                <a:spcPct val="150000"/>
-              </a:lnSpc>
-            </a:pPr>
-            <a:r>
-              <a:rPr lang="en-US" altLang="ko-KR" sz="1600" dirty="0" smtClean="0"/>
-              <a:t>- </a:t>
-            </a:r>
-            <a:r>
-              <a:rPr lang="en-US" altLang="ko-KR" sz="1600" dirty="0" err="1" smtClean="0"/>
-              <a:t>destory</a:t>
-            </a:r>
-            <a:r>
-              <a:rPr lang="en-US" altLang="ko-KR" dirty="0" smtClean="0"/>
-              <a:t>() </a:t>
-            </a:r>
-            <a:r>
-              <a:rPr lang="ko-KR" altLang="en-US" dirty="0" err="1" smtClean="0"/>
-              <a:t>메서드</a:t>
-            </a:r>
-            <a:r>
-              <a:rPr lang="ko-KR" altLang="en-US" dirty="0" smtClean="0"/>
-              <a:t> </a:t>
-            </a:r>
-            <a:r>
-              <a:rPr lang="en-US" altLang="ko-KR" dirty="0" smtClean="0"/>
-              <a:t>: </a:t>
-            </a:r>
-            <a:r>
-              <a:rPr lang="ko-KR" altLang="en-US" dirty="0" smtClean="0"/>
-              <a:t>필터 </a:t>
-            </a:r>
-            <a:r>
-              <a:rPr lang="ko-KR" altLang="en-US" dirty="0" err="1" smtClean="0"/>
-              <a:t>인스턴스를</a:t>
-            </a:r>
-            <a:r>
-              <a:rPr lang="ko-KR" altLang="en-US" dirty="0" smtClean="0"/>
-              <a:t> 종료하기 전에 호출하는 </a:t>
-            </a:r>
-            <a:r>
-              <a:rPr lang="ko-KR" altLang="en-US" dirty="0" err="1" smtClean="0"/>
-              <a:t>메서드</a:t>
-            </a:r>
-            <a:r>
-              <a:rPr lang="ko-KR" altLang="en-US" dirty="0" smtClean="0"/>
-              <a:t> </a:t>
-            </a:r>
-            <a:endParaRPr lang="en-US" altLang="ko-KR" sz="1600" dirty="0" smtClean="0"/>
           </a:p>
         </p:txBody>
       </p:sp>
@@ -10648,7 +10963,7 @@
         <p:spPr>
           <a:xfrm>
             <a:off x="776536" y="980728"/>
-            <a:ext cx="7218802" cy="969496"/>
+            <a:ext cx="8928992" cy="494494"/>
           </a:xfrm>
           <a:prstGeom prst="rect">
             <a:avLst/>
@@ -10668,13 +10983,130 @@
             </a:pPr>
             <a:r>
               <a:rPr lang="en-US" altLang="ko-KR" sz="2000" b="1" dirty="0" smtClean="0"/>
-              <a:t>web.xml </a:t>
+              <a:t>Filter</a:t>
+            </a:r>
+            <a:r>
+              <a:rPr lang="en-US" altLang="ko-KR" sz="2000" b="1" dirty="0"/>
+              <a:t> </a:t>
             </a:r>
             <a:r>
               <a:rPr lang="ko-KR" altLang="en-US" sz="2000" b="1" dirty="0" smtClean="0"/>
-              <a:t>파일의 필터 구성</a:t>
+              <a:t>인터페이스의 구현 </a:t>
+            </a:r>
+            <a:r>
+              <a:rPr lang="ko-KR" altLang="en-US" sz="2000" b="1" dirty="0" smtClean="0"/>
+              <a:t>클래스</a:t>
             </a:r>
             <a:endParaRPr lang="en-US" altLang="ko-KR" sz="2000" b="1" dirty="0" smtClean="0"/>
+          </a:p>
+        </p:txBody>
+      </p:sp>
+      <p:sp>
+        <p:nvSpPr>
+          <p:cNvPr id="8" name="TextBox 7"/>
+          <p:cNvSpPr txBox="1"/>
+          <p:nvPr/>
+        </p:nvSpPr>
+        <p:spPr>
+          <a:xfrm>
+            <a:off x="777009" y="1700808"/>
+            <a:ext cx="8352928" cy="1285288"/>
+          </a:xfrm>
+          <a:prstGeom prst="rect">
+            <a:avLst/>
+          </a:prstGeom>
+          <a:noFill/>
+        </p:spPr>
+        <p:txBody>
+          <a:bodyPr wrap="square" rtlCol="0">
+            <a:spAutoFit/>
+          </a:bodyPr>
+          <a:lstStyle/>
+          <a:p>
+            <a:pPr marL="285750" indent="-285750">
+              <a:lnSpc>
+                <a:spcPct val="150000"/>
+              </a:lnSpc>
+              <a:buFontTx/>
+              <a:buChar char="-"/>
+            </a:pPr>
+            <a:r>
+              <a:rPr lang="en-US" altLang="ko-KR" sz="1600" b="1" dirty="0" err="1" smtClean="0"/>
+              <a:t>doFilter</a:t>
+            </a:r>
+            <a:r>
+              <a:rPr lang="en-US" altLang="ko-KR" b="1" dirty="0" smtClean="0"/>
+              <a:t>() </a:t>
+            </a:r>
+            <a:r>
+              <a:rPr lang="ko-KR" altLang="en-US" b="1" dirty="0" err="1" smtClean="0"/>
+              <a:t>메서드</a:t>
+            </a:r>
+            <a:r>
+              <a:rPr lang="ko-KR" altLang="en-US" b="1" dirty="0" smtClean="0"/>
+              <a:t> </a:t>
+            </a:r>
+            <a:r>
+              <a:rPr lang="en-US" altLang="ko-KR" dirty="0" smtClean="0"/>
+              <a:t>: </a:t>
+            </a:r>
+            <a:r>
+              <a:rPr lang="en-US" altLang="ko-KR" dirty="0" smtClean="0"/>
+              <a:t> </a:t>
+            </a:r>
+            <a:r>
+              <a:rPr lang="en-US" altLang="ko-KR" dirty="0" err="1" smtClean="0"/>
+              <a:t>Jsp</a:t>
+            </a:r>
+            <a:r>
+              <a:rPr lang="en-US" altLang="ko-KR" dirty="0" smtClean="0"/>
+              <a:t> </a:t>
+            </a:r>
+            <a:r>
+              <a:rPr lang="ko-KR" altLang="en-US" dirty="0" smtClean="0"/>
+              <a:t>컨테이너가 </a:t>
+            </a:r>
+            <a:r>
+              <a:rPr lang="ko-KR" altLang="en-US" dirty="0" smtClean="0"/>
+              <a:t>필터를 리소스에 적용할 때 마다 호출되는 메서드임</a:t>
+            </a:r>
+            <a:r>
+              <a:rPr lang="en-US" altLang="ko-KR" dirty="0" smtClean="0"/>
+              <a:t>. </a:t>
+            </a:r>
+            <a:r>
+              <a:rPr lang="en-US" altLang="ko-KR" dirty="0" err="1" smtClean="0"/>
+              <a:t>ServletRequest</a:t>
+            </a:r>
+            <a:r>
+              <a:rPr lang="en-US" altLang="ko-KR" dirty="0" smtClean="0"/>
+              <a:t>, </a:t>
+            </a:r>
+            <a:r>
+              <a:rPr lang="en-US" altLang="ko-KR" dirty="0" err="1" smtClean="0"/>
+              <a:t>ServletResponse</a:t>
+            </a:r>
+            <a:r>
+              <a:rPr lang="en-US" altLang="ko-KR" dirty="0" smtClean="0"/>
+              <a:t>, </a:t>
+            </a:r>
+            <a:r>
+              <a:rPr lang="en-US" altLang="ko-KR" dirty="0" err="1" smtClean="0"/>
+              <a:t>FilterChain</a:t>
+            </a:r>
+            <a:r>
+              <a:rPr lang="en-US" altLang="ko-KR" dirty="0" smtClean="0"/>
+              <a:t> </a:t>
+            </a:r>
+            <a:r>
+              <a:rPr lang="ko-KR" altLang="en-US" dirty="0" smtClean="0"/>
+              <a:t>클래스 </a:t>
+            </a:r>
+            <a:r>
+              <a:rPr lang="ko-KR" altLang="en-US" dirty="0" smtClean="0"/>
+              <a:t>사용</a:t>
+            </a:r>
+            <a:endParaRPr lang="en-US" altLang="ko-KR" dirty="0" smtClean="0"/>
           </a:p>
           <a:p>
             <a:pPr>
@@ -10683,33 +11115,67 @@
               </a:lnSpc>
             </a:pPr>
             <a:r>
+              <a:rPr lang="en-US" altLang="ko-KR" dirty="0"/>
+              <a:t> </a:t>
+            </a:r>
+            <a:r>
               <a:rPr lang="en-US" altLang="ko-KR" dirty="0" smtClean="0"/>
-              <a:t>          &lt;filter&gt; </a:t>
+              <a:t>   </a:t>
+            </a:r>
+            <a:r>
+              <a:rPr lang="en-US" altLang="ko-KR" dirty="0" err="1" smtClean="0"/>
+              <a:t>FilterChain</a:t>
+            </a:r>
+            <a:r>
+              <a:rPr lang="en-US" altLang="ko-KR" dirty="0" smtClean="0"/>
+              <a:t> </a:t>
             </a:r>
             <a:r>
               <a:rPr lang="ko-KR" altLang="en-US" dirty="0" smtClean="0"/>
-              <a:t>요소</a:t>
-            </a:r>
-            <a:endParaRPr lang="en-US" altLang="ko-KR" dirty="0" smtClean="0"/>
-          </a:p>
-        </p:txBody>
-      </p:sp>
-      <p:sp>
-        <p:nvSpPr>
-          <p:cNvPr id="9" name="TextBox 8"/>
+              <a:t>클래스는 체인에서 다음 필터를 호출하는 데 사용됨</a:t>
+            </a:r>
+            <a:r>
+              <a:rPr lang="ko-KR" altLang="en-US" dirty="0" smtClean="0"/>
+              <a:t> </a:t>
+            </a:r>
+            <a:endParaRPr lang="en-US" altLang="ko-KR" sz="1600" dirty="0" smtClean="0"/>
+          </a:p>
+        </p:txBody>
+      </p:sp>
+      <p:sp>
+        <p:nvSpPr>
+          <p:cNvPr id="10" name="TextBox 9"/>
           <p:cNvSpPr txBox="1"/>
           <p:nvPr/>
         </p:nvSpPr>
         <p:spPr>
           <a:xfrm>
-            <a:off x="1424608" y="4149080"/>
-            <a:ext cx="5976664" cy="507831"/>
-          </a:xfrm>
-          <a:prstGeom prst="rect">
-            <a:avLst/>
-          </a:prstGeom>
-          <a:noFill/>
-        </p:spPr>
+            <a:off x="993033" y="3284855"/>
+            <a:ext cx="8136904" cy="962321"/>
+          </a:xfrm>
+          <a:prstGeom prst="roundRect">
+            <a:avLst/>
+          </a:prstGeom>
+          <a:ln w="19050">
+            <a:solidFill>
+              <a:srgbClr val="0070C0"/>
+            </a:solidFill>
+          </a:ln>
+        </p:spPr>
+        <p:style>
+          <a:lnRef idx="2">
+            <a:schemeClr val="dk1"/>
+          </a:lnRef>
+          <a:fillRef idx="1">
+            <a:schemeClr val="lt1"/>
+          </a:fillRef>
+          <a:effectRef idx="0">
+            <a:schemeClr val="dk1"/>
+          </a:effectRef>
+          <a:fontRef idx="minor">
+            <a:schemeClr val="dk1"/>
+          </a:fontRef>
+        </p:style>
         <p:txBody>
           <a:bodyPr wrap="square" rtlCol="0">
             <a:spAutoFit/>
@@ -10722,315 +11188,251 @@
               </a:lnSpc>
             </a:pPr>
             <a:r>
-              <a:rPr lang="en-US" altLang="ko-KR" dirty="0" smtClean="0"/>
-              <a:t> &lt;filter-mapping&gt; </a:t>
-            </a:r>
-            <a:r>
-              <a:rPr lang="ko-KR" altLang="en-US" dirty="0" smtClean="0"/>
-              <a:t>요소</a:t>
-            </a:r>
-            <a:endParaRPr lang="en-US" altLang="ko-KR" dirty="0" smtClean="0"/>
-          </a:p>
-        </p:txBody>
-      </p:sp>
-      <p:sp>
-        <p:nvSpPr>
-          <p:cNvPr id="2" name="직사각형 1"/>
-          <p:cNvSpPr/>
+              <a:rPr lang="en-US" altLang="ko-KR" dirty="0" smtClean="0">
+                <a:solidFill>
+                  <a:schemeClr val="tx1"/>
+                </a:solidFill>
+              </a:rPr>
+              <a:t>public void </a:t>
+            </a:r>
+            <a:r>
+              <a:rPr lang="en-US" altLang="ko-KR" dirty="0" err="1" smtClean="0">
+                <a:solidFill>
+                  <a:schemeClr val="tx1"/>
+                </a:solidFill>
+              </a:rPr>
+              <a:t>doFilter</a:t>
+            </a:r>
+            <a:r>
+              <a:rPr lang="en-US" altLang="ko-KR" dirty="0" smtClean="0">
+                <a:solidFill>
+                  <a:schemeClr val="tx1"/>
+                </a:solidFill>
+              </a:rPr>
+              <a:t>(</a:t>
+            </a:r>
+            <a:r>
+              <a:rPr lang="en-US" altLang="ko-KR" dirty="0" err="1" smtClean="0">
+                <a:solidFill>
+                  <a:srgbClr val="C00000"/>
+                </a:solidFill>
+              </a:rPr>
+              <a:t>ServletRequest</a:t>
+            </a:r>
+            <a:r>
+              <a:rPr lang="en-US" altLang="ko-KR" dirty="0" smtClean="0">
+                <a:solidFill>
+                  <a:srgbClr val="C00000"/>
+                </a:solidFill>
+              </a:rPr>
+              <a:t> </a:t>
+            </a:r>
+            <a:r>
+              <a:rPr lang="en-US" altLang="ko-KR" dirty="0" smtClean="0">
+                <a:solidFill>
+                  <a:srgbClr val="0070C0"/>
+                </a:solidFill>
+              </a:rPr>
+              <a:t>request</a:t>
+            </a:r>
+            <a:r>
+              <a:rPr lang="en-US" altLang="ko-KR" dirty="0" smtClean="0">
+                <a:solidFill>
+                  <a:schemeClr val="tx1"/>
+                </a:solidFill>
+              </a:rPr>
+              <a:t>,  </a:t>
+            </a:r>
+            <a:r>
+              <a:rPr lang="en-US" altLang="ko-KR" dirty="0" err="1" smtClean="0">
+                <a:solidFill>
+                  <a:srgbClr val="C00000"/>
+                </a:solidFill>
+              </a:rPr>
+              <a:t>ServletResponse</a:t>
+            </a:r>
+            <a:r>
+              <a:rPr lang="en-US" altLang="ko-KR" dirty="0" smtClean="0">
+                <a:solidFill>
+                  <a:schemeClr val="tx1"/>
+                </a:solidFill>
+              </a:rPr>
+              <a:t> </a:t>
+            </a:r>
+            <a:r>
+              <a:rPr lang="en-US" altLang="ko-KR" dirty="0" smtClean="0">
+                <a:solidFill>
+                  <a:srgbClr val="0070C0"/>
+                </a:solidFill>
+              </a:rPr>
+              <a:t>response</a:t>
+            </a:r>
+            <a:r>
+              <a:rPr lang="en-US" altLang="ko-KR" dirty="0" smtClean="0">
+                <a:solidFill>
+                  <a:schemeClr val="tx1"/>
+                </a:solidFill>
+              </a:rPr>
+              <a:t>,</a:t>
+            </a:r>
+          </a:p>
+          <a:p>
+            <a:pPr>
+              <a:lnSpc>
+                <a:spcPct val="150000"/>
+              </a:lnSpc>
+            </a:pPr>
+            <a:r>
+              <a:rPr lang="en-US" altLang="ko-KR" dirty="0" smtClean="0">
+                <a:solidFill>
+                  <a:schemeClr val="tx1"/>
+                </a:solidFill>
+              </a:rPr>
+              <a:t>	</a:t>
+            </a:r>
+            <a:r>
+              <a:rPr lang="en-US" altLang="ko-KR" dirty="0" err="1" smtClean="0">
+                <a:solidFill>
+                  <a:srgbClr val="C00000"/>
+                </a:solidFill>
+              </a:rPr>
+              <a:t>FilterChain</a:t>
+            </a:r>
+            <a:r>
+              <a:rPr lang="en-US" altLang="ko-KR" dirty="0" smtClean="0">
+                <a:solidFill>
+                  <a:schemeClr val="tx1"/>
+                </a:solidFill>
+              </a:rPr>
+              <a:t> </a:t>
+            </a:r>
+            <a:r>
+              <a:rPr lang="en-US" altLang="ko-KR" dirty="0" smtClean="0">
+                <a:solidFill>
+                  <a:srgbClr val="0070C0"/>
+                </a:solidFill>
+              </a:rPr>
+              <a:t>chain</a:t>
+            </a:r>
+            <a:r>
+              <a:rPr lang="en-US" altLang="ko-KR" dirty="0" smtClean="0">
+                <a:solidFill>
+                  <a:schemeClr val="tx1"/>
+                </a:solidFill>
+              </a:rPr>
+              <a:t>) throws </a:t>
+            </a:r>
+            <a:r>
+              <a:rPr lang="en-US" altLang="ko-KR" dirty="0" err="1" smtClean="0">
+                <a:solidFill>
+                  <a:schemeClr val="tx1"/>
+                </a:solidFill>
+              </a:rPr>
+              <a:t>java.io.IOException</a:t>
+            </a:r>
+            <a:r>
+              <a:rPr lang="en-US" altLang="ko-KR" dirty="0" smtClean="0">
+                <a:solidFill>
+                  <a:schemeClr val="tx1"/>
+                </a:solidFill>
+              </a:rPr>
+              <a:t>. </a:t>
+            </a:r>
+            <a:r>
+              <a:rPr lang="en-US" altLang="ko-KR" dirty="0" err="1" smtClean="0">
+                <a:solidFill>
+                  <a:schemeClr val="tx1"/>
+                </a:solidFill>
+              </a:rPr>
+              <a:t>ServletException</a:t>
+            </a:r>
+            <a:endParaRPr lang="en-US" altLang="ko-KR" dirty="0">
+              <a:solidFill>
+                <a:schemeClr val="tx1"/>
+              </a:solidFill>
+            </a:endParaRPr>
+          </a:p>
+        </p:txBody>
+      </p:sp>
+      <p:sp>
+        <p:nvSpPr>
+          <p:cNvPr id="11" name="TextBox 10"/>
+          <p:cNvSpPr txBox="1"/>
           <p:nvPr/>
         </p:nvSpPr>
         <p:spPr>
           <a:xfrm>
-            <a:off x="1784648" y="1942498"/>
-            <a:ext cx="5284812" cy="2062103"/>
+            <a:off x="776536" y="4725144"/>
+            <a:ext cx="7992888" cy="507831"/>
           </a:xfrm>
           <a:prstGeom prst="rect">
             <a:avLst/>
           </a:prstGeom>
-          <a:ln>
-            <a:solidFill>
-              <a:schemeClr val="accent5">
-                <a:lumMod val="20000"/>
-                <a:lumOff val="80000"/>
-              </a:schemeClr>
-            </a:solidFill>
-          </a:ln>
-        </p:spPr>
-        <p:txBody>
-          <a:bodyPr wrap="square">
+          <a:noFill/>
+        </p:spPr>
+        <p:txBody>
+          <a:bodyPr wrap="square" rtlCol="0">
             <a:spAutoFit/>
           </a:bodyPr>
           <a:lstStyle/>
           <a:p>
-            <a:r>
-              <a:rPr lang="en-US" altLang="ko-KR" sz="1600" dirty="0"/>
-              <a:t>&lt;filter&gt;</a:t>
-            </a:r>
-          </a:p>
-          <a:p>
-            <a:r>
-              <a:rPr lang="en-US" altLang="ko-KR" sz="1600" dirty="0"/>
-              <a:t>  &lt;</a:t>
-            </a:r>
+            <a:pPr>
+              <a:lnSpc>
+                <a:spcPct val="150000"/>
+              </a:lnSpc>
+            </a:pPr>
             <a:r>
               <a:rPr lang="en-US" altLang="ko-KR" sz="1600" dirty="0" smtClean="0"/>
-              <a:t>filter-name&gt;</a:t>
-            </a:r>
-            <a:r>
-              <a:rPr lang="ko-KR" altLang="en-US" sz="1600" dirty="0" smtClean="0"/>
-              <a:t>필터 이름</a:t>
-            </a:r>
-            <a:r>
-              <a:rPr lang="en-US" altLang="ko-KR" sz="1600" dirty="0" smtClean="0"/>
-              <a:t>&lt;/</a:t>
-            </a:r>
-            <a:r>
-              <a:rPr lang="en-US" altLang="ko-KR" sz="1600" dirty="0"/>
-              <a:t>filter-name&gt;</a:t>
-            </a:r>
-          </a:p>
-          <a:p>
-            <a:r>
-              <a:rPr lang="en-US" altLang="ko-KR" sz="1600" dirty="0"/>
-              <a:t>  &lt;</a:t>
-            </a:r>
-            <a:r>
-              <a:rPr lang="en-US" altLang="ko-KR" sz="1600" dirty="0" smtClean="0"/>
-              <a:t>filter-class&gt;</a:t>
-            </a:r>
-            <a:r>
-              <a:rPr lang="ko-KR" altLang="en-US" sz="1600" dirty="0" smtClean="0"/>
-              <a:t>클래스 이름</a:t>
-            </a:r>
-            <a:r>
-              <a:rPr lang="en-US" altLang="ko-KR" sz="1600" dirty="0" smtClean="0"/>
-              <a:t>&lt;/</a:t>
-            </a:r>
-            <a:r>
-              <a:rPr lang="en-US" altLang="ko-KR" sz="1600" dirty="0"/>
-              <a:t>filter-class&gt;</a:t>
-            </a:r>
-          </a:p>
-          <a:p>
-            <a:r>
-              <a:rPr lang="en-US" altLang="ko-KR" sz="1600" dirty="0"/>
-              <a:t>  &lt;</a:t>
-            </a:r>
-            <a:r>
-              <a:rPr lang="en-US" altLang="ko-KR" sz="1600" dirty="0" err="1"/>
-              <a:t>init-param</a:t>
-            </a:r>
-            <a:r>
-              <a:rPr lang="en-US" altLang="ko-KR" sz="1600" dirty="0"/>
-              <a:t>&gt;</a:t>
-            </a:r>
-          </a:p>
-          <a:p>
-            <a:r>
-              <a:rPr lang="en-US" altLang="ko-KR" sz="1600" dirty="0"/>
-              <a:t>   </a:t>
-            </a:r>
-            <a:r>
-              <a:rPr lang="en-US" altLang="ko-KR" sz="1600" dirty="0" smtClean="0"/>
-              <a:t>   &lt;</a:t>
-            </a:r>
-            <a:r>
-              <a:rPr lang="en-US" altLang="ko-KR" sz="1600" dirty="0" err="1" smtClean="0"/>
-              <a:t>param</a:t>
-            </a:r>
-            <a:r>
-              <a:rPr lang="en-US" altLang="ko-KR" sz="1600" dirty="0" smtClean="0"/>
-              <a:t>-name&gt;</a:t>
-            </a:r>
-            <a:r>
-              <a:rPr lang="ko-KR" altLang="en-US" sz="1600" dirty="0" smtClean="0"/>
-              <a:t>매개변수 이름</a:t>
-            </a:r>
-            <a:r>
-              <a:rPr lang="en-US" altLang="ko-KR" sz="1600" dirty="0" smtClean="0"/>
-              <a:t>&lt;/</a:t>
-            </a:r>
-            <a:r>
-              <a:rPr lang="en-US" altLang="ko-KR" sz="1600" dirty="0" err="1"/>
-              <a:t>param</a:t>
-            </a:r>
-            <a:r>
-              <a:rPr lang="en-US" altLang="ko-KR" sz="1600" dirty="0"/>
-              <a:t>-name&gt;</a:t>
-            </a:r>
-          </a:p>
-          <a:p>
-            <a:r>
-              <a:rPr lang="en-US" altLang="ko-KR" sz="1600" dirty="0"/>
-              <a:t>  </a:t>
-            </a:r>
-            <a:r>
-              <a:rPr lang="en-US" altLang="ko-KR" sz="1600" dirty="0" smtClean="0"/>
-              <a:t>    &lt;</a:t>
-            </a:r>
-            <a:r>
-              <a:rPr lang="en-US" altLang="ko-KR" sz="1600" dirty="0" err="1" smtClean="0"/>
-              <a:t>param</a:t>
-            </a:r>
-            <a:r>
-              <a:rPr lang="en-US" altLang="ko-KR" sz="1600" dirty="0" smtClean="0"/>
-              <a:t>-value&gt;</a:t>
-            </a:r>
-            <a:r>
-              <a:rPr lang="ko-KR" altLang="en-US" sz="1600" dirty="0" smtClean="0"/>
-              <a:t>매개변수 값 </a:t>
-            </a:r>
-            <a:r>
-              <a:rPr lang="en-US" altLang="ko-KR" sz="1600" dirty="0" smtClean="0"/>
-              <a:t>&lt;/</a:t>
-            </a:r>
-            <a:r>
-              <a:rPr lang="en-US" altLang="ko-KR" sz="1600" dirty="0" err="1"/>
-              <a:t>param</a:t>
-            </a:r>
-            <a:r>
-              <a:rPr lang="en-US" altLang="ko-KR" sz="1600" dirty="0"/>
-              <a:t>-value&gt;</a:t>
-            </a:r>
-          </a:p>
-          <a:p>
-            <a:r>
-              <a:rPr lang="en-US" altLang="ko-KR" sz="1600" dirty="0"/>
-              <a:t>  &lt;/</a:t>
-            </a:r>
-            <a:r>
-              <a:rPr lang="en-US" altLang="ko-KR" sz="1600" dirty="0" err="1"/>
-              <a:t>init-param</a:t>
-            </a:r>
-            <a:r>
-              <a:rPr lang="en-US" altLang="ko-KR" sz="1600" dirty="0"/>
-              <a:t>&gt;</a:t>
-            </a:r>
-          </a:p>
-          <a:p>
-            <a:r>
-              <a:rPr lang="en-US" altLang="ko-KR" sz="1600" dirty="0" smtClean="0"/>
-              <a:t>&lt;/</a:t>
-            </a:r>
-            <a:r>
-              <a:rPr lang="en-US" altLang="ko-KR" sz="1600" dirty="0"/>
-              <a:t>filter&gt;</a:t>
-            </a:r>
-            <a:endParaRPr lang="ko-KR" altLang="en-US" sz="1600" dirty="0"/>
-          </a:p>
-        </p:txBody>
-      </p:sp>
-      <p:sp>
-        <p:nvSpPr>
-          <p:cNvPr id="3" name="직사각형 2"/>
-          <p:cNvSpPr/>
-          <p:nvPr/>
-        </p:nvSpPr>
-        <p:spPr>
-          <a:xfrm>
-            <a:off x="1784648" y="4701043"/>
-            <a:ext cx="4953000" cy="1107996"/>
-          </a:xfrm>
-          <a:prstGeom prst="rect">
-            <a:avLst/>
-          </a:prstGeom>
-          <a:ln>
-            <a:solidFill>
-              <a:schemeClr val="accent5">
-                <a:lumMod val="20000"/>
-                <a:lumOff val="80000"/>
-              </a:schemeClr>
-            </a:solidFill>
-          </a:ln>
-        </p:spPr>
-        <p:txBody>
-          <a:bodyPr>
-            <a:spAutoFit/>
-          </a:bodyPr>
-          <a:lstStyle/>
-          <a:p>
-            <a:r>
-              <a:rPr lang="en-US" altLang="ko-KR" sz="1600" dirty="0"/>
-              <a:t>&lt;filter-mapping&gt;</a:t>
-            </a:r>
-          </a:p>
-          <a:p>
-            <a:r>
-              <a:rPr lang="en-US" altLang="ko-KR" sz="1600" dirty="0"/>
-              <a:t>  &lt;</a:t>
-            </a:r>
-            <a:r>
-              <a:rPr lang="en-US" altLang="ko-KR" sz="1600" dirty="0" smtClean="0"/>
-              <a:t>filter-name&gt;</a:t>
-            </a:r>
-            <a:r>
-              <a:rPr lang="ko-KR" altLang="en-US" sz="1600" dirty="0" smtClean="0"/>
-              <a:t>필터 이름</a:t>
-            </a:r>
-            <a:r>
-              <a:rPr lang="en-US" altLang="ko-KR" sz="1600" dirty="0" smtClean="0"/>
-              <a:t>&lt;/</a:t>
-            </a:r>
-            <a:r>
-              <a:rPr lang="en-US" altLang="ko-KR" sz="1600" dirty="0"/>
-              <a:t>filter-name&gt;</a:t>
-            </a:r>
-          </a:p>
-          <a:p>
-            <a:r>
-              <a:rPr lang="en-US" altLang="ko-KR" sz="1600" dirty="0"/>
-              <a:t>    &lt;</a:t>
-            </a:r>
-            <a:r>
-              <a:rPr lang="en-US" altLang="ko-KR" sz="1600" dirty="0" err="1"/>
-              <a:t>url</a:t>
-            </a:r>
-            <a:r>
-              <a:rPr lang="en-US" altLang="ko-KR" sz="1600" dirty="0"/>
-              <a:t>-pattern</a:t>
-            </a:r>
-            <a:r>
-              <a:rPr lang="en-US" altLang="ko-KR" sz="1600" dirty="0" smtClean="0"/>
-              <a:t>&gt;</a:t>
-            </a:r>
-            <a:r>
-              <a:rPr lang="ko-KR" altLang="en-US" sz="1600" dirty="0" smtClean="0"/>
-              <a:t>요청 </a:t>
-            </a:r>
-            <a:r>
-              <a:rPr lang="en-US" altLang="ko-KR" sz="1600" dirty="0" smtClean="0"/>
-              <a:t>URL </a:t>
-            </a:r>
-            <a:r>
-              <a:rPr lang="ko-KR" altLang="en-US" sz="1600" dirty="0" smtClean="0"/>
-              <a:t>패턴</a:t>
-            </a:r>
-            <a:r>
-              <a:rPr lang="en-US" altLang="ko-KR" sz="1600" dirty="0" smtClean="0"/>
-              <a:t>&lt;/</a:t>
-            </a:r>
-            <a:r>
-              <a:rPr lang="en-US" altLang="ko-KR" sz="1600" dirty="0" err="1"/>
-              <a:t>url</a:t>
-            </a:r>
-            <a:r>
-              <a:rPr lang="en-US" altLang="ko-KR" sz="1600" dirty="0"/>
-              <a:t>-pattern&gt;</a:t>
-            </a:r>
-          </a:p>
-          <a:p>
-            <a:r>
-              <a:rPr lang="en-US" altLang="ko-KR" sz="1600" dirty="0"/>
-              <a:t>  &lt;/filter-mapping&gt;</a:t>
-            </a:r>
-            <a:endParaRPr lang="ko-KR" altLang="en-US" sz="1600" dirty="0"/>
+              <a:t>- </a:t>
+            </a:r>
+            <a:r>
+              <a:rPr lang="en-US" altLang="ko-KR" sz="1600" b="1" dirty="0" err="1" smtClean="0"/>
+              <a:t>destory</a:t>
+            </a:r>
+            <a:r>
+              <a:rPr lang="en-US" altLang="ko-KR" b="1" dirty="0" smtClean="0"/>
+              <a:t>() </a:t>
+            </a:r>
+            <a:r>
+              <a:rPr lang="ko-KR" altLang="en-US" b="1" dirty="0" err="1" smtClean="0"/>
+              <a:t>메서드</a:t>
+            </a:r>
+            <a:r>
+              <a:rPr lang="ko-KR" altLang="en-US" b="1" dirty="0" smtClean="0"/>
+              <a:t> </a:t>
+            </a:r>
+            <a:r>
+              <a:rPr lang="en-US" altLang="ko-KR" dirty="0" smtClean="0"/>
+              <a:t>: </a:t>
+            </a:r>
+            <a:r>
+              <a:rPr lang="ko-KR" altLang="en-US" dirty="0" smtClean="0"/>
+              <a:t>필터 </a:t>
+            </a:r>
+            <a:r>
+              <a:rPr lang="ko-KR" altLang="en-US" dirty="0" err="1" smtClean="0"/>
+              <a:t>인스턴스를</a:t>
+            </a:r>
+            <a:r>
+              <a:rPr lang="ko-KR" altLang="en-US" dirty="0" smtClean="0"/>
+              <a:t> 종료하기 전에 호출하는 </a:t>
+            </a:r>
+            <a:r>
+              <a:rPr lang="ko-KR" altLang="en-US" dirty="0" err="1" smtClean="0"/>
+              <a:t>메서드</a:t>
+            </a:r>
+            <a:r>
+              <a:rPr lang="ko-KR" altLang="en-US" dirty="0" smtClean="0"/>
+              <a:t> </a:t>
+            </a:r>
+            <a:endParaRPr lang="en-US" altLang="ko-KR" sz="1600" dirty="0" smtClean="0"/>
           </a:p>
         </p:txBody>
       </p:sp>
     </p:spTree>
     <p:extLst>
       <p:ext uri="{BB962C8B-B14F-4D97-AF65-F5344CB8AC3E}">
-        <p14:creationId xmlns:p14="http://schemas.microsoft.com/office/powerpoint/2010/main" val="3937790573"/>
+        <p14:creationId xmlns:p14="http://schemas.microsoft.com/office/powerpoint/2010/main" val="1615678672"/>
       </p:ext>
     </p:extLst>
   </p:cSld>
@@ -11129,7 +11531,7 @@
         <p:spPr>
           <a:xfrm>
             <a:off x="776536" y="980728"/>
-            <a:ext cx="7218802" cy="494494"/>
+            <a:ext cx="7218802" cy="969496"/>
           </a:xfrm>
           <a:prstGeom prst="rect">
             <a:avLst/>
@@ -11148,91 +11550,370 @@
               </a:lnSpc>
             </a:pPr>
             <a:r>
+              <a:rPr lang="en-US" altLang="ko-KR" sz="2000" b="1" dirty="0" smtClean="0"/>
+              <a:t>web.xml </a:t>
+            </a:r>
+            <a:r>
               <a:rPr lang="ko-KR" altLang="en-US" sz="2000" b="1" dirty="0" smtClean="0"/>
-              <a:t>프로젝트 계층 구조</a:t>
+              <a:t>파일의 필터 구성</a:t>
             </a:r>
             <a:endParaRPr lang="en-US" altLang="ko-KR" sz="2000" b="1" dirty="0" smtClean="0"/>
           </a:p>
-        </p:txBody>
-      </p:sp>
-      <p:pic>
-        <p:nvPicPr>
-          <p:cNvPr id="4" name="그림 3"/>
-          <p:cNvPicPr>
-            <a:picLocks noChangeAspect="1"/>
-          </p:cNvPicPr>
+          <a:p>
+            <a:pPr>
+              <a:lnSpc>
+                <a:spcPct val="150000"/>
+              </a:lnSpc>
+            </a:pPr>
+            <a:r>
+              <a:rPr lang="en-US" altLang="ko-KR" dirty="0" smtClean="0"/>
+              <a:t>          &lt;filter&gt; </a:t>
+            </a:r>
+            <a:r>
+              <a:rPr lang="ko-KR" altLang="en-US" dirty="0" smtClean="0"/>
+              <a:t>요소</a:t>
+            </a:r>
+            <a:endParaRPr lang="en-US" altLang="ko-KR" dirty="0" smtClean="0"/>
+          </a:p>
+        </p:txBody>
+      </p:sp>
+      <p:sp>
+        <p:nvSpPr>
+          <p:cNvPr id="9" name="TextBox 8"/>
+          <p:cNvSpPr txBox="1"/>
           <p:nvPr/>
-        </p:nvPicPr>
-        <p:blipFill>
-          <a:blip r:embed="rId2">
-            <a:extLst>
-              <a:ext uri="{28A0092B-C50C-407E-A947-70E740481C1C}">
-                <a14:useLocalDpi xmlns:a14="http://schemas.microsoft.com/office/drawing/2010/main" val="0"/>
-              </a:ext>
-            </a:extLst>
-          </a:blip>
-          <a:stretch>
-            <a:fillRect/>
-          </a:stretch>
-        </p:blipFill>
-        <p:spPr>
-          <a:xfrm>
-            <a:off x="1352599" y="1844824"/>
-            <a:ext cx="3503285" cy="3384376"/>
+        </p:nvSpPr>
+        <p:spPr>
+          <a:xfrm>
+            <a:off x="1424608" y="4149080"/>
+            <a:ext cx="5976664" cy="507831"/>
+          </a:xfrm>
+          <a:prstGeom prst="rect">
+            <a:avLst/>
+          </a:prstGeom>
+          <a:noFill/>
+        </p:spPr>
+        <p:txBody>
+          <a:bodyPr wrap="square" rtlCol="0">
+            <a:spAutoFit/>
+          </a:bodyPr>
+          <a:lstStyle/>
+          <a:p>
+            <a:pPr>
+              <a:lnSpc>
+                <a:spcPct val="150000"/>
+              </a:lnSpc>
+            </a:pPr>
+            <a:r>
+              <a:rPr lang="en-US" altLang="ko-KR" dirty="0" smtClean="0"/>
+              <a:t> &lt;filter-mapping&gt; </a:t>
+            </a:r>
+            <a:r>
+              <a:rPr lang="ko-KR" altLang="en-US" dirty="0" smtClean="0"/>
+              <a:t>요소</a:t>
+            </a:r>
+            <a:endParaRPr lang="en-US" altLang="ko-KR" dirty="0" smtClean="0"/>
+          </a:p>
+        </p:txBody>
+      </p:sp>
+      <p:sp>
+        <p:nvSpPr>
+          <p:cNvPr id="2" name="직사각형 1"/>
+          <p:cNvSpPr/>
+          <p:nvPr/>
+        </p:nvSpPr>
+        <p:spPr>
+          <a:xfrm>
+            <a:off x="1784648" y="1942498"/>
+            <a:ext cx="5284812" cy="2062103"/>
           </a:xfrm>
           <a:prstGeom prst="rect">
             <a:avLst/>
           </a:prstGeom>
           <a:ln>
             <a:solidFill>
-              <a:schemeClr val="bg1">
-                <a:lumMod val="85000"/>
+              <a:schemeClr val="accent5">
+                <a:lumMod val="20000"/>
+                <a:lumOff val="80000"/>
               </a:schemeClr>
             </a:solidFill>
           </a:ln>
         </p:spPr>
-      </p:pic>
-      <p:pic>
-        <p:nvPicPr>
-          <p:cNvPr id="6" name="그림 5"/>
-          <p:cNvPicPr>
-            <a:picLocks noChangeAspect="1"/>
-          </p:cNvPicPr>
+        <p:txBody>
+          <a:bodyPr wrap="square">
+            <a:spAutoFit/>
+          </a:bodyPr>
+          <a:lstStyle/>
+          <a:p>
+            <a:r>
+              <a:rPr lang="en-US" altLang="ko-KR" sz="1600" dirty="0"/>
+              <a:t>&lt;filter&gt;</a:t>
+            </a:r>
+          </a:p>
+          <a:p>
+            <a:r>
+              <a:rPr lang="en-US" altLang="ko-KR" sz="1600" dirty="0"/>
+              <a:t>  &lt;</a:t>
+            </a:r>
+            <a:r>
+              <a:rPr lang="en-US" altLang="ko-KR" sz="1600" dirty="0" smtClean="0"/>
+              <a:t>filter-name&gt;</a:t>
+            </a:r>
+            <a:r>
+              <a:rPr lang="ko-KR" altLang="en-US" sz="1600" dirty="0" smtClean="0"/>
+              <a:t>필터 이름</a:t>
+            </a:r>
+            <a:r>
+              <a:rPr lang="en-US" altLang="ko-KR" sz="1600" dirty="0" smtClean="0"/>
+              <a:t>&lt;/</a:t>
+            </a:r>
+            <a:r>
+              <a:rPr lang="en-US" altLang="ko-KR" sz="1600" dirty="0"/>
+              <a:t>filter-name&gt;</a:t>
+            </a:r>
+          </a:p>
+          <a:p>
+            <a:r>
+              <a:rPr lang="en-US" altLang="ko-KR" sz="1600" dirty="0"/>
+              <a:t>  &lt;</a:t>
+            </a:r>
+            <a:r>
+              <a:rPr lang="en-US" altLang="ko-KR" sz="1600" dirty="0" smtClean="0"/>
+              <a:t>filter-class&gt;</a:t>
+            </a:r>
+            <a:r>
+              <a:rPr lang="ko-KR" altLang="en-US" sz="1600" dirty="0" smtClean="0"/>
+              <a:t>클래스 이름</a:t>
+            </a:r>
+            <a:r>
+              <a:rPr lang="en-US" altLang="ko-KR" sz="1600" dirty="0" smtClean="0"/>
+              <a:t>&lt;/</a:t>
+            </a:r>
+            <a:r>
+              <a:rPr lang="en-US" altLang="ko-KR" sz="1600" dirty="0"/>
+              <a:t>filter-class&gt;</a:t>
+            </a:r>
+          </a:p>
+          <a:p>
+            <a:r>
+              <a:rPr lang="en-US" altLang="ko-KR" sz="1600" dirty="0"/>
+              <a:t>  &lt;</a:t>
+            </a:r>
+            <a:r>
+              <a:rPr lang="en-US" altLang="ko-KR" sz="1600" dirty="0" err="1"/>
+              <a:t>init-param</a:t>
+            </a:r>
+            <a:r>
+              <a:rPr lang="en-US" altLang="ko-KR" sz="1600" dirty="0"/>
+              <a:t>&gt;</a:t>
+            </a:r>
+          </a:p>
+          <a:p>
+            <a:r>
+              <a:rPr lang="en-US" altLang="ko-KR" sz="1600" dirty="0"/>
+              <a:t>   </a:t>
+            </a:r>
+            <a:r>
+              <a:rPr lang="en-US" altLang="ko-KR" sz="1600" dirty="0" smtClean="0"/>
+              <a:t>   &lt;</a:t>
+            </a:r>
+            <a:r>
+              <a:rPr lang="en-US" altLang="ko-KR" sz="1600" dirty="0" err="1" smtClean="0"/>
+              <a:t>param</a:t>
+            </a:r>
+            <a:r>
+              <a:rPr lang="en-US" altLang="ko-KR" sz="1600" dirty="0" smtClean="0"/>
+              <a:t>-name&gt;</a:t>
+            </a:r>
+            <a:r>
+              <a:rPr lang="ko-KR" altLang="en-US" sz="1600" dirty="0" smtClean="0"/>
+              <a:t>매개변수 이름</a:t>
+            </a:r>
+            <a:r>
+              <a:rPr lang="en-US" altLang="ko-KR" sz="1600" dirty="0" smtClean="0"/>
+              <a:t>&lt;/</a:t>
+            </a:r>
+            <a:r>
+              <a:rPr lang="en-US" altLang="ko-KR" sz="1600" dirty="0" err="1"/>
+              <a:t>param</a:t>
+            </a:r>
+            <a:r>
+              <a:rPr lang="en-US" altLang="ko-KR" sz="1600" dirty="0"/>
+              <a:t>-name&gt;</a:t>
+            </a:r>
+          </a:p>
+          <a:p>
+            <a:r>
+              <a:rPr lang="en-US" altLang="ko-KR" sz="1600" dirty="0"/>
+              <a:t>  </a:t>
+            </a:r>
+            <a:r>
+              <a:rPr lang="en-US" altLang="ko-KR" sz="1600" dirty="0" smtClean="0"/>
+              <a:t>    &lt;</a:t>
+            </a:r>
+            <a:r>
+              <a:rPr lang="en-US" altLang="ko-KR" sz="1600" dirty="0" err="1" smtClean="0"/>
+              <a:t>param</a:t>
+            </a:r>
+            <a:r>
+              <a:rPr lang="en-US" altLang="ko-KR" sz="1600" dirty="0" smtClean="0"/>
+              <a:t>-value&gt;</a:t>
+            </a:r>
+            <a:r>
+              <a:rPr lang="ko-KR" altLang="en-US" sz="1600" dirty="0" smtClean="0"/>
+              <a:t>매개변수 값 </a:t>
+            </a:r>
+            <a:r>
+              <a:rPr lang="en-US" altLang="ko-KR" sz="1600" dirty="0" smtClean="0"/>
+              <a:t>&lt;/</a:t>
+            </a:r>
+            <a:r>
+              <a:rPr lang="en-US" altLang="ko-KR" sz="1600" dirty="0" err="1"/>
+              <a:t>param</a:t>
+            </a:r>
+            <a:r>
+              <a:rPr lang="en-US" altLang="ko-KR" sz="1600" dirty="0"/>
+              <a:t>-value&gt;</a:t>
+            </a:r>
+          </a:p>
+          <a:p>
+            <a:r>
+              <a:rPr lang="en-US" altLang="ko-KR" sz="1600" dirty="0"/>
+              <a:t>  &lt;/</a:t>
+            </a:r>
+            <a:r>
+              <a:rPr lang="en-US" altLang="ko-KR" sz="1600" dirty="0" err="1"/>
+              <a:t>init-param</a:t>
+            </a:r>
+            <a:r>
+              <a:rPr lang="en-US" altLang="ko-KR" sz="1600" dirty="0"/>
+              <a:t>&gt;</a:t>
+            </a:r>
+          </a:p>
+          <a:p>
+            <a:r>
+              <a:rPr lang="en-US" altLang="ko-KR" sz="1600" dirty="0" smtClean="0"/>
+              <a:t>&lt;/</a:t>
+            </a:r>
+            <a:r>
+              <a:rPr lang="en-US" altLang="ko-KR" sz="1600" dirty="0"/>
+              <a:t>filter&gt;</a:t>
+            </a:r>
+            <a:endParaRPr lang="ko-KR" altLang="en-US" sz="1600" dirty="0"/>
+          </a:p>
+        </p:txBody>
+      </p:sp>
+      <p:sp>
+        <p:nvSpPr>
+          <p:cNvPr id="3" name="직사각형 2"/>
+          <p:cNvSpPr/>
           <p:nvPr/>
-        </p:nvPicPr>
-        <p:blipFill>
-          <a:blip r:embed="rId3">
-            <a:extLst>
-              <a:ext uri="{28A0092B-C50C-407E-A947-70E740481C1C}">
-                <a14:useLocalDpi xmlns:a14="http://schemas.microsoft.com/office/drawing/2010/main" val="0"/>
-              </a:ext>
-            </a:extLst>
-          </a:blip>
-          <a:stretch>
-            <a:fillRect/>
-          </a:stretch>
-        </p:blipFill>
-        <p:spPr>
-          <a:xfrm>
-            <a:off x="5359152" y="1844824"/>
-            <a:ext cx="2748789" cy="3312368"/>
+        </p:nvSpPr>
+        <p:spPr>
+          <a:xfrm>
+            <a:off x="1784648" y="4701043"/>
+            <a:ext cx="4953000" cy="1107996"/>
           </a:xfrm>
           <a:prstGeom prst="rect">
             <a:avLst/>
           </a:prstGeom>
           <a:ln>
             <a:solidFill>
-              <a:schemeClr val="bg1">
-                <a:lumMod val="85000"/>
+              <a:schemeClr val="accent5">
+                <a:lumMod val="20000"/>
+                <a:lumOff val="80000"/>
               </a:schemeClr>
             </a:solidFill>
           </a:ln>
         </p:spPr>
-      </p:pic>
+        <p:txBody>
+          <a:bodyPr>
+            <a:spAutoFit/>
+          </a:bodyPr>
+          <a:lstStyle/>
+          <a:p>
+            <a:r>
+              <a:rPr lang="en-US" altLang="ko-KR" sz="1600" dirty="0"/>
+              <a:t>&lt;filter-mapping&gt;</a:t>
+            </a:r>
+          </a:p>
+          <a:p>
+            <a:r>
+              <a:rPr lang="en-US" altLang="ko-KR" sz="1600" dirty="0"/>
+              <a:t>  &lt;</a:t>
+            </a:r>
+            <a:r>
+              <a:rPr lang="en-US" altLang="ko-KR" sz="1600" dirty="0" smtClean="0"/>
+              <a:t>filter-name&gt;</a:t>
+            </a:r>
+            <a:r>
+              <a:rPr lang="ko-KR" altLang="en-US" sz="1600" dirty="0" smtClean="0"/>
+              <a:t>필터 이름</a:t>
+            </a:r>
+            <a:r>
+              <a:rPr lang="en-US" altLang="ko-KR" sz="1600" dirty="0" smtClean="0"/>
+              <a:t>&lt;/</a:t>
+            </a:r>
+            <a:r>
+              <a:rPr lang="en-US" altLang="ko-KR" sz="1600" dirty="0"/>
+              <a:t>filter-name&gt;</a:t>
+            </a:r>
+          </a:p>
+          <a:p>
+            <a:r>
+              <a:rPr lang="en-US" altLang="ko-KR" sz="1600" dirty="0"/>
+              <a:t>    &lt;</a:t>
+            </a:r>
+            <a:r>
+              <a:rPr lang="en-US" altLang="ko-KR" sz="1600" dirty="0" err="1"/>
+              <a:t>url</a:t>
+            </a:r>
+            <a:r>
+              <a:rPr lang="en-US" altLang="ko-KR" sz="1600" dirty="0"/>
+              <a:t>-pattern</a:t>
+            </a:r>
+            <a:r>
+              <a:rPr lang="en-US" altLang="ko-KR" sz="1600" dirty="0" smtClean="0"/>
+              <a:t>&gt;</a:t>
+            </a:r>
+            <a:r>
+              <a:rPr lang="ko-KR" altLang="en-US" sz="1600" dirty="0" smtClean="0"/>
+              <a:t>요청 </a:t>
+            </a:r>
+            <a:r>
+              <a:rPr lang="en-US" altLang="ko-KR" sz="1600" dirty="0" smtClean="0"/>
+              <a:t>URL </a:t>
+            </a:r>
+            <a:r>
+              <a:rPr lang="ko-KR" altLang="en-US" sz="1600" dirty="0" smtClean="0"/>
+              <a:t>패턴</a:t>
+            </a:r>
+            <a:r>
+              <a:rPr lang="en-US" altLang="ko-KR" sz="1600" dirty="0" smtClean="0"/>
+              <a:t>&lt;/</a:t>
+            </a:r>
+            <a:r>
+              <a:rPr lang="en-US" altLang="ko-KR" sz="1600" dirty="0" err="1"/>
+              <a:t>url</a:t>
+            </a:r>
+            <a:r>
+              <a:rPr lang="en-US" altLang="ko-KR" sz="1600" dirty="0"/>
+              <a:t>-pattern&gt;</a:t>
+            </a:r>
+          </a:p>
+          <a:p>
+            <a:r>
+              <a:rPr lang="en-US" altLang="ko-KR" sz="1600" dirty="0"/>
+              <a:t>  &lt;/filter-mapping&gt;</a:t>
+            </a:r>
+            <a:endParaRPr lang="ko-KR" altLang="en-US" sz="1600" dirty="0"/>
+          </a:p>
+        </p:txBody>
+      </p:sp>
     </p:spTree>
     <p:extLst>
       <p:ext uri="{BB962C8B-B14F-4D97-AF65-F5344CB8AC3E}">
-        <p14:creationId xmlns:p14="http://schemas.microsoft.com/office/powerpoint/2010/main" val="3912775252"/>
+        <p14:creationId xmlns:p14="http://schemas.microsoft.com/office/powerpoint/2010/main" val="3937790573"/>
       </p:ext>
     </p:extLst>
   </p:cSld>
@@ -11266,6 +11947,43 @@
           <a:chExt cx="0" cy="0"/>
         </a:xfrm>
       </p:grpSpPr>
+      <p:pic>
+        <p:nvPicPr>
+          <p:cNvPr id="3" name="그림 2"/>
+          <p:cNvPicPr>
+            <a:picLocks noChangeAspect="1"/>
+          </p:cNvPicPr>
+          <p:nvPr/>
+        </p:nvPicPr>
+        <p:blipFill>
+          <a:blip r:embed="rId2">
+            <a:extLst>
+              <a:ext uri="{28A0092B-C50C-407E-A947-70E740481C1C}">
+                <a14:useLocalDpi xmlns:a14="http://schemas.microsoft.com/office/drawing/2010/main" val="0"/>
+              </a:ext>
+            </a:extLst>
+          </a:blip>
+          <a:stretch>
+            <a:fillRect/>
+          </a:stretch>
+        </p:blipFill>
+        <p:spPr>
+          <a:xfrm>
+            <a:off x="1784648" y="1844824"/>
+            <a:ext cx="3240360" cy="4072345"/>
+          </a:xfrm>
+          <a:prstGeom prst="rect">
+            <a:avLst/>
+          </a:prstGeom>
+          <a:ln>
+            <a:solidFill>
+              <a:schemeClr val="bg1">
+                <a:lumMod val="85000"/>
+              </a:schemeClr>
+            </a:solidFill>
+          </a:ln>
+        </p:spPr>
+      </p:pic>
       <p:sp>
         <p:nvSpPr>
           <p:cNvPr id="15" name="제목 5"/>
@@ -11330,7 +12048,7 @@
         </p:nvSpPr>
         <p:spPr>
           <a:xfrm>
-            <a:off x="776536" y="1062298"/>
+            <a:off x="776536" y="980728"/>
             <a:ext cx="7218802" cy="494494"/>
           </a:xfrm>
           <a:prstGeom prst="rect">
@@ -11351,324 +12069,108 @@
             </a:pPr>
             <a:r>
               <a:rPr lang="ko-KR" altLang="en-US" sz="2000" b="1" dirty="0" smtClean="0"/>
-              <a:t>폼 페이지에서 전송된 요청 </a:t>
-            </a:r>
-            <a:r>
-              <a:rPr lang="ko-KR" altLang="en-US" sz="2000" b="1" dirty="0" err="1" smtClean="0"/>
-              <a:t>파라미터를</a:t>
-            </a:r>
-            <a:r>
-              <a:rPr lang="ko-KR" altLang="en-US" sz="2000" b="1" dirty="0" smtClean="0"/>
-              <a:t> 필터로 처리하기</a:t>
+              <a:t>프로젝트 계층 구조</a:t>
             </a:r>
             <a:endParaRPr lang="en-US" altLang="ko-KR" sz="2000" b="1" dirty="0" smtClean="0"/>
           </a:p>
         </p:txBody>
       </p:sp>
-      <p:cxnSp>
-        <p:nvCxnSpPr>
-          <p:cNvPr id="16" name="직선 화살표 연결선 15"/>
-          <p:cNvCxnSpPr/>
+      <p:sp>
+        <p:nvSpPr>
+          <p:cNvPr id="2" name="모서리가 둥근 직사각형 1"/>
+          <p:cNvSpPr/>
           <p:nvPr/>
-        </p:nvCxnSpPr>
-        <p:spPr>
-          <a:xfrm>
-            <a:off x="4771313" y="2445231"/>
-            <a:ext cx="499032" cy="0"/>
-          </a:xfrm>
-          <a:prstGeom prst="straightConnector1">
-            <a:avLst/>
-          </a:prstGeom>
+        </p:nvSpPr>
+        <p:spPr>
+          <a:xfrm>
+            <a:off x="2000672" y="2852936"/>
+            <a:ext cx="2304256" cy="648072"/>
+          </a:xfrm>
+          <a:prstGeom prst="roundRect">
+            <a:avLst/>
+          </a:prstGeom>
+          <a:noFill/>
           <a:ln w="28575">
             <a:solidFill>
               <a:srgbClr val="C00000"/>
             </a:solidFill>
-            <a:tailEnd type="arrow"/>
           </a:ln>
         </p:spPr>
         <p:style>
-          <a:lnRef idx="1">
-            <a:schemeClr val="accent1"/>
+          <a:lnRef idx="2">
+            <a:schemeClr val="accent1">
+              <a:shade val="50000"/>
+            </a:schemeClr>
           </a:lnRef>
-          <a:fillRef idx="0">
+          <a:fillRef idx="1">
             <a:schemeClr val="accent1"/>
           </a:fillRef>
           <a:effectRef idx="0">
             <a:schemeClr val="accent1"/>
           </a:effectRef>
           <a:fontRef idx="minor">
-            <a:schemeClr val="tx1"/>
+            <a:schemeClr val="lt1"/>
           </a:fontRef>
         </p:style>
-      </p:cxnSp>
-      <p:pic>
-        <p:nvPicPr>
-          <p:cNvPr id="2" name="그림 1"/>
-          <p:cNvPicPr>
-            <a:picLocks noChangeAspect="1"/>
-          </p:cNvPicPr>
+        <p:txBody>
+          <a:bodyPr rtlCol="0" anchor="ctr"/>
+          <a:lstStyle/>
+          <a:p>
+            <a:pPr algn="ctr"/>
+            <a:endParaRPr lang="ko-KR" altLang="en-US"/>
+          </a:p>
+        </p:txBody>
+      </p:sp>
+      <p:sp>
+        <p:nvSpPr>
+          <p:cNvPr id="9" name="모서리가 둥근 직사각형 8"/>
+          <p:cNvSpPr/>
           <p:nvPr/>
-        </p:nvPicPr>
-        <p:blipFill>
-          <a:blip r:embed="rId2">
-            <a:extLst>
-              <a:ext uri="{28A0092B-C50C-407E-A947-70E740481C1C}">
-                <a14:useLocalDpi xmlns:a14="http://schemas.microsoft.com/office/drawing/2010/main" val="0"/>
-              </a:ext>
-            </a:extLst>
-          </a:blip>
-          <a:stretch>
-            <a:fillRect/>
-          </a:stretch>
-        </p:blipFill>
-        <p:spPr>
-          <a:xfrm>
-            <a:off x="1753806" y="5018593"/>
-            <a:ext cx="6367546" cy="1002695"/>
-          </a:xfrm>
-          <a:prstGeom prst="rect">
-            <a:avLst/>
-          </a:prstGeom>
-          <a:ln>
-            <a:solidFill>
-              <a:schemeClr val="accent3">
-                <a:lumMod val="20000"/>
-                <a:lumOff val="80000"/>
-              </a:schemeClr>
-            </a:solidFill>
-          </a:ln>
-        </p:spPr>
-      </p:pic>
-      <p:sp>
-        <p:nvSpPr>
-          <p:cNvPr id="14" name="TextBox 13"/>
-          <p:cNvSpPr txBox="1"/>
-          <p:nvPr/>
-        </p:nvSpPr>
-        <p:spPr>
-          <a:xfrm>
-            <a:off x="6853125" y="4493052"/>
-            <a:ext cx="1223080" cy="338554"/>
-          </a:xfrm>
-          <a:prstGeom prst="rect">
+        </p:nvSpPr>
+        <p:spPr>
+          <a:xfrm>
+            <a:off x="2360712" y="4487213"/>
+            <a:ext cx="2304256" cy="648072"/>
+          </a:xfrm>
+          <a:prstGeom prst="roundRect">
             <a:avLst/>
           </a:prstGeom>
           <a:noFill/>
-          <a:ln>
-            <a:solidFill>
-              <a:schemeClr val="tx1">
-                <a:lumMod val="50000"/>
-                <a:lumOff val="50000"/>
-              </a:schemeClr>
-            </a:solidFill>
-          </a:ln>
-        </p:spPr>
-        <p:txBody>
-          <a:bodyPr wrap="square" rtlCol="0">
-            <a:spAutoFit/>
-          </a:bodyPr>
-          <a:lstStyle/>
-          <a:p>
-            <a:r>
-              <a:rPr lang="en-US" altLang="ko-KR" sz="1600" dirty="0"/>
-              <a:t>f</a:t>
-            </a:r>
-            <a:r>
-              <a:rPr lang="en-US" altLang="ko-KR" sz="1600" dirty="0" smtClean="0"/>
-              <a:t>ilter01.jsp</a:t>
-            </a:r>
-            <a:endParaRPr lang="ko-KR" altLang="en-US" sz="1600" dirty="0"/>
-          </a:p>
-        </p:txBody>
-      </p:sp>
-      <p:pic>
-        <p:nvPicPr>
-          <p:cNvPr id="6" name="그림 5"/>
-          <p:cNvPicPr>
-            <a:picLocks noChangeAspect="1"/>
-          </p:cNvPicPr>
-          <p:nvPr/>
-        </p:nvPicPr>
-        <p:blipFill>
-          <a:blip r:embed="rId3">
-            <a:extLst>
-              <a:ext uri="{28A0092B-C50C-407E-A947-70E740481C1C}">
-                <a14:useLocalDpi xmlns:a14="http://schemas.microsoft.com/office/drawing/2010/main" val="0"/>
-              </a:ext>
-            </a:extLst>
-          </a:blip>
-          <a:stretch>
-            <a:fillRect/>
-          </a:stretch>
-        </p:blipFill>
-        <p:spPr>
-          <a:xfrm>
-            <a:off x="848544" y="1988840"/>
-            <a:ext cx="3711262" cy="983065"/>
-          </a:xfrm>
-          <a:prstGeom prst="rect">
-            <a:avLst/>
-          </a:prstGeom>
-          <a:ln>
-            <a:solidFill>
-              <a:schemeClr val="bg1">
-                <a:lumMod val="85000"/>
-              </a:schemeClr>
-            </a:solidFill>
-          </a:ln>
-        </p:spPr>
-      </p:pic>
-      <p:pic>
-        <p:nvPicPr>
-          <p:cNvPr id="7" name="그림 6"/>
-          <p:cNvPicPr>
-            <a:picLocks noChangeAspect="1"/>
-          </p:cNvPicPr>
-          <p:nvPr/>
-        </p:nvPicPr>
-        <p:blipFill>
-          <a:blip r:embed="rId4">
-            <a:extLst>
-              <a:ext uri="{28A0092B-C50C-407E-A947-70E740481C1C}">
-                <a14:useLocalDpi xmlns:a14="http://schemas.microsoft.com/office/drawing/2010/main" val="0"/>
-              </a:ext>
-            </a:extLst>
-          </a:blip>
-          <a:stretch>
-            <a:fillRect/>
-          </a:stretch>
-        </p:blipFill>
-        <p:spPr>
-          <a:xfrm>
-            <a:off x="5457056" y="2037525"/>
-            <a:ext cx="4145640" cy="815411"/>
-          </a:xfrm>
-          <a:prstGeom prst="rect">
-            <a:avLst/>
-          </a:prstGeom>
-          <a:ln>
-            <a:solidFill>
-              <a:schemeClr val="bg1">
-                <a:lumMod val="85000"/>
-              </a:schemeClr>
-            </a:solidFill>
-          </a:ln>
-        </p:spPr>
-      </p:pic>
-      <p:pic>
-        <p:nvPicPr>
-          <p:cNvPr id="9" name="그림 8"/>
-          <p:cNvPicPr>
-            <a:picLocks noChangeAspect="1"/>
-          </p:cNvPicPr>
-          <p:nvPr/>
-        </p:nvPicPr>
-        <p:blipFill>
-          <a:blip r:embed="rId5">
-            <a:extLst>
-              <a:ext uri="{28A0092B-C50C-407E-A947-70E740481C1C}">
-                <a14:useLocalDpi xmlns:a14="http://schemas.microsoft.com/office/drawing/2010/main" val="0"/>
-              </a:ext>
-            </a:extLst>
-          </a:blip>
-          <a:stretch>
-            <a:fillRect/>
-          </a:stretch>
-        </p:blipFill>
-        <p:spPr>
-          <a:xfrm>
-            <a:off x="848544" y="3621701"/>
-            <a:ext cx="3726503" cy="815411"/>
-          </a:xfrm>
-          <a:prstGeom prst="rect">
-            <a:avLst/>
-          </a:prstGeom>
-          <a:ln>
-            <a:solidFill>
-              <a:schemeClr val="bg1">
-                <a:lumMod val="85000"/>
-              </a:schemeClr>
-            </a:solidFill>
-          </a:ln>
-        </p:spPr>
-      </p:pic>
-      <p:pic>
-        <p:nvPicPr>
-          <p:cNvPr id="10" name="그림 9"/>
-          <p:cNvPicPr>
-            <a:picLocks noChangeAspect="1"/>
-          </p:cNvPicPr>
-          <p:nvPr/>
-        </p:nvPicPr>
-        <p:blipFill>
-          <a:blip r:embed="rId6">
-            <a:extLst>
-              <a:ext uri="{28A0092B-C50C-407E-A947-70E740481C1C}">
-                <a14:useLocalDpi xmlns:a14="http://schemas.microsoft.com/office/drawing/2010/main" val="0"/>
-              </a:ext>
-            </a:extLst>
-          </a:blip>
-          <a:stretch>
-            <a:fillRect/>
-          </a:stretch>
-        </p:blipFill>
-        <p:spPr>
-          <a:xfrm>
-            <a:off x="5487551" y="3553115"/>
-            <a:ext cx="4115146" cy="883997"/>
-          </a:xfrm>
-          <a:prstGeom prst="rect">
-            <a:avLst/>
-          </a:prstGeom>
-          <a:ln>
-            <a:solidFill>
-              <a:schemeClr val="bg1">
-                <a:lumMod val="85000"/>
-              </a:schemeClr>
-            </a:solidFill>
-          </a:ln>
-        </p:spPr>
-      </p:pic>
-      <p:cxnSp>
-        <p:nvCxnSpPr>
-          <p:cNvPr id="18" name="직선 화살표 연결선 17"/>
-          <p:cNvCxnSpPr/>
-          <p:nvPr/>
-        </p:nvCxnSpPr>
-        <p:spPr>
-          <a:xfrm>
-            <a:off x="4771313" y="3995113"/>
-            <a:ext cx="499032" cy="0"/>
-          </a:xfrm>
-          <a:prstGeom prst="straightConnector1">
-            <a:avLst/>
-          </a:prstGeom>
           <a:ln w="28575">
             <a:solidFill>
               <a:srgbClr val="C00000"/>
             </a:solidFill>
-            <a:tailEnd type="arrow"/>
           </a:ln>
         </p:spPr>
         <p:style>
-          <a:lnRef idx="1">
-            <a:schemeClr val="accent1"/>
+          <a:lnRef idx="2">
+            <a:schemeClr val="accent1">
+              <a:shade val="50000"/>
+            </a:schemeClr>
           </a:lnRef>
-          <a:fillRef idx="0">
+          <a:fillRef idx="1">
             <a:schemeClr val="accent1"/>
           </a:fillRef>
           <a:effectRef idx="0">
             <a:schemeClr val="accent1"/>
           </a:effectRef>
           <a:fontRef idx="minor">
-            <a:schemeClr val="tx1"/>
+            <a:schemeClr val="lt1"/>
           </a:fontRef>
         </p:style>
-      </p:cxnSp>
+        <p:txBody>
+          <a:bodyPr rtlCol="0" anchor="ctr"/>
+          <a:lstStyle/>
+          <a:p>
+            <a:pPr algn="ctr"/>
+            <a:endParaRPr lang="ko-KR" altLang="en-US"/>
+          </a:p>
+        </p:txBody>
+      </p:sp>
     </p:spTree>
     <p:extLst>
       <p:ext uri="{BB962C8B-B14F-4D97-AF65-F5344CB8AC3E}">
-        <p14:creationId xmlns:p14="http://schemas.microsoft.com/office/powerpoint/2010/main" val="4260900102"/>
+        <p14:creationId xmlns:p14="http://schemas.microsoft.com/office/powerpoint/2010/main" val="3912775252"/>
       </p:ext>
     </p:extLst>
   </p:cSld>
@@ -11787,7 +12289,15 @@
             </a:pPr>
             <a:r>
               <a:rPr lang="ko-KR" altLang="en-US" sz="2000" b="1" dirty="0" smtClean="0"/>
-              <a:t>폼 페이지에서 전송된 요청 처리</a:t>
+              <a:t>폼 페이지에서 전송된 요청 </a:t>
+            </a:r>
+            <a:r>
+              <a:rPr lang="ko-KR" altLang="en-US" sz="2000" b="1" dirty="0" err="1" smtClean="0"/>
+              <a:t>파라미터를</a:t>
+            </a:r>
+            <a:r>
+              <a:rPr lang="ko-KR" altLang="en-US" sz="2000" b="1" dirty="0" smtClean="0"/>
+              <a:t> 필터로 처리하기</a:t>
             </a:r>
             <a:endParaRPr lang="en-US" altLang="ko-KR" sz="2000" b="1" dirty="0" smtClean="0"/>
           </a:p>
@@ -11795,14 +12305,14 @@
       </p:sp>
       <p:sp>
         <p:nvSpPr>
-          <p:cNvPr id="17" name="TextBox 16"/>
+          <p:cNvPr id="14" name="TextBox 13"/>
           <p:cNvSpPr txBox="1"/>
           <p:nvPr/>
         </p:nvSpPr>
         <p:spPr>
           <a:xfrm>
-            <a:off x="4808984" y="1844824"/>
-            <a:ext cx="2237658" cy="338554"/>
+            <a:off x="7383798" y="3138066"/>
+            <a:ext cx="1223080" cy="338554"/>
           </a:xfrm>
           <a:prstGeom prst="rect">
             <a:avLst/>
@@ -11824,8 +12334,12 @@
           <a:lstStyle/>
           <a:p>
             <a:r>
+              <a:rPr lang="en-US" altLang="ko-KR" sz="1600" dirty="0"/>
+              <a:t>f</a:t>
+            </a:r>
+            <a:r>
               <a:rPr lang="en-US" altLang="ko-KR" sz="1600" dirty="0" smtClean="0"/>
-              <a:t>filter01_process.jsp</a:t>
+              <a:t>ilter01.jsp</a:t>
             </a:r>
             <a:endParaRPr lang="ko-KR" altLang="en-US" sz="1600" dirty="0"/>
           </a:p>
@@ -11833,7 +12347,7 @@
       </p:sp>
       <p:pic>
         <p:nvPicPr>
-          <p:cNvPr id="3" name="그림 2"/>
+          <p:cNvPr id="9" name="그림 8"/>
           <p:cNvPicPr>
             <a:picLocks noChangeAspect="1"/>
           </p:cNvPicPr>
@@ -11853,8 +12367,8 @@
         </p:blipFill>
         <p:spPr>
           <a:xfrm>
-            <a:off x="1784648" y="2407803"/>
-            <a:ext cx="5261994" cy="2185134"/>
+            <a:off x="848544" y="1988840"/>
+            <a:ext cx="3726503" cy="815411"/>
           </a:xfrm>
           <a:prstGeom prst="rect">
             <a:avLst/>
@@ -11868,10 +12382,120 @@
           </a:ln>
         </p:spPr>
       </p:pic>
+      <p:pic>
+        <p:nvPicPr>
+          <p:cNvPr id="10" name="그림 9"/>
+          <p:cNvPicPr>
+            <a:picLocks noChangeAspect="1"/>
+          </p:cNvPicPr>
+          <p:nvPr/>
+        </p:nvPicPr>
+        <p:blipFill>
+          <a:blip r:embed="rId3">
+            <a:extLst>
+              <a:ext uri="{28A0092B-C50C-407E-A947-70E740481C1C}">
+                <a14:useLocalDpi xmlns:a14="http://schemas.microsoft.com/office/drawing/2010/main" val="0"/>
+              </a:ext>
+            </a:extLst>
+          </a:blip>
+          <a:stretch>
+            <a:fillRect/>
+          </a:stretch>
+        </p:blipFill>
+        <p:spPr>
+          <a:xfrm>
+            <a:off x="5487551" y="1920254"/>
+            <a:ext cx="4115146" cy="883997"/>
+          </a:xfrm>
+          <a:prstGeom prst="rect">
+            <a:avLst/>
+          </a:prstGeom>
+          <a:ln>
+            <a:solidFill>
+              <a:schemeClr val="bg1">
+                <a:lumMod val="85000"/>
+              </a:schemeClr>
+            </a:solidFill>
+          </a:ln>
+        </p:spPr>
+      </p:pic>
+      <p:cxnSp>
+        <p:nvCxnSpPr>
+          <p:cNvPr id="18" name="직선 화살표 연결선 17"/>
+          <p:cNvCxnSpPr/>
+          <p:nvPr/>
+        </p:nvCxnSpPr>
+        <p:spPr>
+          <a:xfrm>
+            <a:off x="4771313" y="2362252"/>
+            <a:ext cx="499032" cy="0"/>
+          </a:xfrm>
+          <a:prstGeom prst="straightConnector1">
+            <a:avLst/>
+          </a:prstGeom>
+          <a:ln w="28575">
+            <a:solidFill>
+              <a:srgbClr val="C00000"/>
+            </a:solidFill>
+            <a:tailEnd type="arrow"/>
+          </a:ln>
+        </p:spPr>
+        <p:style>
+          <a:lnRef idx="1">
+            <a:schemeClr val="accent1"/>
+          </a:lnRef>
+          <a:fillRef idx="0">
+            <a:schemeClr val="accent1"/>
+          </a:fillRef>
+          <a:effectRef idx="0">
+            <a:schemeClr val="accent1"/>
+          </a:effectRef>
+          <a:fontRef idx="minor">
+            <a:schemeClr val="tx1"/>
+          </a:fontRef>
+        </p:style>
+      </p:cxnSp>
+      <p:pic>
+        <p:nvPicPr>
+          <p:cNvPr id="3" name="그림 2"/>
+          <p:cNvPicPr>
+            <a:picLocks noChangeAspect="1"/>
+          </p:cNvPicPr>
+          <p:nvPr/>
+        </p:nvPicPr>
+        <p:blipFill>
+          <a:blip r:embed="rId4">
+            <a:extLst>
+              <a:ext uri="{28A0092B-C50C-407E-A947-70E740481C1C}">
+                <a14:useLocalDpi xmlns:a14="http://schemas.microsoft.com/office/drawing/2010/main" val="0"/>
+              </a:ext>
+            </a:extLst>
+          </a:blip>
+          <a:stretch>
+            <a:fillRect/>
+          </a:stretch>
+        </p:blipFill>
+        <p:spPr>
+          <a:xfrm>
+            <a:off x="1639343" y="3800902"/>
+            <a:ext cx="6967536" cy="1153971"/>
+          </a:xfrm>
+          <a:prstGeom prst="rect">
+            <a:avLst/>
+          </a:prstGeom>
+          <a:ln>
+            <a:solidFill>
+              <a:schemeClr val="bg1">
+                <a:lumMod val="85000"/>
+              </a:schemeClr>
+            </a:solidFill>
+          </a:ln>
+        </p:spPr>
+      </p:pic>
     </p:spTree>
     <p:extLst>
       <p:ext uri="{BB962C8B-B14F-4D97-AF65-F5344CB8AC3E}">
-        <p14:creationId xmlns:p14="http://schemas.microsoft.com/office/powerpoint/2010/main" val="2478446785"/>
+        <p14:creationId xmlns:p14="http://schemas.microsoft.com/office/powerpoint/2010/main" val="4260900102"/>
       </p:ext>
     </p:extLst>
   </p:cSld>

--- a/ppt/jsp_ppt/12장. 필터(Filter)-로그 기록.pptx
+++ b/ppt/jsp_ppt/12장. 필터(Filter)-로그 기록.pptx
@@ -5,7 +5,7 @@
     <p:sldMasterId id="2147483648" r:id="rId1"/>
   </p:sldMasterIdLst>
   <p:notesMasterIdLst>
-    <p:notesMasterId r:id="rId28"/>
+    <p:notesMasterId r:id="rId30"/>
   </p:notesMasterIdLst>
   <p:sldIdLst>
     <p:sldId id="256" r:id="rId2"/>
@@ -33,7 +33,9 @@
     <p:sldId id="378" r:id="rId24"/>
     <p:sldId id="375" r:id="rId25"/>
     <p:sldId id="376" r:id="rId26"/>
-    <p:sldId id="374" r:id="rId27"/>
+    <p:sldId id="388" r:id="rId27"/>
+    <p:sldId id="374" r:id="rId28"/>
+    <p:sldId id="387" r:id="rId29"/>
   </p:sldIdLst>
   <p:sldSz cx="9906000" cy="6858000" type="A4"/>
   <p:notesSz cx="6858000" cy="9144000"/>
@@ -233,7 +235,7 @@
           <a:p>
             <a:fld id="{7665CDAC-D627-4E87-877A-1B781DD4CADC}" type="datetimeFigureOut">
               <a:rPr lang="ko-KR" altLang="en-US" smtClean="0"/>
-              <a:t>2023-07-08</a:t>
+              <a:t>2023-07-17</a:t>
             </a:fld>
             <a:endParaRPr lang="ko-KR" altLang="en-US"/>
           </a:p>
@@ -771,7 +773,7 @@
           <a:p>
             <a:fld id="{F4AC81B4-D91A-4578-85B3-829E63FCFE17}" type="datetime1">
               <a:rPr lang="ko-KR" altLang="en-US" smtClean="0"/>
-              <a:t>2023-07-08</a:t>
+              <a:t>2023-07-17</a:t>
             </a:fld>
             <a:endParaRPr lang="ko-KR" altLang="en-US"/>
           </a:p>
@@ -1146,7 +1148,7 @@
           <a:p>
             <a:fld id="{F5B77542-37E5-48F2-BAE7-80CC6B0EB6A3}" type="datetime1">
               <a:rPr lang="ko-KR" altLang="en-US" smtClean="0"/>
-              <a:t>2023-07-08</a:t>
+              <a:t>2023-07-17</a:t>
             </a:fld>
             <a:endParaRPr lang="ko-KR" altLang="en-US"/>
           </a:p>
@@ -1326,7 +1328,7 @@
           <a:p>
             <a:fld id="{227CF174-B5AC-4A98-B673-0BE8126D3F27}" type="datetime1">
               <a:rPr lang="ko-KR" altLang="en-US" smtClean="0"/>
-              <a:t>2023-07-08</a:t>
+              <a:t>2023-07-17</a:t>
             </a:fld>
             <a:endParaRPr lang="ko-KR" altLang="en-US"/>
           </a:p>
@@ -1500,7 +1502,7 @@
           <a:p>
             <a:fld id="{E20FDEC8-1339-42E8-9704-2977280C2FD3}" type="datetime1">
               <a:rPr lang="ko-KR" altLang="en-US" smtClean="0"/>
-              <a:t>2023-07-08</a:t>
+              <a:t>2023-07-17</a:t>
             </a:fld>
             <a:endParaRPr lang="ko-KR" altLang="en-US"/>
           </a:p>
@@ -1746,7 +1748,7 @@
           <a:p>
             <a:fld id="{4D18DC76-A282-4817-B790-197F054E1215}" type="datetime1">
               <a:rPr lang="ko-KR" altLang="en-US" smtClean="0"/>
-              <a:t>2023-07-08</a:t>
+              <a:t>2023-07-17</a:t>
             </a:fld>
             <a:endParaRPr lang="ko-KR" altLang="en-US"/>
           </a:p>
@@ -2034,7 +2036,7 @@
           <a:p>
             <a:fld id="{6680AA6C-13D8-43E4-90F0-E6C88A2B9F16}" type="datetime1">
               <a:rPr lang="ko-KR" altLang="en-US" smtClean="0"/>
-              <a:t>2023-07-08</a:t>
+              <a:t>2023-07-17</a:t>
             </a:fld>
             <a:endParaRPr lang="ko-KR" altLang="en-US"/>
           </a:p>
@@ -2456,7 +2458,7 @@
           <a:p>
             <a:fld id="{3EF5B03B-20CC-436E-8601-C933C6C1F4A6}" type="datetime1">
               <a:rPr lang="ko-KR" altLang="en-US" smtClean="0"/>
-              <a:t>2023-07-08</a:t>
+              <a:t>2023-07-17</a:t>
             </a:fld>
             <a:endParaRPr lang="ko-KR" altLang="en-US"/>
           </a:p>
@@ -2574,7 +2576,7 @@
           <a:p>
             <a:fld id="{87B5A15D-8B08-482F-AB47-E416EC355EB6}" type="datetime1">
               <a:rPr lang="ko-KR" altLang="en-US" smtClean="0"/>
-              <a:t>2023-07-08</a:t>
+              <a:t>2023-07-17</a:t>
             </a:fld>
             <a:endParaRPr lang="ko-KR" altLang="en-US"/>
           </a:p>
@@ -2669,7 +2671,7 @@
           <a:p>
             <a:fld id="{A877D7F8-7B64-44F8-A411-CBD22F28CBFF}" type="datetime1">
               <a:rPr lang="ko-KR" altLang="en-US" smtClean="0"/>
-              <a:t>2023-07-08</a:t>
+              <a:t>2023-07-17</a:t>
             </a:fld>
             <a:endParaRPr lang="ko-KR" altLang="en-US"/>
           </a:p>
@@ -2946,7 +2948,7 @@
           <a:p>
             <a:fld id="{E12DBD9B-2BB6-4D1F-BCB4-1E48829C93C3}" type="datetime1">
               <a:rPr lang="ko-KR" altLang="en-US" smtClean="0"/>
-              <a:t>2023-07-08</a:t>
+              <a:t>2023-07-17</a:t>
             </a:fld>
             <a:endParaRPr lang="ko-KR" altLang="en-US"/>
           </a:p>
@@ -3199,7 +3201,7 @@
           <a:p>
             <a:fld id="{17564C48-0CD7-40EB-BE64-BBF4DB8C56AF}" type="datetime1">
               <a:rPr lang="ko-KR" altLang="en-US" smtClean="0"/>
-              <a:t>2023-07-08</a:t>
+              <a:t>2023-07-17</a:t>
             </a:fld>
             <a:endParaRPr lang="ko-KR" altLang="en-US"/>
           </a:p>
@@ -3379,7 +3381,7 @@
           <a:p>
             <a:fld id="{C116BCB4-B68B-4638-8167-F4BDC0A30DA1}" type="datetime1">
               <a:rPr lang="ko-KR" altLang="en-US" smtClean="0"/>
-              <a:t>2023-07-08</a:t>
+              <a:t>2023-07-17</a:t>
             </a:fld>
             <a:endParaRPr lang="ko-KR" altLang="en-US"/>
           </a:p>
@@ -4481,11 +4483,7 @@
             </a:r>
             <a:r>
               <a:rPr lang="ko-KR" altLang="en-US" sz="2000" b="1" dirty="0" smtClean="0"/>
-              <a:t> 필터 </a:t>
-            </a:r>
-            <a:r>
-              <a:rPr lang="ko-KR" altLang="en-US" sz="2000" b="1" dirty="0" smtClean="0"/>
-              <a:t>만들기 </a:t>
+              <a:t> 필터 만들기 </a:t>
             </a:r>
             <a:r>
               <a:rPr lang="en-US" altLang="ko-KR" sz="2000" b="1" dirty="0" smtClean="0"/>
@@ -7948,15 +7946,7 @@
             </a:r>
             <a:r>
               <a:rPr lang="en-US" altLang="ko-KR" dirty="0" smtClean="0"/>
-              <a:t>(</a:t>
-            </a:r>
-            <a:r>
-              <a:rPr lang="en-US" altLang="ko-KR" dirty="0" smtClean="0"/>
-              <a:t>log</a:t>
-            </a:r>
-            <a:r>
-              <a:rPr lang="en-US" altLang="ko-KR" dirty="0" smtClean="0"/>
-              <a:t>)</a:t>
+              <a:t>(log)</a:t>
             </a:r>
             <a:endParaRPr lang="ko-KR" altLang="en-US" dirty="0"/>
           </a:p>
@@ -8266,11 +8256,7 @@
             </a:r>
             <a:r>
               <a:rPr lang="ko-KR" altLang="en-US" dirty="0"/>
-              <a:t> </a:t>
-            </a:r>
-            <a:r>
-              <a:rPr lang="ko-KR" altLang="en-US" dirty="0"/>
-              <a:t>로그</a:t>
+              <a:t> 로그</a:t>
             </a:r>
             <a:r>
               <a:rPr lang="en-US" altLang="ko-KR" dirty="0"/>
@@ -8435,11 +8421,7 @@
             </a:r>
             <a:r>
               <a:rPr lang="ko-KR" altLang="en-US" dirty="0"/>
-              <a:t> </a:t>
-            </a:r>
-            <a:r>
-              <a:rPr lang="ko-KR" altLang="en-US" dirty="0"/>
-              <a:t>로그</a:t>
+              <a:t> 로그</a:t>
             </a:r>
             <a:r>
               <a:rPr lang="en-US" altLang="ko-KR" dirty="0"/>
@@ -8953,11 +8935,7 @@
             </a:r>
             <a:r>
               <a:rPr lang="ko-KR" altLang="en-US" dirty="0"/>
-              <a:t> </a:t>
-            </a:r>
-            <a:r>
-              <a:rPr lang="ko-KR" altLang="en-US" dirty="0"/>
-              <a:t>로그</a:t>
+              <a:t> 로그</a:t>
             </a:r>
             <a:r>
               <a:rPr lang="en-US" altLang="ko-KR" dirty="0"/>
@@ -8969,7 +8947,7 @@
       </p:sp>
       <p:pic>
         <p:nvPicPr>
-          <p:cNvPr id="3" name="그림 2"/>
+          <p:cNvPr id="2" name="그림 1"/>
           <p:cNvPicPr>
             <a:picLocks noChangeAspect="1"/>
           </p:cNvPicPr>
@@ -8989,8 +8967,8 @@
         </p:blipFill>
         <p:spPr>
           <a:xfrm>
-            <a:off x="748004" y="1052736"/>
-            <a:ext cx="8712968" cy="5217435"/>
+            <a:off x="681620" y="1329508"/>
+            <a:ext cx="8542760" cy="4198984"/>
           </a:xfrm>
           <a:prstGeom prst="rect">
             <a:avLst/>
@@ -9083,52 +9061,13 @@
             </a:r>
             <a:r>
               <a:rPr lang="ko-KR" altLang="en-US" dirty="0"/>
-              <a:t> </a:t>
-            </a:r>
-            <a:r>
-              <a:rPr lang="ko-KR" altLang="en-US" dirty="0"/>
-              <a:t>로그</a:t>
+              <a:t> 로그</a:t>
             </a:r>
             <a:r>
               <a:rPr lang="en-US" altLang="ko-KR" dirty="0"/>
               <a:t>(log)</a:t>
             </a:r>
             <a:endParaRPr lang="ko-KR" altLang="en-US" dirty="0"/>
-          </a:p>
-        </p:txBody>
-      </p:sp>
-      <p:sp>
-        <p:nvSpPr>
-          <p:cNvPr id="5" name="TextBox 4"/>
-          <p:cNvSpPr txBox="1"/>
-          <p:nvPr/>
-        </p:nvSpPr>
-        <p:spPr>
-          <a:xfrm>
-            <a:off x="776536" y="1062298"/>
-            <a:ext cx="7218802" cy="494494"/>
-          </a:xfrm>
-          <a:prstGeom prst="rect">
-            <a:avLst/>
-          </a:prstGeom>
-          <a:noFill/>
-        </p:spPr>
-        <p:txBody>
-          <a:bodyPr wrap="square" rtlCol="0">
-            <a:spAutoFit/>
-          </a:bodyPr>
-          <a:lstStyle/>
-          <a:p>
-            <a:pPr>
-              <a:lnSpc>
-                <a:spcPct val="150000"/>
-              </a:lnSpc>
-            </a:pPr>
-            <a:r>
-              <a:rPr lang="ko-KR" altLang="en-US" sz="2000" b="1" dirty="0" smtClean="0"/>
-              <a:t>로그인 인증 이용하여 필터로 로그 기록하기</a:t>
-            </a:r>
-            <a:endParaRPr lang="en-US" altLang="ko-KR" sz="2000" b="1" dirty="0" smtClean="0"/>
           </a:p>
         </p:txBody>
       </p:sp>
@@ -9154,22 +9093,182 @@
         </p:blipFill>
         <p:spPr>
           <a:xfrm>
-            <a:off x="1183176" y="1844824"/>
-            <a:ext cx="6210084" cy="3024336"/>
+            <a:off x="1211256" y="1653386"/>
+            <a:ext cx="7483488" cy="3551228"/>
           </a:xfrm>
           <a:prstGeom prst="rect">
             <a:avLst/>
           </a:prstGeom>
           <a:ln>
             <a:solidFill>
-              <a:schemeClr val="accent4">
-                <a:lumMod val="20000"/>
-                <a:lumOff val="80000"/>
+              <a:schemeClr val="bg1">
+                <a:lumMod val="85000"/>
               </a:schemeClr>
             </a:solidFill>
           </a:ln>
         </p:spPr>
       </p:pic>
+    </p:spTree>
+    <p:extLst>
+      <p:ext uri="{BB962C8B-B14F-4D97-AF65-F5344CB8AC3E}">
+        <p14:creationId xmlns:p14="http://schemas.microsoft.com/office/powerpoint/2010/main" val="4084749419"/>
+      </p:ext>
+    </p:extLst>
+  </p:cSld>
+  <p:clrMapOvr>
+    <a:masterClrMapping/>
+  </p:clrMapOvr>
+  <p:timing>
+    <p:tnLst>
+      <p:par>
+        <p:cTn id="1" dur="indefinite" restart="never" nodeType="tmRoot"/>
+      </p:par>
+    </p:tnLst>
+  </p:timing>
+</p:sld>
+</file>
+
+<file path=ppt/slides/slide27.xml><?xml version="1.0" encoding="utf-8"?>
+<p:sld xmlns:a="http://schemas.openxmlformats.org/drawingml/2006/main" xmlns:r="http://schemas.openxmlformats.org/officeDocument/2006/relationships" xmlns:p="http://schemas.openxmlformats.org/presentationml/2006/main">
+  <p:cSld>
+    <p:spTree>
+      <p:nvGrpSpPr>
+        <p:cNvPr id="1" name=""/>
+        <p:cNvGrpSpPr/>
+        <p:nvPr/>
+      </p:nvGrpSpPr>
+      <p:grpSpPr>
+        <a:xfrm>
+          <a:off x="0" y="0"/>
+          <a:ext cx="0" cy="0"/>
+          <a:chOff x="0" y="0"/>
+          <a:chExt cx="0" cy="0"/>
+        </a:xfrm>
+      </p:grpSpPr>
+      <p:pic>
+        <p:nvPicPr>
+          <p:cNvPr id="3" name="그림 2"/>
+          <p:cNvPicPr>
+            <a:picLocks noChangeAspect="1"/>
+          </p:cNvPicPr>
+          <p:nvPr/>
+        </p:nvPicPr>
+        <p:blipFill>
+          <a:blip r:embed="rId2">
+            <a:extLst>
+              <a:ext uri="{28A0092B-C50C-407E-A947-70E740481C1C}">
+                <a14:useLocalDpi xmlns:a14="http://schemas.microsoft.com/office/drawing/2010/main" val="0"/>
+              </a:ext>
+            </a:extLst>
+          </a:blip>
+          <a:stretch>
+            <a:fillRect/>
+          </a:stretch>
+        </p:blipFill>
+        <p:spPr>
+          <a:xfrm>
+            <a:off x="1064568" y="1724071"/>
+            <a:ext cx="7171041" cy="3337849"/>
+          </a:xfrm>
+          <a:prstGeom prst="rect">
+            <a:avLst/>
+          </a:prstGeom>
+          <a:ln>
+            <a:solidFill>
+              <a:schemeClr val="bg1">
+                <a:lumMod val="85000"/>
+              </a:schemeClr>
+            </a:solidFill>
+          </a:ln>
+        </p:spPr>
+      </p:pic>
+      <p:sp>
+        <p:nvSpPr>
+          <p:cNvPr id="15" name="제목 5"/>
+          <p:cNvSpPr txBox="1">
+            <a:spLocks/>
+          </p:cNvSpPr>
+          <p:nvPr/>
+        </p:nvSpPr>
+        <p:spPr>
+          <a:xfrm>
+            <a:off x="0" y="-27384"/>
+            <a:ext cx="7995338" cy="854968"/>
+          </a:xfrm>
+          <a:prstGeom prst="rect">
+            <a:avLst/>
+          </a:prstGeom>
+        </p:spPr>
+        <p:txBody>
+          <a:bodyPr anchor="ctr" anchorCtr="0"/>
+          <a:lstStyle>
+            <a:lvl1pPr algn="l" defTabSz="914400" rtl="0" eaLnBrk="1" latinLnBrk="1" hangingPunct="1">
+              <a:spcBef>
+                <a:spcPct val="0"/>
+              </a:spcBef>
+              <a:buNone/>
+              <a:defRPr sz="3200" kern="1200">
+                <a:solidFill>
+                  <a:schemeClr val="bg1"/>
+                </a:solidFill>
+                <a:latin typeface="HY헤드라인M" panose="02030600000101010101" pitchFamily="18" charset="-127"/>
+                <a:ea typeface="HY헤드라인M" panose="02030600000101010101" pitchFamily="18" charset="-127"/>
+                <a:cs typeface="+mj-cs"/>
+              </a:defRPr>
+            </a:lvl1pPr>
+          </a:lstStyle>
+          <a:p>
+            <a:r>
+              <a:rPr lang="en-US" altLang="ko-KR" dirty="0" smtClean="0"/>
+              <a:t> </a:t>
+            </a:r>
+            <a:r>
+              <a:rPr lang="ko-KR" altLang="en-US" dirty="0"/>
+              <a:t> 로그</a:t>
+            </a:r>
+            <a:r>
+              <a:rPr lang="en-US" altLang="ko-KR" dirty="0"/>
+              <a:t>(log)</a:t>
+            </a:r>
+            <a:endParaRPr lang="ko-KR" altLang="en-US" dirty="0"/>
+          </a:p>
+        </p:txBody>
+      </p:sp>
+      <p:sp>
+        <p:nvSpPr>
+          <p:cNvPr id="5" name="TextBox 4"/>
+          <p:cNvSpPr txBox="1"/>
+          <p:nvPr/>
+        </p:nvSpPr>
+        <p:spPr>
+          <a:xfrm>
+            <a:off x="776536" y="1062298"/>
+            <a:ext cx="7218802" cy="494494"/>
+          </a:xfrm>
+          <a:prstGeom prst="rect">
+            <a:avLst/>
+          </a:prstGeom>
+          <a:noFill/>
+        </p:spPr>
+        <p:txBody>
+          <a:bodyPr wrap="square" rtlCol="0">
+            <a:spAutoFit/>
+          </a:bodyPr>
+          <a:lstStyle/>
+          <a:p>
+            <a:pPr>
+              <a:lnSpc>
+                <a:spcPct val="150000"/>
+              </a:lnSpc>
+            </a:pPr>
+            <a:r>
+              <a:rPr lang="ko-KR" altLang="en-US" sz="2000" b="1" dirty="0" smtClean="0"/>
+              <a:t>로그인 인증 이용하여 필터로 로그 기록하기</a:t>
+            </a:r>
+            <a:endParaRPr lang="en-US" altLang="ko-KR" sz="2000" b="1" dirty="0" smtClean="0"/>
+          </a:p>
+        </p:txBody>
+      </p:sp>
       <p:sp>
         <p:nvSpPr>
           <p:cNvPr id="8" name="모서리가 둥근 직사각형 7">
@@ -9234,7 +9333,7 @@
         <p:spPr>
           <a:xfrm>
             <a:off x="6499186" y="3501008"/>
-            <a:ext cx="3206342" cy="864096"/>
+            <a:ext cx="3406814" cy="864096"/>
           </a:xfrm>
           <a:prstGeom prst="roundRect">
             <a:avLst/>
@@ -9288,7 +9387,7 @@
                   <a:sysClr val="windowText" lastClr="000000"/>
                 </a:solidFill>
               </a:rPr>
-              <a:t>log</a:t>
+              <a:t>logs</a:t>
             </a:r>
             <a:r>
               <a:rPr lang="ko-KR" altLang="en-US" sz="1600" dirty="0" smtClean="0">
@@ -9296,7 +9395,7 @@
                   <a:sysClr val="windowText" lastClr="000000"/>
                 </a:solidFill>
               </a:rPr>
-              <a:t>폴더 만들기</a:t>
+              <a:t>폴더 미리 생성</a:t>
             </a:r>
             <a:r>
               <a:rPr lang="en-US" altLang="ko-KR" sz="1600" dirty="0" smtClean="0">
@@ -9381,6 +9480,269 @@
     <p:extLst>
       <p:ext uri="{BB962C8B-B14F-4D97-AF65-F5344CB8AC3E}">
         <p14:creationId xmlns:p14="http://schemas.microsoft.com/office/powerpoint/2010/main" val="24169230"/>
+      </p:ext>
+    </p:extLst>
+  </p:cSld>
+  <p:clrMapOvr>
+    <a:masterClrMapping/>
+  </p:clrMapOvr>
+  <p:timing>
+    <p:tnLst>
+      <p:par>
+        <p:cTn id="1" dur="indefinite" restart="never" nodeType="tmRoot"/>
+      </p:par>
+    </p:tnLst>
+  </p:timing>
+</p:sld>
+</file>
+
+<file path=ppt/slides/slide28.xml><?xml version="1.0" encoding="utf-8"?>
+<p:sld xmlns:a="http://schemas.openxmlformats.org/drawingml/2006/main" xmlns:r="http://schemas.openxmlformats.org/officeDocument/2006/relationships" xmlns:p="http://schemas.openxmlformats.org/presentationml/2006/main">
+  <p:cSld>
+    <p:spTree>
+      <p:nvGrpSpPr>
+        <p:cNvPr id="1" name=""/>
+        <p:cNvGrpSpPr/>
+        <p:nvPr/>
+      </p:nvGrpSpPr>
+      <p:grpSpPr>
+        <a:xfrm>
+          <a:off x="0" y="0"/>
+          <a:ext cx="0" cy="0"/>
+          <a:chOff x="0" y="0"/>
+          <a:chExt cx="0" cy="0"/>
+        </a:xfrm>
+      </p:grpSpPr>
+      <p:sp>
+        <p:nvSpPr>
+          <p:cNvPr id="15" name="제목 5"/>
+          <p:cNvSpPr txBox="1">
+            <a:spLocks/>
+          </p:cNvSpPr>
+          <p:nvPr/>
+        </p:nvSpPr>
+        <p:spPr>
+          <a:xfrm>
+            <a:off x="0" y="-27384"/>
+            <a:ext cx="7995338" cy="854968"/>
+          </a:xfrm>
+          <a:prstGeom prst="rect">
+            <a:avLst/>
+          </a:prstGeom>
+        </p:spPr>
+        <p:txBody>
+          <a:bodyPr anchor="ctr" anchorCtr="0"/>
+          <a:lstStyle>
+            <a:lvl1pPr algn="l" defTabSz="914400" rtl="0" eaLnBrk="1" latinLnBrk="1" hangingPunct="1">
+              <a:spcBef>
+                <a:spcPct val="0"/>
+              </a:spcBef>
+              <a:buNone/>
+              <a:defRPr sz="3200" kern="1200">
+                <a:solidFill>
+                  <a:schemeClr val="bg1"/>
+                </a:solidFill>
+                <a:latin typeface="HY헤드라인M" panose="02030600000101010101" pitchFamily="18" charset="-127"/>
+                <a:ea typeface="HY헤드라인M" panose="02030600000101010101" pitchFamily="18" charset="-127"/>
+                <a:cs typeface="+mj-cs"/>
+              </a:defRPr>
+            </a:lvl1pPr>
+          </a:lstStyle>
+          <a:p>
+            <a:r>
+              <a:rPr lang="en-US" altLang="ko-KR" dirty="0" smtClean="0"/>
+              <a:t> </a:t>
+            </a:r>
+            <a:r>
+              <a:rPr lang="ko-KR" altLang="en-US" dirty="0"/>
+              <a:t> 로그</a:t>
+            </a:r>
+            <a:r>
+              <a:rPr lang="en-US" altLang="ko-KR" dirty="0"/>
+              <a:t>(log)</a:t>
+            </a:r>
+            <a:endParaRPr lang="ko-KR" altLang="en-US" dirty="0"/>
+          </a:p>
+        </p:txBody>
+      </p:sp>
+      <p:sp>
+        <p:nvSpPr>
+          <p:cNvPr id="5" name="TextBox 4"/>
+          <p:cNvSpPr txBox="1"/>
+          <p:nvPr/>
+        </p:nvSpPr>
+        <p:spPr>
+          <a:xfrm>
+            <a:off x="776536" y="1062298"/>
+            <a:ext cx="7218802" cy="494494"/>
+          </a:xfrm>
+          <a:prstGeom prst="rect">
+            <a:avLst/>
+          </a:prstGeom>
+          <a:noFill/>
+        </p:spPr>
+        <p:txBody>
+          <a:bodyPr wrap="square" rtlCol="0">
+            <a:spAutoFit/>
+          </a:bodyPr>
+          <a:lstStyle/>
+          <a:p>
+            <a:pPr marL="342900" indent="-342900">
+              <a:lnSpc>
+                <a:spcPct val="150000"/>
+              </a:lnSpc>
+              <a:buFont typeface="Wingdings" panose="05000000000000000000" pitchFamily="2" charset="2"/>
+              <a:buChar char="ü"/>
+            </a:pPr>
+            <a:r>
+              <a:rPr lang="ko-KR" altLang="en-US" sz="2000" b="1" dirty="0" smtClean="0"/>
+              <a:t>로그인 인증 이용하여 필터로 로그 기록 </a:t>
+            </a:r>
+            <a:r>
+              <a:rPr lang="en-US" altLang="ko-KR" sz="2000" b="1" dirty="0" smtClean="0"/>
+              <a:t>-</a:t>
+            </a:r>
+            <a:r>
+              <a:rPr lang="ko-KR" altLang="en-US" sz="2000" b="1" dirty="0" smtClean="0"/>
+              <a:t> 실행 순서</a:t>
+            </a:r>
+            <a:endParaRPr lang="en-US" altLang="ko-KR" sz="2000" b="1" dirty="0" smtClean="0"/>
+          </a:p>
+        </p:txBody>
+      </p:sp>
+      <p:sp>
+        <p:nvSpPr>
+          <p:cNvPr id="2" name="TextBox 1"/>
+          <p:cNvSpPr txBox="1"/>
+          <p:nvPr/>
+        </p:nvSpPr>
+        <p:spPr>
+          <a:xfrm>
+            <a:off x="992560" y="1844824"/>
+            <a:ext cx="7848872" cy="1477328"/>
+          </a:xfrm>
+          <a:prstGeom prst="rect">
+            <a:avLst/>
+          </a:prstGeom>
+          <a:noFill/>
+        </p:spPr>
+        <p:txBody>
+          <a:bodyPr wrap="square" rtlCol="0">
+            <a:spAutoFit/>
+          </a:bodyPr>
+          <a:lstStyle/>
+          <a:p>
+            <a:pPr marL="342900" indent="-342900">
+              <a:buAutoNum type="arabicPeriod"/>
+            </a:pPr>
+            <a:r>
+              <a:rPr lang="en-US" altLang="ko-KR" dirty="0" err="1" smtClean="0"/>
+              <a:t>LogFile</a:t>
+            </a:r>
+            <a:r>
+              <a:rPr lang="en-US" altLang="ko-KR" dirty="0" smtClean="0"/>
+              <a:t> </a:t>
+            </a:r>
+            <a:r>
+              <a:rPr lang="ko-KR" altLang="en-US" dirty="0" smtClean="0"/>
+              <a:t>필터에서 </a:t>
+            </a:r>
+            <a:r>
+              <a:rPr lang="ko-KR" altLang="en-US" dirty="0" err="1" smtClean="0"/>
+              <a:t>우클릭</a:t>
+            </a:r>
+            <a:r>
+              <a:rPr lang="ko-KR" altLang="en-US" dirty="0" smtClean="0"/>
+              <a:t> </a:t>
+            </a:r>
+            <a:r>
+              <a:rPr lang="en-US" altLang="ko-KR" dirty="0" smtClean="0"/>
+              <a:t>&gt; </a:t>
+            </a:r>
+            <a:r>
+              <a:rPr lang="ko-KR" altLang="en-US" dirty="0" smtClean="0"/>
+              <a:t>서버를 가동함</a:t>
+            </a:r>
+            <a:endParaRPr lang="en-US" altLang="ko-KR" dirty="0" smtClean="0"/>
+          </a:p>
+          <a:p>
+            <a:pPr marL="342900" indent="-342900">
+              <a:buAutoNum type="arabicPeriod"/>
+            </a:pPr>
+            <a:endParaRPr lang="en-US" altLang="ko-KR" dirty="0"/>
+          </a:p>
+          <a:p>
+            <a:pPr marL="342900" indent="-342900">
+              <a:buAutoNum type="arabicPeriod"/>
+            </a:pPr>
+            <a:r>
+              <a:rPr lang="en-US" altLang="ko-KR" dirty="0" smtClean="0"/>
+              <a:t>filter02.jsp </a:t>
+            </a:r>
+            <a:r>
+              <a:rPr lang="ko-KR" altLang="en-US" dirty="0" smtClean="0"/>
+              <a:t>페이지에서 로그인 함</a:t>
+            </a:r>
+            <a:r>
+              <a:rPr lang="en-US" altLang="ko-KR" dirty="0" smtClean="0"/>
+              <a:t>.</a:t>
+            </a:r>
+          </a:p>
+          <a:p>
+            <a:pPr marL="342900" indent="-342900">
+              <a:buAutoNum type="arabicPeriod"/>
+            </a:pPr>
+            <a:endParaRPr lang="en-US" altLang="ko-KR" dirty="0"/>
+          </a:p>
+          <a:p>
+            <a:pPr marL="342900" indent="-342900">
+              <a:buFontTx/>
+              <a:buAutoNum type="arabicPeriod"/>
+            </a:pPr>
+            <a:r>
+              <a:rPr lang="en-US" altLang="ko-KR" dirty="0"/>
+              <a:t>monitor.log</a:t>
+            </a:r>
+            <a:r>
+              <a:rPr lang="ko-KR" altLang="en-US" dirty="0" smtClean="0"/>
+              <a:t>에서 로그인 기록을 확인함</a:t>
+            </a:r>
+            <a:r>
+              <a:rPr lang="en-US" altLang="ko-KR" dirty="0" smtClean="0"/>
+              <a:t>(IP</a:t>
+            </a:r>
+            <a:r>
+              <a:rPr lang="ko-KR" altLang="en-US" dirty="0" smtClean="0"/>
+              <a:t>주소</a:t>
+            </a:r>
+            <a:r>
+              <a:rPr lang="en-US" altLang="ko-KR" dirty="0" smtClean="0"/>
+              <a:t>, </a:t>
+            </a:r>
+            <a:r>
+              <a:rPr lang="ko-KR" altLang="en-US" dirty="0" smtClean="0"/>
+              <a:t>컨텐츠 유형</a:t>
+            </a:r>
+            <a:r>
+              <a:rPr lang="en-US" altLang="ko-KR" dirty="0" smtClean="0"/>
+              <a:t>, </a:t>
+            </a:r>
+            <a:r>
+              <a:rPr lang="ko-KR" altLang="en-US" dirty="0" smtClean="0"/>
+              <a:t>시간 등</a:t>
+            </a:r>
+            <a:r>
+              <a:rPr lang="en-US" altLang="ko-KR" dirty="0" smtClean="0"/>
+              <a:t>)</a:t>
+            </a:r>
+            <a:endParaRPr lang="ko-KR" altLang="en-US" dirty="0"/>
+          </a:p>
+        </p:txBody>
+      </p:sp>
+    </p:spTree>
+    <p:extLst>
+      <p:ext uri="{BB962C8B-B14F-4D97-AF65-F5344CB8AC3E}">
+        <p14:creationId xmlns:p14="http://schemas.microsoft.com/office/powerpoint/2010/main" val="1983503515"/>
       </p:ext>
     </p:extLst>
   </p:cSld>
@@ -10991,11 +11353,7 @@
             </a:r>
             <a:r>
               <a:rPr lang="ko-KR" altLang="en-US" sz="2000" b="1" dirty="0" smtClean="0"/>
-              <a:t>인터페이스의 구현 </a:t>
-            </a:r>
-            <a:r>
-              <a:rPr lang="ko-KR" altLang="en-US" sz="2000" b="1" dirty="0" smtClean="0"/>
-              <a:t>클래스</a:t>
+              <a:t>인터페이스의 구현 클래스</a:t>
             </a:r>
             <a:endParaRPr lang="en-US" altLang="ko-KR" sz="2000" b="1" dirty="0" smtClean="0"/>
           </a:p>
@@ -11048,15 +11406,43 @@
             </a:r>
             <a:r>
               <a:rPr lang="en-US" altLang="ko-KR" dirty="0" smtClean="0"/>
-              <a:t>: </a:t>
+              <a:t>:  </a:t>
+            </a:r>
+            <a:r>
+              <a:rPr lang="en-US" altLang="ko-KR" dirty="0" err="1" smtClean="0"/>
+              <a:t>Jsp</a:t>
             </a:r>
             <a:r>
               <a:rPr lang="en-US" altLang="ko-KR" dirty="0" smtClean="0"/>
               <a:t> </a:t>
             </a:r>
             <a:r>
+              <a:rPr lang="ko-KR" altLang="en-US" dirty="0" smtClean="0"/>
+              <a:t>컨테이너가 필터를 리소스에 적용할 때 마다 호출되는 메서드임</a:t>
+            </a:r>
+            <a:r>
+              <a:rPr lang="en-US" altLang="ko-KR" dirty="0" smtClean="0"/>
+              <a:t>. </a:t>
+            </a:r>
+            <a:r>
               <a:rPr lang="en-US" altLang="ko-KR" dirty="0" err="1" smtClean="0"/>
-              <a:t>Jsp</a:t>
+              <a:t>ServletRequest</a:t>
+            </a:r>
+            <a:r>
+              <a:rPr lang="en-US" altLang="ko-KR" dirty="0" smtClean="0"/>
+              <a:t>, </a:t>
+            </a:r>
+            <a:r>
+              <a:rPr lang="en-US" altLang="ko-KR" dirty="0" err="1" smtClean="0"/>
+              <a:t>ServletResponse</a:t>
+            </a:r>
+            <a:r>
+              <a:rPr lang="en-US" altLang="ko-KR" dirty="0" smtClean="0"/>
+              <a:t>, </a:t>
+            </a:r>
+            <a:r>
+              <a:rPr lang="en-US" altLang="ko-KR" dirty="0" err="1" smtClean="0"/>
+              <a:t>FilterChain</a:t>
             </a:r>
             <a:r>
               <a:rPr lang="en-US" altLang="ko-KR" dirty="0" smtClean="0"/>
@@ -11064,47 +11450,7 @@
             </a:r>
             <a:r>
               <a:rPr lang="ko-KR" altLang="en-US" dirty="0" smtClean="0"/>
-              <a:t>컨테이너가 </a:t>
-            </a:r>
-            <a:r>
-              <a:rPr lang="ko-KR" altLang="en-US" dirty="0" smtClean="0"/>
-              <a:t>필터를 리소스에 적용할 때 마다 호출되는 메서드임</a:t>
-            </a:r>
-            <a:r>
-              <a:rPr lang="en-US" altLang="ko-KR" dirty="0" smtClean="0"/>
-              <a:t>. </a:t>
-            </a:r>
-            <a:r>
-              <a:rPr lang="en-US" altLang="ko-KR" dirty="0" err="1" smtClean="0"/>
-              <a:t>ServletRequest</a:t>
-            </a:r>
-            <a:r>
-              <a:rPr lang="en-US" altLang="ko-KR" dirty="0" smtClean="0"/>
-              <a:t>, </a:t>
-            </a:r>
-            <a:r>
-              <a:rPr lang="en-US" altLang="ko-KR" dirty="0" err="1" smtClean="0"/>
-              <a:t>ServletResponse</a:t>
-            </a:r>
-            <a:r>
-              <a:rPr lang="en-US" altLang="ko-KR" dirty="0" smtClean="0"/>
-              <a:t>, </a:t>
-            </a:r>
-            <a:r>
-              <a:rPr lang="en-US" altLang="ko-KR" dirty="0" err="1" smtClean="0"/>
-              <a:t>FilterChain</a:t>
-            </a:r>
-            <a:r>
-              <a:rPr lang="en-US" altLang="ko-KR" dirty="0" smtClean="0"/>
-              <a:t> </a:t>
-            </a:r>
-            <a:r>
-              <a:rPr lang="ko-KR" altLang="en-US" dirty="0" smtClean="0"/>
-              <a:t>클래스 </a:t>
-            </a:r>
-            <a:r>
-              <a:rPr lang="ko-KR" altLang="en-US" dirty="0" smtClean="0"/>
-              <a:t>사용</a:t>
+              <a:t>클래스 사용</a:t>
             </a:r>
             <a:endParaRPr lang="en-US" altLang="ko-KR" dirty="0" smtClean="0"/>
           </a:p>
@@ -11132,11 +11478,7 @@
             </a:r>
             <a:r>
               <a:rPr lang="ko-KR" altLang="en-US" dirty="0" smtClean="0"/>
-              <a:t>클래스는 체인에서 다음 필터를 호출하는 데 사용됨</a:t>
-            </a:r>
-            <a:r>
-              <a:rPr lang="ko-KR" altLang="en-US" dirty="0" smtClean="0"/>
-              <a:t> </a:t>
+              <a:t>클래스는 체인에서 다음 필터를 호출하는 데 사용됨 </a:t>
             </a:r>
             <a:endParaRPr lang="en-US" altLang="ko-KR" sz="1600" dirty="0" smtClean="0"/>
           </a:p>
